--- a/lectures/2.2Fsharp/lecture.pptx
+++ b/lectures/2.2Fsharp/lecture.pptx
@@ -13,11 +13,11 @@
     <p:sldId id="282" r:id="rId4"/>
     <p:sldId id="287" r:id="rId5"/>
     <p:sldId id="288" r:id="rId6"/>
-    <p:sldId id="289" r:id="rId7"/>
-    <p:sldId id="290" r:id="rId8"/>
-    <p:sldId id="291" r:id="rId9"/>
-    <p:sldId id="259" r:id="rId10"/>
-    <p:sldId id="292" r:id="rId11"/>
+    <p:sldId id="291" r:id="rId7"/>
+    <p:sldId id="259" r:id="rId8"/>
+    <p:sldId id="292" r:id="rId9"/>
+    <p:sldId id="293" r:id="rId10"/>
+    <p:sldId id="294" r:id="rId11"/>
   </p:sldIdLst>
   <p:sldSz cx="12192000" cy="6858000"/>
   <p:notesSz cx="6858000" cy="9144000"/>
@@ -206,7 +206,7 @@
           <a:p>
             <a:fld id="{248031C6-E4B0-0444-A4A8-9CCE96EC2C9C}" type="datetimeFigureOut">
               <a:rPr lang="en-GB" smtClean="0"/>
-              <a:t>10/09/2019</a:t>
+              <a:t>12/09/2019</a:t>
             </a:fld>
             <a:endParaRPr lang="en-GB"/>
           </a:p>
@@ -633,6 +633,50 @@
           <a:bodyPr/>
           <a:lstStyle/>
           <a:p>
+            <a:pPr marL="0" marR="0" lvl="0" indent="0" algn="l" defTabSz="914400" rtl="0" eaLnBrk="1" fontAlgn="auto" latinLnBrk="0" hangingPunct="1">
+              <a:lnSpc>
+                <a:spcPct val="100000"/>
+              </a:lnSpc>
+              <a:spcBef>
+                <a:spcPts val="0"/>
+              </a:spcBef>
+              <a:spcAft>
+                <a:spcPts val="0"/>
+              </a:spcAft>
+              <a:buClrTx/>
+              <a:buSzTx/>
+              <a:buFontTx/>
+              <a:buNone/>
+              <a:tabLst/>
+              <a:defRPr/>
+            </a:pPr>
+            <a:r>
+              <a:rPr lang="en-GB" dirty="0"/>
+              <a:t>8 bit </a:t>
+            </a:r>
+            <a:r>
+              <a:rPr lang="en-GB" dirty="0" err="1"/>
+              <a:t>lig</a:t>
+            </a:r>
+            <a:r>
+              <a:rPr lang="en-GB" dirty="0"/>
+              <a:t> 256 </a:t>
+            </a:r>
+            <a:r>
+              <a:rPr lang="en-GB" dirty="0" err="1"/>
+              <a:t>forskellige</a:t>
+            </a:r>
+            <a:r>
+              <a:rPr lang="en-GB" dirty="0"/>
+              <a:t> </a:t>
+            </a:r>
+            <a:r>
+              <a:rPr lang="en-GB" dirty="0" err="1"/>
+              <a:t>tal</a:t>
+            </a:r>
+            <a:endParaRPr lang="en-GB" dirty="0"/>
+          </a:p>
+          <a:p>
             <a:r>
               <a:rPr lang="en-GB" dirty="0"/>
               <a:t>Vis 134 = 100 + 30 + 4 = 1 * 10^2 + 3 * 10^1 + 4 * 10^0 = sum </a:t>
@@ -731,6 +775,29 @@
           <a:bodyPr/>
           <a:lstStyle/>
           <a:p>
+            <a:pPr marL="0" marR="0" lvl="0" indent="0" algn="l" defTabSz="914400" rtl="0" eaLnBrk="1" fontAlgn="auto" latinLnBrk="0" hangingPunct="1">
+              <a:lnSpc>
+                <a:spcPct val="100000"/>
+              </a:lnSpc>
+              <a:spcBef>
+                <a:spcPts val="0"/>
+              </a:spcBef>
+              <a:spcAft>
+                <a:spcPts val="0"/>
+              </a:spcAft>
+              <a:buClrTx/>
+              <a:buSzTx/>
+              <a:buFontTx/>
+              <a:buNone/>
+              <a:tabLst/>
+              <a:defRPr/>
+            </a:pPr>
+            <a:r>
+              <a:rPr lang="en-GB" dirty="0"/>
+              <a:t>117_10 = 1110101_2</a:t>
+            </a:r>
+          </a:p>
+          <a:p>
             <a:endParaRPr lang="en-GB" dirty="0"/>
           </a:p>
         </p:txBody>
@@ -817,19 +884,11 @@
           <a:p>
             <a:r>
               <a:rPr lang="en-GB" dirty="0"/>
-              <a:t>8 bit </a:t>
+              <a:t>Vis </a:t>
             </a:r>
             <a:r>
               <a:rPr lang="en-GB" dirty="0" err="1"/>
-              <a:t>lig</a:t>
-            </a:r>
-            <a:r>
-              <a:rPr lang="en-GB" dirty="0"/>
-              <a:t> 256 </a:t>
-            </a:r>
-            <a:r>
-              <a:rPr lang="en-GB" dirty="0" err="1"/>
-              <a:t>forskellige</a:t>
+              <a:t>eksempler</a:t>
             </a:r>
             <a:r>
               <a:rPr lang="en-GB" dirty="0"/>
@@ -837,9 +896,12 @@
             </a:r>
             <a:r>
               <a:rPr lang="en-GB" dirty="0" err="1"/>
-              <a:t>tal</a:t>
-            </a:r>
-            <a:endParaRPr lang="en-GB" dirty="0"/>
+              <a:t>på</a:t>
+            </a:r>
+            <a:r>
+              <a:rPr lang="en-GB" dirty="0"/>
+              <a:t> 3, 3u, -3u, 3y, 3s, 3L</a:t>
+            </a:r>
           </a:p>
         </p:txBody>
       </p:sp>
@@ -869,7 +931,7 @@
     </p:spTree>
     <p:extLst>
       <p:ext uri="{BB962C8B-B14F-4D97-AF65-F5344CB8AC3E}">
-        <p14:creationId xmlns:p14="http://schemas.microsoft.com/office/powerpoint/2010/main" val="2678291291"/>
+        <p14:creationId xmlns:p14="http://schemas.microsoft.com/office/powerpoint/2010/main" val="1363425845"/>
       </p:ext>
     </p:extLst>
   </p:cSld>
@@ -925,7 +987,130 @@
           <a:p>
             <a:r>
               <a:rPr lang="en-GB" dirty="0"/>
-              <a:t>117_10 = 1110101_2</a:t>
+              <a:t>Vis </a:t>
+            </a:r>
+            <a:r>
+              <a:rPr lang="en-GB" dirty="0" err="1"/>
+              <a:t>eksempel</a:t>
+            </a:r>
+            <a:r>
+              <a:rPr lang="en-GB" dirty="0"/>
+              <a:t> </a:t>
+            </a:r>
+            <a:r>
+              <a:rPr lang="en-GB" dirty="0" err="1"/>
+              <a:t>på</a:t>
+            </a:r>
+            <a:r>
+              <a:rPr lang="en-GB" dirty="0"/>
+              <a:t>: </a:t>
+            </a:r>
+            <a:r>
+              <a:rPr lang="en-GB" dirty="0" err="1"/>
+              <a:t>int</a:t>
+            </a:r>
+            <a:r>
+              <a:rPr lang="en-GB" dirty="0"/>
+              <a:t> ‘a’ </a:t>
+            </a:r>
+            <a:r>
+              <a:rPr lang="en-GB" dirty="0" err="1"/>
+              <a:t>og</a:t>
+            </a:r>
+            <a:r>
+              <a:rPr lang="en-GB" dirty="0"/>
+              <a:t> 0x61 </a:t>
+            </a:r>
+            <a:r>
+              <a:rPr lang="en-GB" dirty="0" err="1"/>
+              <a:t>og</a:t>
+            </a:r>
+            <a:r>
+              <a:rPr lang="en-GB" dirty="0"/>
+              <a:t> </a:t>
+            </a:r>
+            <a:r>
+              <a:rPr lang="en-GB" dirty="0" err="1"/>
+              <a:t>lokaliser</a:t>
+            </a:r>
+            <a:r>
+              <a:rPr lang="en-GB" dirty="0"/>
+              <a:t> </a:t>
+            </a:r>
+            <a:r>
+              <a:rPr lang="en-GB" dirty="0" err="1"/>
+              <a:t>dem</a:t>
+            </a:r>
+            <a:r>
+              <a:rPr lang="en-GB" dirty="0"/>
+              <a:t> </a:t>
+            </a:r>
+            <a:r>
+              <a:rPr lang="en-GB" dirty="0" err="1"/>
+              <a:t>i</a:t>
+            </a:r>
+            <a:r>
+              <a:rPr lang="en-GB" dirty="0"/>
+              <a:t> </a:t>
+            </a:r>
+            <a:r>
+              <a:rPr lang="en-GB" dirty="0" err="1"/>
+              <a:t>tabellen</a:t>
+            </a:r>
+            <a:endParaRPr lang="en-GB" dirty="0"/>
+          </a:p>
+          <a:p>
+            <a:r>
+              <a:rPr lang="en-GB" dirty="0"/>
+              <a:t>Vis </a:t>
+            </a:r>
+            <a:r>
+              <a:rPr lang="en-GB" dirty="0" err="1"/>
+              <a:t>eksempler</a:t>
+            </a:r>
+            <a:r>
+              <a:rPr lang="en-GB" dirty="0"/>
+              <a:t> </a:t>
+            </a:r>
+            <a:r>
+              <a:rPr lang="en-GB" dirty="0" err="1"/>
+              <a:t>på</a:t>
+            </a:r>
+            <a:r>
+              <a:rPr lang="en-GB" dirty="0"/>
+              <a:t> </a:t>
+            </a:r>
+            <a:r>
+              <a:rPr lang="en-GB" dirty="0" err="1"/>
+              <a:t>tegn</a:t>
+            </a:r>
+            <a:r>
+              <a:rPr lang="en-GB" dirty="0"/>
+              <a:t> </a:t>
+            </a:r>
+            <a:r>
+              <a:rPr lang="en-GB" dirty="0" err="1"/>
+              <a:t>og</a:t>
+            </a:r>
+            <a:r>
+              <a:rPr lang="en-GB" dirty="0"/>
+              <a:t> </a:t>
+            </a:r>
+            <a:r>
+              <a:rPr lang="en-GB" dirty="0" err="1"/>
+              <a:t>strenge</a:t>
+            </a:r>
+            <a:r>
+              <a:rPr lang="en-GB" dirty="0"/>
+              <a:t> med “\n”, “\\”, “\097” </a:t>
+            </a:r>
+            <a:r>
+              <a:rPr lang="en-GB" dirty="0" err="1"/>
+              <a:t>og</a:t>
+            </a:r>
+            <a:r>
+              <a:rPr lang="en-GB" dirty="0"/>
+              <a:t> “\u0061”</a:t>
             </a:r>
           </a:p>
         </p:txBody>
@@ -956,7 +1141,7 @@
     </p:spTree>
     <p:extLst>
       <p:ext uri="{BB962C8B-B14F-4D97-AF65-F5344CB8AC3E}">
-        <p14:creationId xmlns:p14="http://schemas.microsoft.com/office/powerpoint/2010/main" val="1454956397"/>
+        <p14:creationId xmlns:p14="http://schemas.microsoft.com/office/powerpoint/2010/main" val="1776341356"/>
       </p:ext>
     </p:extLst>
   </p:cSld>
@@ -1010,26 +1195,7 @@
           <a:bodyPr/>
           <a:lstStyle/>
           <a:p>
-            <a:r>
-              <a:rPr lang="en-GB" dirty="0"/>
-              <a:t>Vis </a:t>
-            </a:r>
-            <a:r>
-              <a:rPr lang="en-GB" dirty="0" err="1"/>
-              <a:t>eksempler</a:t>
-            </a:r>
-            <a:r>
-              <a:rPr lang="en-GB" dirty="0"/>
-              <a:t> </a:t>
-            </a:r>
-            <a:r>
-              <a:rPr lang="en-GB" dirty="0" err="1"/>
-              <a:t>på</a:t>
-            </a:r>
-            <a:r>
-              <a:rPr lang="en-GB" dirty="0"/>
-              <a:t> 3, 3u, -3u, 3y, 3s, 3L</a:t>
-            </a:r>
+            <a:endParaRPr lang="en-GB" dirty="0"/>
           </a:p>
         </p:txBody>
       </p:sp>
@@ -1059,7 +1225,7 @@
     </p:spTree>
     <p:extLst>
       <p:ext uri="{BB962C8B-B14F-4D97-AF65-F5344CB8AC3E}">
-        <p14:creationId xmlns:p14="http://schemas.microsoft.com/office/powerpoint/2010/main" val="1363425845"/>
+        <p14:creationId xmlns:p14="http://schemas.microsoft.com/office/powerpoint/2010/main" val="1146515036"/>
       </p:ext>
     </p:extLst>
   </p:cSld>
@@ -1096,7 +1262,12 @@
             <p:ph type="sldImg"/>
           </p:nvPr>
         </p:nvSpPr>
-        <p:spPr/>
+        <p:spPr>
+          <a:xfrm>
+            <a:off x="685800" y="1143000"/>
+            <a:ext cx="5486400" cy="3086100"/>
+          </a:xfrm>
+        </p:spPr>
       </p:sp>
       <p:sp>
         <p:nvSpPr>
@@ -1119,127 +1290,17 @@
             </a:r>
             <a:r>
               <a:rPr lang="en-GB" dirty="0" err="1"/>
-              <a:t>eksempel</a:t>
+              <a:t>eksemplet</a:t>
             </a:r>
             <a:r>
               <a:rPr lang="en-GB" dirty="0"/>
-              <a:t> </a:t>
-            </a:r>
-            <a:r>
-              <a:rPr lang="en-GB" dirty="0" err="1"/>
-              <a:t>på</a:t>
-            </a:r>
-            <a:r>
-              <a:rPr lang="en-GB" dirty="0"/>
-              <a:t>: </a:t>
-            </a:r>
-            <a:r>
-              <a:rPr lang="en-GB" dirty="0" err="1"/>
-              <a:t>int</a:t>
-            </a:r>
-            <a:r>
-              <a:rPr lang="en-GB" dirty="0"/>
-              <a:t> ‘a’ </a:t>
-            </a:r>
-            <a:r>
-              <a:rPr lang="en-GB" dirty="0" err="1"/>
-              <a:t>og</a:t>
-            </a:r>
-            <a:r>
-              <a:rPr lang="en-GB" dirty="0"/>
-              <a:t> 0x61 </a:t>
-            </a:r>
-            <a:r>
-              <a:rPr lang="en-GB" dirty="0" err="1"/>
-              <a:t>og</a:t>
-            </a:r>
-            <a:r>
-              <a:rPr lang="en-GB" dirty="0"/>
-              <a:t> </a:t>
-            </a:r>
-            <a:r>
-              <a:rPr lang="en-GB" dirty="0" err="1"/>
-              <a:t>lokaliser</a:t>
-            </a:r>
-            <a:r>
-              <a:rPr lang="en-GB" dirty="0"/>
-              <a:t> </a:t>
-            </a:r>
-            <a:r>
-              <a:rPr lang="en-GB" dirty="0" err="1"/>
-              <a:t>dem</a:t>
-            </a:r>
-            <a:r>
-              <a:rPr lang="en-GB" dirty="0"/>
-              <a:t> </a:t>
-            </a:r>
-            <a:r>
-              <a:rPr lang="en-GB" dirty="0" err="1"/>
-              <a:t>i</a:t>
-            </a:r>
-            <a:r>
-              <a:rPr lang="en-GB" dirty="0"/>
-              <a:t> </a:t>
-            </a:r>
-            <a:r>
-              <a:rPr lang="en-GB" dirty="0" err="1"/>
-              <a:t>tabellen</a:t>
+              <a:t> 3.0/4.0/5.0, 3.0**4.0**5.0</a:t>
+            </a:r>
+            <a:r>
+              <a:rPr lang="en-GB"/>
+              <a:t>, 2.0**4.0/2.0</a:t>
             </a:r>
             <a:endParaRPr lang="en-GB" dirty="0"/>
-          </a:p>
-          <a:p>
-            <a:r>
-              <a:rPr lang="en-GB" dirty="0"/>
-              <a:t>Vis </a:t>
-            </a:r>
-            <a:r>
-              <a:rPr lang="en-GB" dirty="0" err="1"/>
-              <a:t>eksempler</a:t>
-            </a:r>
-            <a:r>
-              <a:rPr lang="en-GB" dirty="0"/>
-              <a:t> </a:t>
-            </a:r>
-            <a:r>
-              <a:rPr lang="en-GB" dirty="0" err="1"/>
-              <a:t>på</a:t>
-            </a:r>
-            <a:r>
-              <a:rPr lang="en-GB" dirty="0"/>
-              <a:t> </a:t>
-            </a:r>
-            <a:r>
-              <a:rPr lang="en-GB" dirty="0" err="1"/>
-              <a:t>tegn</a:t>
-            </a:r>
-            <a:r>
-              <a:rPr lang="en-GB" dirty="0"/>
-              <a:t> </a:t>
-            </a:r>
-            <a:r>
-              <a:rPr lang="en-GB" dirty="0" err="1"/>
-              <a:t>og</a:t>
-            </a:r>
-            <a:r>
-              <a:rPr lang="en-GB" dirty="0"/>
-              <a:t> </a:t>
-            </a:r>
-            <a:r>
-              <a:rPr lang="en-GB" dirty="0" err="1"/>
-              <a:t>strenge</a:t>
-            </a:r>
-            <a:r>
-              <a:rPr lang="en-GB" dirty="0"/>
-              <a:t> med “\n”, “\\”, “\097” </a:t>
-            </a:r>
-            <a:r>
-              <a:rPr lang="en-GB" dirty="0" err="1"/>
-              <a:t>og</a:t>
-            </a:r>
-            <a:r>
-              <a:rPr lang="en-GB" dirty="0"/>
-              <a:t> “\u0061”</a:t>
-            </a:r>
           </a:p>
         </p:txBody>
       </p:sp>
@@ -1269,7 +1330,7 @@
     </p:spTree>
     <p:extLst>
       <p:ext uri="{BB962C8B-B14F-4D97-AF65-F5344CB8AC3E}">
-        <p14:creationId xmlns:p14="http://schemas.microsoft.com/office/powerpoint/2010/main" val="1776341356"/>
+        <p14:creationId xmlns:p14="http://schemas.microsoft.com/office/powerpoint/2010/main" val="792165288"/>
       </p:ext>
     </p:extLst>
   </p:cSld>
@@ -1306,7 +1367,12 @@
             <p:ph type="sldImg"/>
           </p:nvPr>
         </p:nvSpPr>
-        <p:spPr/>
+        <p:spPr>
+          <a:xfrm>
+            <a:off x="685800" y="1143000"/>
+            <a:ext cx="5486400" cy="3086100"/>
+          </a:xfrm>
+        </p:spPr>
       </p:sp>
       <p:sp>
         <p:nvSpPr>
@@ -1353,7 +1419,7 @@
     </p:spTree>
     <p:extLst>
       <p:ext uri="{BB962C8B-B14F-4D97-AF65-F5344CB8AC3E}">
-        <p14:creationId xmlns:p14="http://schemas.microsoft.com/office/powerpoint/2010/main" val="1146515036"/>
+        <p14:creationId xmlns:p14="http://schemas.microsoft.com/office/powerpoint/2010/main" val="611737632"/>
       </p:ext>
     </p:extLst>
   </p:cSld>
@@ -1512,7 +1578,7 @@
           <a:p>
             <a:fld id="{66665395-52C5-5E4B-BB20-CD4E0BBC9899}" type="datetimeFigureOut">
               <a:rPr lang="en-GB" smtClean="0"/>
-              <a:t>10/09/2019</a:t>
+              <a:t>12/09/2019</a:t>
             </a:fld>
             <a:endParaRPr lang="en-GB"/>
           </a:p>
@@ -1712,7 +1778,7 @@
           <a:p>
             <a:fld id="{66665395-52C5-5E4B-BB20-CD4E0BBC9899}" type="datetimeFigureOut">
               <a:rPr lang="en-GB" smtClean="0"/>
-              <a:t>10/09/2019</a:t>
+              <a:t>12/09/2019</a:t>
             </a:fld>
             <a:endParaRPr lang="en-GB"/>
           </a:p>
@@ -1922,7 +1988,7 @@
           <a:p>
             <a:fld id="{66665395-52C5-5E4B-BB20-CD4E0BBC9899}" type="datetimeFigureOut">
               <a:rPr lang="en-GB" smtClean="0"/>
-              <a:t>10/09/2019</a:t>
+              <a:t>12/09/2019</a:t>
             </a:fld>
             <a:endParaRPr lang="en-GB"/>
           </a:p>
@@ -2122,7 +2188,7 @@
           <a:p>
             <a:fld id="{66665395-52C5-5E4B-BB20-CD4E0BBC9899}" type="datetimeFigureOut">
               <a:rPr lang="en-GB" smtClean="0"/>
-              <a:t>10/09/2019</a:t>
+              <a:t>12/09/2019</a:t>
             </a:fld>
             <a:endParaRPr lang="en-GB"/>
           </a:p>
@@ -2398,7 +2464,7 @@
           <a:p>
             <a:fld id="{66665395-52C5-5E4B-BB20-CD4E0BBC9899}" type="datetimeFigureOut">
               <a:rPr lang="en-GB" smtClean="0"/>
-              <a:t>10/09/2019</a:t>
+              <a:t>12/09/2019</a:t>
             </a:fld>
             <a:endParaRPr lang="en-GB"/>
           </a:p>
@@ -2666,7 +2732,7 @@
           <a:p>
             <a:fld id="{66665395-52C5-5E4B-BB20-CD4E0BBC9899}" type="datetimeFigureOut">
               <a:rPr lang="en-GB" smtClean="0"/>
-              <a:t>10/09/2019</a:t>
+              <a:t>12/09/2019</a:t>
             </a:fld>
             <a:endParaRPr lang="en-GB"/>
           </a:p>
@@ -3081,7 +3147,7 @@
           <a:p>
             <a:fld id="{66665395-52C5-5E4B-BB20-CD4E0BBC9899}" type="datetimeFigureOut">
               <a:rPr lang="en-GB" smtClean="0"/>
-              <a:t>10/09/2019</a:t>
+              <a:t>12/09/2019</a:t>
             </a:fld>
             <a:endParaRPr lang="en-GB"/>
           </a:p>
@@ -3223,7 +3289,7 @@
           <a:p>
             <a:fld id="{66665395-52C5-5E4B-BB20-CD4E0BBC9899}" type="datetimeFigureOut">
               <a:rPr lang="en-GB" smtClean="0"/>
-              <a:t>10/09/2019</a:t>
+              <a:t>12/09/2019</a:t>
             </a:fld>
             <a:endParaRPr lang="en-GB"/>
           </a:p>
@@ -3336,7 +3402,7 @@
           <a:p>
             <a:fld id="{66665395-52C5-5E4B-BB20-CD4E0BBC9899}" type="datetimeFigureOut">
               <a:rPr lang="en-GB" smtClean="0"/>
-              <a:t>10/09/2019</a:t>
+              <a:t>12/09/2019</a:t>
             </a:fld>
             <a:endParaRPr lang="en-GB"/>
           </a:p>
@@ -3649,7 +3715,7 @@
           <a:p>
             <a:fld id="{66665395-52C5-5E4B-BB20-CD4E0BBC9899}" type="datetimeFigureOut">
               <a:rPr lang="en-GB" smtClean="0"/>
-              <a:t>10/09/2019</a:t>
+              <a:t>12/09/2019</a:t>
             </a:fld>
             <a:endParaRPr lang="en-GB"/>
           </a:p>
@@ -3938,7 +4004,7 @@
           <a:p>
             <a:fld id="{66665395-52C5-5E4B-BB20-CD4E0BBC9899}" type="datetimeFigureOut">
               <a:rPr lang="en-GB" smtClean="0"/>
-              <a:t>10/09/2019</a:t>
+              <a:t>12/09/2019</a:t>
             </a:fld>
             <a:endParaRPr lang="en-GB"/>
           </a:p>
@@ -4181,7 +4247,7 @@
           <a:p>
             <a:fld id="{66665395-52C5-5E4B-BB20-CD4E0BBC9899}" type="datetimeFigureOut">
               <a:rPr lang="en-GB" smtClean="0"/>
-              <a:t>10/09/2019</a:t>
+              <a:t>12/09/2019</a:t>
             </a:fld>
             <a:endParaRPr lang="en-GB"/>
           </a:p>
@@ -4926,6 +4992,1216 @@
           </a:p>
         </p:txBody>
       </p:sp>
+      <p:sp>
+        <p:nvSpPr>
+          <p:cNvPr id="4" name="Content Placeholder 2">
+            <a:extLst>
+              <a:ext uri="{FF2B5EF4-FFF2-40B4-BE49-F238E27FC236}">
+                <a16:creationId xmlns:a16="http://schemas.microsoft.com/office/drawing/2014/main" id="{84CE778E-7175-DD4C-9379-77596FC3CA32}"/>
+              </a:ext>
+            </a:extLst>
+          </p:cNvPr>
+          <p:cNvSpPr txBox="1">
+            <a:spLocks/>
+          </p:cNvSpPr>
+          <p:nvPr/>
+        </p:nvSpPr>
+        <p:spPr>
+          <a:xfrm>
+            <a:off x="3592291" y="2448343"/>
+            <a:ext cx="1964965" cy="3373392"/>
+          </a:xfrm>
+          <a:prstGeom prst="rect">
+            <a:avLst/>
+          </a:prstGeom>
+        </p:spPr>
+        <p:txBody>
+          <a:bodyPr vert="horz" lIns="91440" tIns="45720" rIns="91440" bIns="45720" rtlCol="0">
+            <a:normAutofit/>
+          </a:bodyPr>
+          <a:lstStyle>
+            <a:lvl1pPr marL="228600" indent="-228600" algn="l" defTabSz="914400" rtl="0" eaLnBrk="1" latinLnBrk="0" hangingPunct="1">
+              <a:lnSpc>
+                <a:spcPct val="90000"/>
+              </a:lnSpc>
+              <a:spcBef>
+                <a:spcPts val="1000"/>
+              </a:spcBef>
+              <a:buFont typeface="Arial" panose="020B0604020202020204" pitchFamily="34" charset="0"/>
+              <a:buChar char="•"/>
+              <a:defRPr sz="2800" kern="1200">
+                <a:solidFill>
+                  <a:schemeClr val="tx1"/>
+                </a:solidFill>
+                <a:latin typeface="+mn-lt"/>
+                <a:ea typeface="+mn-ea"/>
+                <a:cs typeface="+mn-cs"/>
+              </a:defRPr>
+            </a:lvl1pPr>
+            <a:lvl2pPr marL="685800" indent="-228600" algn="l" defTabSz="914400" rtl="0" eaLnBrk="1" latinLnBrk="0" hangingPunct="1">
+              <a:lnSpc>
+                <a:spcPct val="90000"/>
+              </a:lnSpc>
+              <a:spcBef>
+                <a:spcPts val="500"/>
+              </a:spcBef>
+              <a:buFont typeface="Arial" panose="020B0604020202020204" pitchFamily="34" charset="0"/>
+              <a:buChar char="•"/>
+              <a:defRPr sz="2400" kern="1200">
+                <a:solidFill>
+                  <a:schemeClr val="tx1"/>
+                </a:solidFill>
+                <a:latin typeface="+mn-lt"/>
+                <a:ea typeface="+mn-ea"/>
+                <a:cs typeface="+mn-cs"/>
+              </a:defRPr>
+            </a:lvl2pPr>
+            <a:lvl3pPr marL="1143000" indent="-228600" algn="l" defTabSz="914400" rtl="0" eaLnBrk="1" latinLnBrk="0" hangingPunct="1">
+              <a:lnSpc>
+                <a:spcPct val="90000"/>
+              </a:lnSpc>
+              <a:spcBef>
+                <a:spcPts val="500"/>
+              </a:spcBef>
+              <a:buFont typeface="Arial" panose="020B0604020202020204" pitchFamily="34" charset="0"/>
+              <a:buChar char="•"/>
+              <a:defRPr sz="2000" kern="1200">
+                <a:solidFill>
+                  <a:schemeClr val="tx1"/>
+                </a:solidFill>
+                <a:latin typeface="+mn-lt"/>
+                <a:ea typeface="+mn-ea"/>
+                <a:cs typeface="+mn-cs"/>
+              </a:defRPr>
+            </a:lvl3pPr>
+            <a:lvl4pPr marL="1600200" indent="-228600" algn="l" defTabSz="914400" rtl="0" eaLnBrk="1" latinLnBrk="0" hangingPunct="1">
+              <a:lnSpc>
+                <a:spcPct val="90000"/>
+              </a:lnSpc>
+              <a:spcBef>
+                <a:spcPts val="500"/>
+              </a:spcBef>
+              <a:buFont typeface="Arial" panose="020B0604020202020204" pitchFamily="34" charset="0"/>
+              <a:buChar char="•"/>
+              <a:defRPr sz="1800" kern="1200">
+                <a:solidFill>
+                  <a:schemeClr val="tx1"/>
+                </a:solidFill>
+                <a:latin typeface="+mn-lt"/>
+                <a:ea typeface="+mn-ea"/>
+                <a:cs typeface="+mn-cs"/>
+              </a:defRPr>
+            </a:lvl4pPr>
+            <a:lvl5pPr marL="2057400" indent="-228600" algn="l" defTabSz="914400" rtl="0" eaLnBrk="1" latinLnBrk="0" hangingPunct="1">
+              <a:lnSpc>
+                <a:spcPct val="90000"/>
+              </a:lnSpc>
+              <a:spcBef>
+                <a:spcPts val="500"/>
+              </a:spcBef>
+              <a:buFont typeface="Arial" panose="020B0604020202020204" pitchFamily="34" charset="0"/>
+              <a:buChar char="•"/>
+              <a:defRPr sz="1800" kern="1200">
+                <a:solidFill>
+                  <a:schemeClr val="tx1"/>
+                </a:solidFill>
+                <a:latin typeface="+mn-lt"/>
+                <a:ea typeface="+mn-ea"/>
+                <a:cs typeface="+mn-cs"/>
+              </a:defRPr>
+            </a:lvl5pPr>
+            <a:lvl6pPr marL="2514600" indent="-228600" algn="l" defTabSz="914400" rtl="0" eaLnBrk="1" latinLnBrk="0" hangingPunct="1">
+              <a:lnSpc>
+                <a:spcPct val="90000"/>
+              </a:lnSpc>
+              <a:spcBef>
+                <a:spcPts val="500"/>
+              </a:spcBef>
+              <a:buFont typeface="Arial" panose="020B0604020202020204" pitchFamily="34" charset="0"/>
+              <a:buChar char="•"/>
+              <a:defRPr sz="1800" kern="1200">
+                <a:solidFill>
+                  <a:schemeClr val="tx1"/>
+                </a:solidFill>
+                <a:latin typeface="+mn-lt"/>
+                <a:ea typeface="+mn-ea"/>
+                <a:cs typeface="+mn-cs"/>
+              </a:defRPr>
+            </a:lvl6pPr>
+            <a:lvl7pPr marL="2971800" indent="-228600" algn="l" defTabSz="914400" rtl="0" eaLnBrk="1" latinLnBrk="0" hangingPunct="1">
+              <a:lnSpc>
+                <a:spcPct val="90000"/>
+              </a:lnSpc>
+              <a:spcBef>
+                <a:spcPts val="500"/>
+              </a:spcBef>
+              <a:buFont typeface="Arial" panose="020B0604020202020204" pitchFamily="34" charset="0"/>
+              <a:buChar char="•"/>
+              <a:defRPr sz="1800" kern="1200">
+                <a:solidFill>
+                  <a:schemeClr val="tx1"/>
+                </a:solidFill>
+                <a:latin typeface="+mn-lt"/>
+                <a:ea typeface="+mn-ea"/>
+                <a:cs typeface="+mn-cs"/>
+              </a:defRPr>
+            </a:lvl7pPr>
+            <a:lvl8pPr marL="3429000" indent="-228600" algn="l" defTabSz="914400" rtl="0" eaLnBrk="1" latinLnBrk="0" hangingPunct="1">
+              <a:lnSpc>
+                <a:spcPct val="90000"/>
+              </a:lnSpc>
+              <a:spcBef>
+                <a:spcPts val="500"/>
+              </a:spcBef>
+              <a:buFont typeface="Arial" panose="020B0604020202020204" pitchFamily="34" charset="0"/>
+              <a:buChar char="•"/>
+              <a:defRPr sz="1800" kern="1200">
+                <a:solidFill>
+                  <a:schemeClr val="tx1"/>
+                </a:solidFill>
+                <a:latin typeface="+mn-lt"/>
+                <a:ea typeface="+mn-ea"/>
+                <a:cs typeface="+mn-cs"/>
+              </a:defRPr>
+            </a:lvl8pPr>
+            <a:lvl9pPr marL="3886200" indent="-228600" algn="l" defTabSz="914400" rtl="0" eaLnBrk="1" latinLnBrk="0" hangingPunct="1">
+              <a:lnSpc>
+                <a:spcPct val="90000"/>
+              </a:lnSpc>
+              <a:spcBef>
+                <a:spcPts val="500"/>
+              </a:spcBef>
+              <a:buFont typeface="Arial" panose="020B0604020202020204" pitchFamily="34" charset="0"/>
+              <a:buChar char="•"/>
+              <a:defRPr sz="1800" kern="1200">
+                <a:solidFill>
+                  <a:schemeClr val="tx1"/>
+                </a:solidFill>
+                <a:latin typeface="+mn-lt"/>
+                <a:ea typeface="+mn-ea"/>
+                <a:cs typeface="+mn-cs"/>
+              </a:defRPr>
+            </a:lvl9pPr>
+          </a:lstStyle>
+          <a:p>
+            <a:pPr marL="0" indent="0">
+              <a:lnSpc>
+                <a:spcPct val="100000"/>
+              </a:lnSpc>
+              <a:buNone/>
+            </a:pPr>
+            <a:r>
+              <a:rPr lang="en-GB" sz="1400" dirty="0" err="1">
+                <a:latin typeface="DejaVu Sans Book" panose="020B0603030804020204" pitchFamily="34" charset="0"/>
+                <a:ea typeface="DejaVu Sans Book" panose="020B0603030804020204" pitchFamily="34" charset="0"/>
+                <a:cs typeface="DejaVu Sans Book" panose="020B0603030804020204" pitchFamily="34" charset="0"/>
+              </a:rPr>
+              <a:t>exp</a:t>
+            </a:r>
+            <a:r>
+              <a:rPr lang="en-GB" sz="1400" dirty="0">
+                <a:latin typeface="DejaVu Sans Book" panose="020B0603030804020204" pitchFamily="34" charset="0"/>
+                <a:ea typeface="DejaVu Sans Book" panose="020B0603030804020204" pitchFamily="34" charset="0"/>
+                <a:cs typeface="DejaVu Sans Book" panose="020B0603030804020204" pitchFamily="34" charset="0"/>
+              </a:rPr>
+              <a:t> 0.0</a:t>
+            </a:r>
+          </a:p>
+          <a:p>
+            <a:pPr marL="0" indent="0">
+              <a:lnSpc>
+                <a:spcPct val="100000"/>
+              </a:lnSpc>
+              <a:buNone/>
+            </a:pPr>
+            <a:r>
+              <a:rPr lang="en-GB" sz="1400" dirty="0" err="1">
+                <a:latin typeface="DejaVu Sans Book" panose="020B0603030804020204" pitchFamily="34" charset="0"/>
+                <a:ea typeface="DejaVu Sans Book" panose="020B0603030804020204" pitchFamily="34" charset="0"/>
+                <a:cs typeface="DejaVu Sans Book" panose="020B0603030804020204" pitchFamily="34" charset="0"/>
+              </a:rPr>
+              <a:t>exp</a:t>
+            </a:r>
+            <a:r>
+              <a:rPr lang="en-GB" sz="1400" dirty="0">
+                <a:latin typeface="DejaVu Sans Book" panose="020B0603030804020204" pitchFamily="34" charset="0"/>
+                <a:ea typeface="DejaVu Sans Book" panose="020B0603030804020204" pitchFamily="34" charset="0"/>
+                <a:cs typeface="DejaVu Sans Book" panose="020B0603030804020204" pitchFamily="34" charset="0"/>
+              </a:rPr>
+              <a:t> 1.0</a:t>
+            </a:r>
+          </a:p>
+          <a:p>
+            <a:pPr marL="0" indent="0">
+              <a:lnSpc>
+                <a:spcPct val="100000"/>
+              </a:lnSpc>
+              <a:buNone/>
+            </a:pPr>
+            <a:r>
+              <a:rPr lang="en-GB" sz="1400" dirty="0" err="1">
+                <a:latin typeface="DejaVu Sans Book" panose="020B0603030804020204" pitchFamily="34" charset="0"/>
+                <a:ea typeface="DejaVu Sans Book" panose="020B0603030804020204" pitchFamily="34" charset="0"/>
+                <a:cs typeface="DejaVu Sans Book" panose="020B0603030804020204" pitchFamily="34" charset="0"/>
+              </a:rPr>
+              <a:t>exp</a:t>
+            </a:r>
+            <a:r>
+              <a:rPr lang="en-GB" sz="1400" dirty="0">
+                <a:latin typeface="DejaVu Sans Book" panose="020B0603030804020204" pitchFamily="34" charset="0"/>
+                <a:ea typeface="DejaVu Sans Book" panose="020B0603030804020204" pitchFamily="34" charset="0"/>
+                <a:cs typeface="DejaVu Sans Book" panose="020B0603030804020204" pitchFamily="34" charset="0"/>
+              </a:rPr>
+              <a:t> 0.0 + 1.0</a:t>
+            </a:r>
+          </a:p>
+          <a:p>
+            <a:pPr marL="0" indent="0">
+              <a:lnSpc>
+                <a:spcPct val="100000"/>
+              </a:lnSpc>
+              <a:buNone/>
+            </a:pPr>
+            <a:r>
+              <a:rPr lang="en-GB" sz="1400" u="sng" dirty="0">
+                <a:latin typeface="DejaVu Sans Book" panose="020B0603030804020204" pitchFamily="34" charset="0"/>
+                <a:ea typeface="DejaVu Sans Book" panose="020B0603030804020204" pitchFamily="34" charset="0"/>
+                <a:cs typeface="DejaVu Sans Book" panose="020B0603030804020204" pitchFamily="34" charset="0"/>
+              </a:rPr>
+              <a:t>2.0 ** 3.0 ** 4.0</a:t>
+            </a:r>
+          </a:p>
+          <a:p>
+            <a:pPr marL="0" indent="0">
+              <a:lnSpc>
+                <a:spcPct val="100000"/>
+              </a:lnSpc>
+              <a:buNone/>
+            </a:pPr>
+            <a:r>
+              <a:rPr lang="en-GB" sz="1400" u="sng" dirty="0">
+                <a:latin typeface="DejaVu Sans Book" panose="020B0603030804020204" pitchFamily="34" charset="0"/>
+                <a:ea typeface="DejaVu Sans Book" panose="020B0603030804020204" pitchFamily="34" charset="0"/>
+                <a:cs typeface="DejaVu Sans Book" panose="020B0603030804020204" pitchFamily="34" charset="0"/>
+              </a:rPr>
+              <a:t>2.0 / 3.0 / 4.0</a:t>
+            </a:r>
+          </a:p>
+        </p:txBody>
+      </p:sp>
+      <p:sp>
+        <p:nvSpPr>
+          <p:cNvPr id="5" name="Content Placeholder 2">
+            <a:extLst>
+              <a:ext uri="{FF2B5EF4-FFF2-40B4-BE49-F238E27FC236}">
+                <a16:creationId xmlns:a16="http://schemas.microsoft.com/office/drawing/2014/main" id="{74FB4E8C-854A-1A44-B8DC-7EBB5C6FCF31}"/>
+              </a:ext>
+            </a:extLst>
+          </p:cNvPr>
+          <p:cNvSpPr txBox="1">
+            <a:spLocks/>
+          </p:cNvSpPr>
+          <p:nvPr/>
+        </p:nvSpPr>
+        <p:spPr>
+          <a:xfrm>
+            <a:off x="5612677" y="2448343"/>
+            <a:ext cx="2740914" cy="3373392"/>
+          </a:xfrm>
+          <a:prstGeom prst="rect">
+            <a:avLst/>
+          </a:prstGeom>
+        </p:spPr>
+        <p:txBody>
+          <a:bodyPr vert="horz" lIns="91440" tIns="45720" rIns="91440" bIns="45720" rtlCol="0">
+            <a:normAutofit/>
+          </a:bodyPr>
+          <a:lstStyle>
+            <a:lvl1pPr marL="228600" indent="-228600" algn="l" defTabSz="914400" rtl="0" eaLnBrk="1" latinLnBrk="0" hangingPunct="1">
+              <a:lnSpc>
+                <a:spcPct val="90000"/>
+              </a:lnSpc>
+              <a:spcBef>
+                <a:spcPts val="1000"/>
+              </a:spcBef>
+              <a:buFont typeface="Arial" panose="020B0604020202020204" pitchFamily="34" charset="0"/>
+              <a:buChar char="•"/>
+              <a:defRPr sz="2800" kern="1200">
+                <a:solidFill>
+                  <a:schemeClr val="tx1"/>
+                </a:solidFill>
+                <a:latin typeface="+mn-lt"/>
+                <a:ea typeface="+mn-ea"/>
+                <a:cs typeface="+mn-cs"/>
+              </a:defRPr>
+            </a:lvl1pPr>
+            <a:lvl2pPr marL="685800" indent="-228600" algn="l" defTabSz="914400" rtl="0" eaLnBrk="1" latinLnBrk="0" hangingPunct="1">
+              <a:lnSpc>
+                <a:spcPct val="90000"/>
+              </a:lnSpc>
+              <a:spcBef>
+                <a:spcPts val="500"/>
+              </a:spcBef>
+              <a:buFont typeface="Arial" panose="020B0604020202020204" pitchFamily="34" charset="0"/>
+              <a:buChar char="•"/>
+              <a:defRPr sz="2400" kern="1200">
+                <a:solidFill>
+                  <a:schemeClr val="tx1"/>
+                </a:solidFill>
+                <a:latin typeface="+mn-lt"/>
+                <a:ea typeface="+mn-ea"/>
+                <a:cs typeface="+mn-cs"/>
+              </a:defRPr>
+            </a:lvl2pPr>
+            <a:lvl3pPr marL="1143000" indent="-228600" algn="l" defTabSz="914400" rtl="0" eaLnBrk="1" latinLnBrk="0" hangingPunct="1">
+              <a:lnSpc>
+                <a:spcPct val="90000"/>
+              </a:lnSpc>
+              <a:spcBef>
+                <a:spcPts val="500"/>
+              </a:spcBef>
+              <a:buFont typeface="Arial" panose="020B0604020202020204" pitchFamily="34" charset="0"/>
+              <a:buChar char="•"/>
+              <a:defRPr sz="2000" kern="1200">
+                <a:solidFill>
+                  <a:schemeClr val="tx1"/>
+                </a:solidFill>
+                <a:latin typeface="+mn-lt"/>
+                <a:ea typeface="+mn-ea"/>
+                <a:cs typeface="+mn-cs"/>
+              </a:defRPr>
+            </a:lvl3pPr>
+            <a:lvl4pPr marL="1600200" indent="-228600" algn="l" defTabSz="914400" rtl="0" eaLnBrk="1" latinLnBrk="0" hangingPunct="1">
+              <a:lnSpc>
+                <a:spcPct val="90000"/>
+              </a:lnSpc>
+              <a:spcBef>
+                <a:spcPts val="500"/>
+              </a:spcBef>
+              <a:buFont typeface="Arial" panose="020B0604020202020204" pitchFamily="34" charset="0"/>
+              <a:buChar char="•"/>
+              <a:defRPr sz="1800" kern="1200">
+                <a:solidFill>
+                  <a:schemeClr val="tx1"/>
+                </a:solidFill>
+                <a:latin typeface="+mn-lt"/>
+                <a:ea typeface="+mn-ea"/>
+                <a:cs typeface="+mn-cs"/>
+              </a:defRPr>
+            </a:lvl4pPr>
+            <a:lvl5pPr marL="2057400" indent="-228600" algn="l" defTabSz="914400" rtl="0" eaLnBrk="1" latinLnBrk="0" hangingPunct="1">
+              <a:lnSpc>
+                <a:spcPct val="90000"/>
+              </a:lnSpc>
+              <a:spcBef>
+                <a:spcPts val="500"/>
+              </a:spcBef>
+              <a:buFont typeface="Arial" panose="020B0604020202020204" pitchFamily="34" charset="0"/>
+              <a:buChar char="•"/>
+              <a:defRPr sz="1800" kern="1200">
+                <a:solidFill>
+                  <a:schemeClr val="tx1"/>
+                </a:solidFill>
+                <a:latin typeface="+mn-lt"/>
+                <a:ea typeface="+mn-ea"/>
+                <a:cs typeface="+mn-cs"/>
+              </a:defRPr>
+            </a:lvl5pPr>
+            <a:lvl6pPr marL="2514600" indent="-228600" algn="l" defTabSz="914400" rtl="0" eaLnBrk="1" latinLnBrk="0" hangingPunct="1">
+              <a:lnSpc>
+                <a:spcPct val="90000"/>
+              </a:lnSpc>
+              <a:spcBef>
+                <a:spcPts val="500"/>
+              </a:spcBef>
+              <a:buFont typeface="Arial" panose="020B0604020202020204" pitchFamily="34" charset="0"/>
+              <a:buChar char="•"/>
+              <a:defRPr sz="1800" kern="1200">
+                <a:solidFill>
+                  <a:schemeClr val="tx1"/>
+                </a:solidFill>
+                <a:latin typeface="+mn-lt"/>
+                <a:ea typeface="+mn-ea"/>
+                <a:cs typeface="+mn-cs"/>
+              </a:defRPr>
+            </a:lvl6pPr>
+            <a:lvl7pPr marL="2971800" indent="-228600" algn="l" defTabSz="914400" rtl="0" eaLnBrk="1" latinLnBrk="0" hangingPunct="1">
+              <a:lnSpc>
+                <a:spcPct val="90000"/>
+              </a:lnSpc>
+              <a:spcBef>
+                <a:spcPts val="500"/>
+              </a:spcBef>
+              <a:buFont typeface="Arial" panose="020B0604020202020204" pitchFamily="34" charset="0"/>
+              <a:buChar char="•"/>
+              <a:defRPr sz="1800" kern="1200">
+                <a:solidFill>
+                  <a:schemeClr val="tx1"/>
+                </a:solidFill>
+                <a:latin typeface="+mn-lt"/>
+                <a:ea typeface="+mn-ea"/>
+                <a:cs typeface="+mn-cs"/>
+              </a:defRPr>
+            </a:lvl7pPr>
+            <a:lvl8pPr marL="3429000" indent="-228600" algn="l" defTabSz="914400" rtl="0" eaLnBrk="1" latinLnBrk="0" hangingPunct="1">
+              <a:lnSpc>
+                <a:spcPct val="90000"/>
+              </a:lnSpc>
+              <a:spcBef>
+                <a:spcPts val="500"/>
+              </a:spcBef>
+              <a:buFont typeface="Arial" panose="020B0604020202020204" pitchFamily="34" charset="0"/>
+              <a:buChar char="•"/>
+              <a:defRPr sz="1800" kern="1200">
+                <a:solidFill>
+                  <a:schemeClr val="tx1"/>
+                </a:solidFill>
+                <a:latin typeface="+mn-lt"/>
+                <a:ea typeface="+mn-ea"/>
+                <a:cs typeface="+mn-cs"/>
+              </a:defRPr>
+            </a:lvl8pPr>
+            <a:lvl9pPr marL="3886200" indent="-228600" algn="l" defTabSz="914400" rtl="0" eaLnBrk="1" latinLnBrk="0" hangingPunct="1">
+              <a:lnSpc>
+                <a:spcPct val="90000"/>
+              </a:lnSpc>
+              <a:spcBef>
+                <a:spcPts val="500"/>
+              </a:spcBef>
+              <a:buFont typeface="Arial" panose="020B0604020202020204" pitchFamily="34" charset="0"/>
+              <a:buChar char="•"/>
+              <a:defRPr sz="1800" kern="1200">
+                <a:solidFill>
+                  <a:schemeClr val="tx1"/>
+                </a:solidFill>
+                <a:latin typeface="+mn-lt"/>
+                <a:ea typeface="+mn-ea"/>
+                <a:cs typeface="+mn-cs"/>
+              </a:defRPr>
+            </a:lvl9pPr>
+          </a:lstStyle>
+          <a:p>
+            <a:pPr marL="0" indent="0">
+              <a:lnSpc>
+                <a:spcPct val="100000"/>
+              </a:lnSpc>
+              <a:buNone/>
+            </a:pPr>
+            <a:r>
+              <a:rPr lang="en-GB" sz="1400" dirty="0">
+                <a:latin typeface="DejaVu Sans Book" panose="020B0603030804020204" pitchFamily="34" charset="0"/>
+                <a:ea typeface="DejaVu Sans Book" panose="020B0603030804020204" pitchFamily="34" charset="0"/>
+                <a:cs typeface="DejaVu Sans Book" panose="020B0603030804020204" pitchFamily="34" charset="0"/>
+              </a:rPr>
+              <a:t>float 3</a:t>
+            </a:r>
+          </a:p>
+          <a:p>
+            <a:pPr marL="0" indent="0">
+              <a:lnSpc>
+                <a:spcPct val="100000"/>
+              </a:lnSpc>
+              <a:buNone/>
+            </a:pPr>
+            <a:r>
+              <a:rPr lang="en-GB" sz="1400" dirty="0" err="1">
+                <a:latin typeface="DejaVu Sans Book" panose="020B0603030804020204" pitchFamily="34" charset="0"/>
+                <a:ea typeface="DejaVu Sans Book" panose="020B0603030804020204" pitchFamily="34" charset="0"/>
+                <a:cs typeface="DejaVu Sans Book" panose="020B0603030804020204" pitchFamily="34" charset="0"/>
+              </a:rPr>
+              <a:t>int</a:t>
+            </a:r>
+            <a:r>
+              <a:rPr lang="en-GB" sz="1400" dirty="0">
+                <a:latin typeface="DejaVu Sans Book" panose="020B0603030804020204" pitchFamily="34" charset="0"/>
+                <a:ea typeface="DejaVu Sans Book" panose="020B0603030804020204" pitchFamily="34" charset="0"/>
+                <a:cs typeface="DejaVu Sans Book" panose="020B0603030804020204" pitchFamily="34" charset="0"/>
+              </a:rPr>
+              <a:t> 3.2</a:t>
+            </a:r>
+          </a:p>
+          <a:p>
+            <a:pPr marL="0" indent="0">
+              <a:lnSpc>
+                <a:spcPct val="100000"/>
+              </a:lnSpc>
+              <a:buNone/>
+            </a:pPr>
+            <a:r>
+              <a:rPr lang="en-GB" sz="1400" dirty="0" err="1">
+                <a:latin typeface="DejaVu Sans Book" panose="020B0603030804020204" pitchFamily="34" charset="0"/>
+                <a:ea typeface="DejaVu Sans Book" panose="020B0603030804020204" pitchFamily="34" charset="0"/>
+                <a:cs typeface="DejaVu Sans Book" panose="020B0603030804020204" pitchFamily="34" charset="0"/>
+              </a:rPr>
+              <a:t>int</a:t>
+            </a:r>
+            <a:r>
+              <a:rPr lang="en-GB" sz="1400" dirty="0">
+                <a:latin typeface="DejaVu Sans Book" panose="020B0603030804020204" pitchFamily="34" charset="0"/>
+                <a:ea typeface="DejaVu Sans Book" panose="020B0603030804020204" pitchFamily="34" charset="0"/>
+                <a:cs typeface="DejaVu Sans Book" panose="020B0603030804020204" pitchFamily="34" charset="0"/>
+              </a:rPr>
+              <a:t> 3.6</a:t>
+            </a:r>
+          </a:p>
+          <a:p>
+            <a:pPr marL="0" indent="0">
+              <a:lnSpc>
+                <a:spcPct val="100000"/>
+              </a:lnSpc>
+              <a:buNone/>
+            </a:pPr>
+            <a:r>
+              <a:rPr lang="en-GB" sz="1400" u="sng" dirty="0" err="1">
+                <a:latin typeface="DejaVu Sans Book" panose="020B0603030804020204" pitchFamily="34" charset="0"/>
+                <a:ea typeface="DejaVu Sans Book" panose="020B0603030804020204" pitchFamily="34" charset="0"/>
+                <a:cs typeface="DejaVu Sans Book" panose="020B0603030804020204" pitchFamily="34" charset="0"/>
+              </a:rPr>
+              <a:t>int</a:t>
+            </a:r>
+            <a:r>
+              <a:rPr lang="en-GB" sz="1400" u="sng" dirty="0">
+                <a:latin typeface="DejaVu Sans Book" panose="020B0603030804020204" pitchFamily="34" charset="0"/>
+                <a:ea typeface="DejaVu Sans Book" panose="020B0603030804020204" pitchFamily="34" charset="0"/>
+                <a:cs typeface="DejaVu Sans Book" panose="020B0603030804020204" pitchFamily="34" charset="0"/>
+              </a:rPr>
+              <a:t> (3.2 + 0.5)</a:t>
+            </a:r>
+          </a:p>
+          <a:p>
+            <a:pPr marL="0" indent="0">
+              <a:lnSpc>
+                <a:spcPct val="100000"/>
+              </a:lnSpc>
+              <a:buNone/>
+            </a:pPr>
+            <a:r>
+              <a:rPr lang="en-GB" sz="1400" u="sng" dirty="0" err="1">
+                <a:latin typeface="DejaVu Sans Book" panose="020B0603030804020204" pitchFamily="34" charset="0"/>
+                <a:ea typeface="DejaVu Sans Book" panose="020B0603030804020204" pitchFamily="34" charset="0"/>
+                <a:cs typeface="DejaVu Sans Book" panose="020B0603030804020204" pitchFamily="34" charset="0"/>
+              </a:rPr>
+              <a:t>int</a:t>
+            </a:r>
+            <a:r>
+              <a:rPr lang="en-GB" sz="1400" u="sng" dirty="0">
+                <a:latin typeface="DejaVu Sans Book" panose="020B0603030804020204" pitchFamily="34" charset="0"/>
+                <a:ea typeface="DejaVu Sans Book" panose="020B0603030804020204" pitchFamily="34" charset="0"/>
+                <a:cs typeface="DejaVu Sans Book" panose="020B0603030804020204" pitchFamily="34" charset="0"/>
+              </a:rPr>
+              <a:t> (3.6 + 0.5)</a:t>
+            </a:r>
+          </a:p>
+          <a:p>
+            <a:pPr marL="0" indent="0">
+              <a:lnSpc>
+                <a:spcPct val="100000"/>
+              </a:lnSpc>
+              <a:buNone/>
+            </a:pPr>
+            <a:r>
+              <a:rPr lang="en-GB" sz="1400" dirty="0" err="1">
+                <a:latin typeface="DejaVu Sans Book" panose="020B0603030804020204" pitchFamily="34" charset="0"/>
+                <a:ea typeface="DejaVu Sans Book" panose="020B0603030804020204" pitchFamily="34" charset="0"/>
+                <a:cs typeface="DejaVu Sans Book" panose="020B0603030804020204" pitchFamily="34" charset="0"/>
+              </a:rPr>
+              <a:t>int</a:t>
+            </a:r>
+            <a:r>
+              <a:rPr lang="en-GB" sz="1400" dirty="0">
+                <a:latin typeface="DejaVu Sans Book" panose="020B0603030804020204" pitchFamily="34" charset="0"/>
+                <a:ea typeface="DejaVu Sans Book" panose="020B0603030804020204" pitchFamily="34" charset="0"/>
+                <a:cs typeface="DejaVu Sans Book" panose="020B0603030804020204" pitchFamily="34" charset="0"/>
+              </a:rPr>
+              <a:t> 'a'</a:t>
+            </a:r>
+          </a:p>
+          <a:p>
+            <a:pPr marL="0" indent="0">
+              <a:lnSpc>
+                <a:spcPct val="100000"/>
+              </a:lnSpc>
+              <a:buNone/>
+            </a:pPr>
+            <a:r>
+              <a:rPr lang="en-GB" sz="1400" dirty="0" err="1">
+                <a:latin typeface="DejaVu Sans Book" panose="020B0603030804020204" pitchFamily="34" charset="0"/>
+                <a:ea typeface="DejaVu Sans Book" panose="020B0603030804020204" pitchFamily="34" charset="0"/>
+                <a:cs typeface="DejaVu Sans Book" panose="020B0603030804020204" pitchFamily="34" charset="0"/>
+              </a:rPr>
+              <a:t>int</a:t>
+            </a:r>
+            <a:r>
+              <a:rPr lang="en-GB" sz="1400" dirty="0">
+                <a:latin typeface="DejaVu Sans Book" panose="020B0603030804020204" pitchFamily="34" charset="0"/>
+                <a:ea typeface="DejaVu Sans Book" panose="020B0603030804020204" pitchFamily="34" charset="0"/>
+                <a:cs typeface="DejaVu Sans Book" panose="020B0603030804020204" pitchFamily="34" charset="0"/>
+              </a:rPr>
+              <a:t> 'A'</a:t>
+            </a:r>
+          </a:p>
+          <a:p>
+            <a:pPr marL="0" indent="0">
+              <a:lnSpc>
+                <a:spcPct val="100000"/>
+              </a:lnSpc>
+              <a:buNone/>
+            </a:pPr>
+            <a:r>
+              <a:rPr lang="en-GB" sz="1400" dirty="0">
+                <a:latin typeface="DejaVu Sans Book" panose="020B0603030804020204" pitchFamily="34" charset="0"/>
+                <a:ea typeface="DejaVu Sans Book" panose="020B0603030804020204" pitchFamily="34" charset="0"/>
+                <a:cs typeface="DejaVu Sans Book" panose="020B0603030804020204" pitchFamily="34" charset="0"/>
+              </a:rPr>
+              <a:t>char 65</a:t>
+            </a:r>
+          </a:p>
+          <a:p>
+            <a:pPr marL="0" indent="0">
+              <a:lnSpc>
+                <a:spcPct val="100000"/>
+              </a:lnSpc>
+              <a:buNone/>
+            </a:pPr>
+            <a:r>
+              <a:rPr lang="en-GB" sz="1400" dirty="0">
+                <a:latin typeface="DejaVu Sans Book" panose="020B0603030804020204" pitchFamily="34" charset="0"/>
+                <a:ea typeface="DejaVu Sans Book" panose="020B0603030804020204" pitchFamily="34" charset="0"/>
+                <a:cs typeface="DejaVu Sans Book" panose="020B0603030804020204" pitchFamily="34" charset="0"/>
+              </a:rPr>
+              <a:t>char (</a:t>
+            </a:r>
+            <a:r>
+              <a:rPr lang="en-GB" sz="1400" dirty="0" err="1">
+                <a:latin typeface="DejaVu Sans Book" panose="020B0603030804020204" pitchFamily="34" charset="0"/>
+                <a:ea typeface="DejaVu Sans Book" panose="020B0603030804020204" pitchFamily="34" charset="0"/>
+                <a:cs typeface="DejaVu Sans Book" panose="020B0603030804020204" pitchFamily="34" charset="0"/>
+              </a:rPr>
+              <a:t>int</a:t>
+            </a:r>
+            <a:r>
+              <a:rPr lang="en-GB" sz="1400" dirty="0">
+                <a:latin typeface="DejaVu Sans Book" panose="020B0603030804020204" pitchFamily="34" charset="0"/>
+                <a:ea typeface="DejaVu Sans Book" panose="020B0603030804020204" pitchFamily="34" charset="0"/>
+                <a:cs typeface="DejaVu Sans Book" panose="020B0603030804020204" pitchFamily="34" charset="0"/>
+              </a:rPr>
+              <a:t> 'c' - </a:t>
+            </a:r>
+            <a:r>
+              <a:rPr lang="en-GB" sz="1400" dirty="0" err="1">
+                <a:latin typeface="DejaVu Sans Book" panose="020B0603030804020204" pitchFamily="34" charset="0"/>
+                <a:ea typeface="DejaVu Sans Book" panose="020B0603030804020204" pitchFamily="34" charset="0"/>
+                <a:cs typeface="DejaVu Sans Book" panose="020B0603030804020204" pitchFamily="34" charset="0"/>
+              </a:rPr>
+              <a:t>int</a:t>
+            </a:r>
+            <a:r>
+              <a:rPr lang="en-GB" sz="1400" dirty="0">
+                <a:latin typeface="DejaVu Sans Book" panose="020B0603030804020204" pitchFamily="34" charset="0"/>
+                <a:ea typeface="DejaVu Sans Book" panose="020B0603030804020204" pitchFamily="34" charset="0"/>
+                <a:cs typeface="DejaVu Sans Book" panose="020B0603030804020204" pitchFamily="34" charset="0"/>
+              </a:rPr>
+              <a:t> 'a' + </a:t>
+            </a:r>
+            <a:r>
+              <a:rPr lang="en-GB" sz="1400" dirty="0" err="1">
+                <a:latin typeface="DejaVu Sans Book" panose="020B0603030804020204" pitchFamily="34" charset="0"/>
+                <a:ea typeface="DejaVu Sans Book" panose="020B0603030804020204" pitchFamily="34" charset="0"/>
+                <a:cs typeface="DejaVu Sans Book" panose="020B0603030804020204" pitchFamily="34" charset="0"/>
+              </a:rPr>
+              <a:t>int</a:t>
+            </a:r>
+            <a:r>
+              <a:rPr lang="en-GB" sz="1400" dirty="0">
+                <a:latin typeface="DejaVu Sans Book" panose="020B0603030804020204" pitchFamily="34" charset="0"/>
+                <a:ea typeface="DejaVu Sans Book" panose="020B0603030804020204" pitchFamily="34" charset="0"/>
+                <a:cs typeface="DejaVu Sans Book" panose="020B0603030804020204" pitchFamily="34" charset="0"/>
+              </a:rPr>
+              <a:t> 'A')</a:t>
+            </a:r>
+          </a:p>
+        </p:txBody>
+      </p:sp>
+      <p:sp>
+        <p:nvSpPr>
+          <p:cNvPr id="6" name="Content Placeholder 2">
+            <a:extLst>
+              <a:ext uri="{FF2B5EF4-FFF2-40B4-BE49-F238E27FC236}">
+                <a16:creationId xmlns:a16="http://schemas.microsoft.com/office/drawing/2014/main" id="{BEAFB9E9-7E5C-E84B-84B5-3F813D7396C1}"/>
+              </a:ext>
+            </a:extLst>
+          </p:cNvPr>
+          <p:cNvSpPr txBox="1">
+            <a:spLocks/>
+          </p:cNvSpPr>
+          <p:nvPr/>
+        </p:nvSpPr>
+        <p:spPr>
+          <a:xfrm>
+            <a:off x="8483242" y="2448343"/>
+            <a:ext cx="2870563" cy="3373392"/>
+          </a:xfrm>
+          <a:prstGeom prst="rect">
+            <a:avLst/>
+          </a:prstGeom>
+        </p:spPr>
+        <p:txBody>
+          <a:bodyPr vert="horz" lIns="91440" tIns="45720" rIns="91440" bIns="45720" rtlCol="0">
+            <a:normAutofit/>
+          </a:bodyPr>
+          <a:lstStyle>
+            <a:lvl1pPr marL="228600" indent="-228600" algn="l" defTabSz="914400" rtl="0" eaLnBrk="1" latinLnBrk="0" hangingPunct="1">
+              <a:lnSpc>
+                <a:spcPct val="90000"/>
+              </a:lnSpc>
+              <a:spcBef>
+                <a:spcPts val="1000"/>
+              </a:spcBef>
+              <a:buFont typeface="Arial" panose="020B0604020202020204" pitchFamily="34" charset="0"/>
+              <a:buChar char="•"/>
+              <a:defRPr sz="2800" kern="1200">
+                <a:solidFill>
+                  <a:schemeClr val="tx1"/>
+                </a:solidFill>
+                <a:latin typeface="+mn-lt"/>
+                <a:ea typeface="+mn-ea"/>
+                <a:cs typeface="+mn-cs"/>
+              </a:defRPr>
+            </a:lvl1pPr>
+            <a:lvl2pPr marL="685800" indent="-228600" algn="l" defTabSz="914400" rtl="0" eaLnBrk="1" latinLnBrk="0" hangingPunct="1">
+              <a:lnSpc>
+                <a:spcPct val="90000"/>
+              </a:lnSpc>
+              <a:spcBef>
+                <a:spcPts val="500"/>
+              </a:spcBef>
+              <a:buFont typeface="Arial" panose="020B0604020202020204" pitchFamily="34" charset="0"/>
+              <a:buChar char="•"/>
+              <a:defRPr sz="2400" kern="1200">
+                <a:solidFill>
+                  <a:schemeClr val="tx1"/>
+                </a:solidFill>
+                <a:latin typeface="+mn-lt"/>
+                <a:ea typeface="+mn-ea"/>
+                <a:cs typeface="+mn-cs"/>
+              </a:defRPr>
+            </a:lvl2pPr>
+            <a:lvl3pPr marL="1143000" indent="-228600" algn="l" defTabSz="914400" rtl="0" eaLnBrk="1" latinLnBrk="0" hangingPunct="1">
+              <a:lnSpc>
+                <a:spcPct val="90000"/>
+              </a:lnSpc>
+              <a:spcBef>
+                <a:spcPts val="500"/>
+              </a:spcBef>
+              <a:buFont typeface="Arial" panose="020B0604020202020204" pitchFamily="34" charset="0"/>
+              <a:buChar char="•"/>
+              <a:defRPr sz="2000" kern="1200">
+                <a:solidFill>
+                  <a:schemeClr val="tx1"/>
+                </a:solidFill>
+                <a:latin typeface="+mn-lt"/>
+                <a:ea typeface="+mn-ea"/>
+                <a:cs typeface="+mn-cs"/>
+              </a:defRPr>
+            </a:lvl3pPr>
+            <a:lvl4pPr marL="1600200" indent="-228600" algn="l" defTabSz="914400" rtl="0" eaLnBrk="1" latinLnBrk="0" hangingPunct="1">
+              <a:lnSpc>
+                <a:spcPct val="90000"/>
+              </a:lnSpc>
+              <a:spcBef>
+                <a:spcPts val="500"/>
+              </a:spcBef>
+              <a:buFont typeface="Arial" panose="020B0604020202020204" pitchFamily="34" charset="0"/>
+              <a:buChar char="•"/>
+              <a:defRPr sz="1800" kern="1200">
+                <a:solidFill>
+                  <a:schemeClr val="tx1"/>
+                </a:solidFill>
+                <a:latin typeface="+mn-lt"/>
+                <a:ea typeface="+mn-ea"/>
+                <a:cs typeface="+mn-cs"/>
+              </a:defRPr>
+            </a:lvl4pPr>
+            <a:lvl5pPr marL="2057400" indent="-228600" algn="l" defTabSz="914400" rtl="0" eaLnBrk="1" latinLnBrk="0" hangingPunct="1">
+              <a:lnSpc>
+                <a:spcPct val="90000"/>
+              </a:lnSpc>
+              <a:spcBef>
+                <a:spcPts val="500"/>
+              </a:spcBef>
+              <a:buFont typeface="Arial" panose="020B0604020202020204" pitchFamily="34" charset="0"/>
+              <a:buChar char="•"/>
+              <a:defRPr sz="1800" kern="1200">
+                <a:solidFill>
+                  <a:schemeClr val="tx1"/>
+                </a:solidFill>
+                <a:latin typeface="+mn-lt"/>
+                <a:ea typeface="+mn-ea"/>
+                <a:cs typeface="+mn-cs"/>
+              </a:defRPr>
+            </a:lvl5pPr>
+            <a:lvl6pPr marL="2514600" indent="-228600" algn="l" defTabSz="914400" rtl="0" eaLnBrk="1" latinLnBrk="0" hangingPunct="1">
+              <a:lnSpc>
+                <a:spcPct val="90000"/>
+              </a:lnSpc>
+              <a:spcBef>
+                <a:spcPts val="500"/>
+              </a:spcBef>
+              <a:buFont typeface="Arial" panose="020B0604020202020204" pitchFamily="34" charset="0"/>
+              <a:buChar char="•"/>
+              <a:defRPr sz="1800" kern="1200">
+                <a:solidFill>
+                  <a:schemeClr val="tx1"/>
+                </a:solidFill>
+                <a:latin typeface="+mn-lt"/>
+                <a:ea typeface="+mn-ea"/>
+                <a:cs typeface="+mn-cs"/>
+              </a:defRPr>
+            </a:lvl6pPr>
+            <a:lvl7pPr marL="2971800" indent="-228600" algn="l" defTabSz="914400" rtl="0" eaLnBrk="1" latinLnBrk="0" hangingPunct="1">
+              <a:lnSpc>
+                <a:spcPct val="90000"/>
+              </a:lnSpc>
+              <a:spcBef>
+                <a:spcPts val="500"/>
+              </a:spcBef>
+              <a:buFont typeface="Arial" panose="020B0604020202020204" pitchFamily="34" charset="0"/>
+              <a:buChar char="•"/>
+              <a:defRPr sz="1800" kern="1200">
+                <a:solidFill>
+                  <a:schemeClr val="tx1"/>
+                </a:solidFill>
+                <a:latin typeface="+mn-lt"/>
+                <a:ea typeface="+mn-ea"/>
+                <a:cs typeface="+mn-cs"/>
+              </a:defRPr>
+            </a:lvl7pPr>
+            <a:lvl8pPr marL="3429000" indent="-228600" algn="l" defTabSz="914400" rtl="0" eaLnBrk="1" latinLnBrk="0" hangingPunct="1">
+              <a:lnSpc>
+                <a:spcPct val="90000"/>
+              </a:lnSpc>
+              <a:spcBef>
+                <a:spcPts val="500"/>
+              </a:spcBef>
+              <a:buFont typeface="Arial" panose="020B0604020202020204" pitchFamily="34" charset="0"/>
+              <a:buChar char="•"/>
+              <a:defRPr sz="1800" kern="1200">
+                <a:solidFill>
+                  <a:schemeClr val="tx1"/>
+                </a:solidFill>
+                <a:latin typeface="+mn-lt"/>
+                <a:ea typeface="+mn-ea"/>
+                <a:cs typeface="+mn-cs"/>
+              </a:defRPr>
+            </a:lvl8pPr>
+            <a:lvl9pPr marL="3886200" indent="-228600" algn="l" defTabSz="914400" rtl="0" eaLnBrk="1" latinLnBrk="0" hangingPunct="1">
+              <a:lnSpc>
+                <a:spcPct val="90000"/>
+              </a:lnSpc>
+              <a:spcBef>
+                <a:spcPts val="500"/>
+              </a:spcBef>
+              <a:buFont typeface="Arial" panose="020B0604020202020204" pitchFamily="34" charset="0"/>
+              <a:buChar char="•"/>
+              <a:defRPr sz="1800" kern="1200">
+                <a:solidFill>
+                  <a:schemeClr val="tx1"/>
+                </a:solidFill>
+                <a:latin typeface="+mn-lt"/>
+                <a:ea typeface="+mn-ea"/>
+                <a:cs typeface="+mn-cs"/>
+              </a:defRPr>
+            </a:lvl9pPr>
+          </a:lstStyle>
+          <a:p>
+            <a:pPr marL="0" indent="0">
+              <a:lnSpc>
+                <a:spcPct val="100000"/>
+              </a:lnSpc>
+              <a:buNone/>
+            </a:pPr>
+            <a:r>
+              <a:rPr lang="en-GB" sz="1400" dirty="0">
+                <a:latin typeface="DejaVu Sans Book" panose="020B0603030804020204" pitchFamily="34" charset="0"/>
+                <a:ea typeface="DejaVu Sans Book" panose="020B0603030804020204" pitchFamily="34" charset="0"/>
+                <a:cs typeface="DejaVu Sans Book" panose="020B0603030804020204" pitchFamily="34" charset="0"/>
+              </a:rPr>
+              <a:t>2 - 3</a:t>
+            </a:r>
+          </a:p>
+          <a:p>
+            <a:pPr marL="0" indent="0">
+              <a:lnSpc>
+                <a:spcPct val="100000"/>
+              </a:lnSpc>
+              <a:buNone/>
+            </a:pPr>
+            <a:r>
+              <a:rPr lang="en-GB" sz="1400" dirty="0">
+                <a:latin typeface="DejaVu Sans Book" panose="020B0603030804020204" pitchFamily="34" charset="0"/>
+                <a:ea typeface="DejaVu Sans Book" panose="020B0603030804020204" pitchFamily="34" charset="0"/>
+                <a:cs typeface="DejaVu Sans Book" panose="020B0603030804020204" pitchFamily="34" charset="0"/>
+              </a:rPr>
+              <a:t>-3</a:t>
+            </a:r>
+          </a:p>
+          <a:p>
+            <a:pPr marL="0" indent="0">
+              <a:lnSpc>
+                <a:spcPct val="100000"/>
+              </a:lnSpc>
+              <a:buNone/>
+            </a:pPr>
+            <a:r>
+              <a:rPr lang="en-GB" sz="1400" dirty="0">
+                <a:latin typeface="DejaVu Sans Book" panose="020B0603030804020204" pitchFamily="34" charset="0"/>
+                <a:ea typeface="DejaVu Sans Book" panose="020B0603030804020204" pitchFamily="34" charset="0"/>
+                <a:cs typeface="DejaVu Sans Book" panose="020B0603030804020204" pitchFamily="34" charset="0"/>
+              </a:rPr>
+              <a:t>char (</a:t>
+            </a:r>
+            <a:r>
+              <a:rPr lang="en-GB" sz="1400" dirty="0" err="1">
+                <a:latin typeface="DejaVu Sans Book" panose="020B0603030804020204" pitchFamily="34" charset="0"/>
+                <a:ea typeface="DejaVu Sans Book" panose="020B0603030804020204" pitchFamily="34" charset="0"/>
+                <a:cs typeface="DejaVu Sans Book" panose="020B0603030804020204" pitchFamily="34" charset="0"/>
+              </a:rPr>
+              <a:t>int</a:t>
+            </a:r>
+            <a:r>
+              <a:rPr lang="en-GB" sz="1400" dirty="0">
+                <a:latin typeface="DejaVu Sans Book" panose="020B0603030804020204" pitchFamily="34" charset="0"/>
+                <a:ea typeface="DejaVu Sans Book" panose="020B0603030804020204" pitchFamily="34" charset="0"/>
+                <a:cs typeface="DejaVu Sans Book" panose="020B0603030804020204" pitchFamily="34" charset="0"/>
+              </a:rPr>
+              <a:t> 'c' + -</a:t>
+            </a:r>
+            <a:r>
+              <a:rPr lang="en-GB" sz="1400" dirty="0" err="1">
+                <a:latin typeface="DejaVu Sans Book" panose="020B0603030804020204" pitchFamily="34" charset="0"/>
+                <a:ea typeface="DejaVu Sans Book" panose="020B0603030804020204" pitchFamily="34" charset="0"/>
+                <a:cs typeface="DejaVu Sans Book" panose="020B0603030804020204" pitchFamily="34" charset="0"/>
+              </a:rPr>
+              <a:t>int</a:t>
+            </a:r>
+            <a:r>
+              <a:rPr lang="en-GB" sz="1400" dirty="0">
+                <a:latin typeface="DejaVu Sans Book" panose="020B0603030804020204" pitchFamily="34" charset="0"/>
+                <a:ea typeface="DejaVu Sans Book" panose="020B0603030804020204" pitchFamily="34" charset="0"/>
+                <a:cs typeface="DejaVu Sans Book" panose="020B0603030804020204" pitchFamily="34" charset="0"/>
+              </a:rPr>
+              <a:t> 'a' + </a:t>
+            </a:r>
+            <a:r>
+              <a:rPr lang="en-GB" sz="1400" dirty="0" err="1">
+                <a:latin typeface="DejaVu Sans Book" panose="020B0603030804020204" pitchFamily="34" charset="0"/>
+                <a:ea typeface="DejaVu Sans Book" panose="020B0603030804020204" pitchFamily="34" charset="0"/>
+                <a:cs typeface="DejaVu Sans Book" panose="020B0603030804020204" pitchFamily="34" charset="0"/>
+              </a:rPr>
+              <a:t>int</a:t>
+            </a:r>
+            <a:r>
+              <a:rPr lang="en-GB" sz="1400" dirty="0">
+                <a:latin typeface="DejaVu Sans Book" panose="020B0603030804020204" pitchFamily="34" charset="0"/>
+                <a:ea typeface="DejaVu Sans Book" panose="020B0603030804020204" pitchFamily="34" charset="0"/>
+                <a:cs typeface="DejaVu Sans Book" panose="020B0603030804020204" pitchFamily="34" charset="0"/>
+              </a:rPr>
+              <a:t> 'A’)</a:t>
+            </a:r>
+          </a:p>
+          <a:p>
+            <a:pPr marL="0" indent="0">
+              <a:lnSpc>
+                <a:spcPct val="100000"/>
+              </a:lnSpc>
+              <a:buNone/>
+            </a:pPr>
+            <a:r>
+              <a:rPr lang="en-GB" sz="1400" u="sng" dirty="0">
+                <a:latin typeface="DejaVu Sans Book" panose="020B0603030804020204" pitchFamily="34" charset="0"/>
+                <a:ea typeface="DejaVu Sans Book" panose="020B0603030804020204" pitchFamily="34" charset="0"/>
+                <a:cs typeface="DejaVu Sans Book" panose="020B0603030804020204" pitchFamily="34" charset="0"/>
+              </a:rPr>
+              <a:t>char (</a:t>
+            </a:r>
+            <a:r>
+              <a:rPr lang="en-GB" sz="1400" u="sng" dirty="0" err="1">
+                <a:latin typeface="DejaVu Sans Book" panose="020B0603030804020204" pitchFamily="34" charset="0"/>
+                <a:ea typeface="DejaVu Sans Book" panose="020B0603030804020204" pitchFamily="34" charset="0"/>
+                <a:cs typeface="DejaVu Sans Book" panose="020B0603030804020204" pitchFamily="34" charset="0"/>
+              </a:rPr>
+              <a:t>int</a:t>
+            </a:r>
+            <a:r>
+              <a:rPr lang="en-GB" sz="1400" u="sng" dirty="0">
+                <a:latin typeface="DejaVu Sans Book" panose="020B0603030804020204" pitchFamily="34" charset="0"/>
+                <a:ea typeface="DejaVu Sans Book" panose="020B0603030804020204" pitchFamily="34" charset="0"/>
+                <a:cs typeface="DejaVu Sans Book" panose="020B0603030804020204" pitchFamily="34" charset="0"/>
+              </a:rPr>
+              <a:t> 'c’ -</a:t>
+            </a:r>
+            <a:r>
+              <a:rPr lang="en-GB" sz="1400" u="sng" dirty="0" err="1">
+                <a:latin typeface="DejaVu Sans Book" panose="020B0603030804020204" pitchFamily="34" charset="0"/>
+                <a:ea typeface="DejaVu Sans Book" panose="020B0603030804020204" pitchFamily="34" charset="0"/>
+                <a:cs typeface="DejaVu Sans Book" panose="020B0603030804020204" pitchFamily="34" charset="0"/>
+              </a:rPr>
+              <a:t>int</a:t>
+            </a:r>
+            <a:r>
+              <a:rPr lang="en-GB" sz="1400" u="sng" dirty="0">
+                <a:latin typeface="DejaVu Sans Book" panose="020B0603030804020204" pitchFamily="34" charset="0"/>
+                <a:ea typeface="DejaVu Sans Book" panose="020B0603030804020204" pitchFamily="34" charset="0"/>
+                <a:cs typeface="DejaVu Sans Book" panose="020B0603030804020204" pitchFamily="34" charset="0"/>
+              </a:rPr>
+              <a:t> 'a' + </a:t>
+            </a:r>
+            <a:r>
+              <a:rPr lang="en-GB" sz="1400" u="sng" dirty="0" err="1">
+                <a:latin typeface="DejaVu Sans Book" panose="020B0603030804020204" pitchFamily="34" charset="0"/>
+                <a:ea typeface="DejaVu Sans Book" panose="020B0603030804020204" pitchFamily="34" charset="0"/>
+                <a:cs typeface="DejaVu Sans Book" panose="020B0603030804020204" pitchFamily="34" charset="0"/>
+              </a:rPr>
+              <a:t>int</a:t>
+            </a:r>
+            <a:r>
+              <a:rPr lang="en-GB" sz="1400" u="sng" dirty="0">
+                <a:latin typeface="DejaVu Sans Book" panose="020B0603030804020204" pitchFamily="34" charset="0"/>
+                <a:ea typeface="DejaVu Sans Book" panose="020B0603030804020204" pitchFamily="34" charset="0"/>
+                <a:cs typeface="DejaVu Sans Book" panose="020B0603030804020204" pitchFamily="34" charset="0"/>
+              </a:rPr>
+              <a:t> 'A')</a:t>
+            </a:r>
+          </a:p>
+          <a:p>
+            <a:pPr marL="0" indent="0">
+              <a:lnSpc>
+                <a:spcPct val="100000"/>
+              </a:lnSpc>
+              <a:buNone/>
+            </a:pPr>
+            <a:endParaRPr lang="en-GB" sz="1400" dirty="0">
+              <a:latin typeface="DejaVu Sans Book" panose="020B0603030804020204" pitchFamily="34" charset="0"/>
+              <a:ea typeface="DejaVu Sans Book" panose="020B0603030804020204" pitchFamily="34" charset="0"/>
+              <a:cs typeface="DejaVu Sans Book" panose="020B0603030804020204" pitchFamily="34" charset="0"/>
+            </a:endParaRPr>
+          </a:p>
+        </p:txBody>
+      </p:sp>
+      <p:cxnSp>
+        <p:nvCxnSpPr>
+          <p:cNvPr id="7" name="Straight Connector 6">
+            <a:extLst>
+              <a:ext uri="{FF2B5EF4-FFF2-40B4-BE49-F238E27FC236}">
+                <a16:creationId xmlns:a16="http://schemas.microsoft.com/office/drawing/2014/main" id="{5A09C2F5-8773-5C40-80FB-890ED2D7CEF5}"/>
+              </a:ext>
+            </a:extLst>
+          </p:cNvPr>
+          <p:cNvCxnSpPr>
+            <a:cxnSpLocks/>
+          </p:cNvCxnSpPr>
+          <p:nvPr/>
+        </p:nvCxnSpPr>
+        <p:spPr>
+          <a:xfrm>
+            <a:off x="3592285" y="1850272"/>
+            <a:ext cx="0" cy="4128437"/>
+          </a:xfrm>
+          <a:prstGeom prst="line">
+            <a:avLst/>
+          </a:prstGeom>
+        </p:spPr>
+        <p:style>
+          <a:lnRef idx="1">
+            <a:schemeClr val="accent1"/>
+          </a:lnRef>
+          <a:fillRef idx="0">
+            <a:schemeClr val="accent1"/>
+          </a:fillRef>
+          <a:effectRef idx="0">
+            <a:schemeClr val="accent1"/>
+          </a:effectRef>
+          <a:fontRef idx="minor">
+            <a:schemeClr val="tx1"/>
+          </a:fontRef>
+        </p:style>
+      </p:cxnSp>
+      <p:cxnSp>
+        <p:nvCxnSpPr>
+          <p:cNvPr id="8" name="Straight Connector 7">
+            <a:extLst>
+              <a:ext uri="{FF2B5EF4-FFF2-40B4-BE49-F238E27FC236}">
+                <a16:creationId xmlns:a16="http://schemas.microsoft.com/office/drawing/2014/main" id="{C9DB7069-2F82-9A4C-9851-E87494EB8821}"/>
+              </a:ext>
+            </a:extLst>
+          </p:cNvPr>
+          <p:cNvCxnSpPr>
+            <a:cxnSpLocks/>
+          </p:cNvCxnSpPr>
+          <p:nvPr/>
+        </p:nvCxnSpPr>
+        <p:spPr>
+          <a:xfrm>
+            <a:off x="5612674" y="1850272"/>
+            <a:ext cx="0" cy="4128437"/>
+          </a:xfrm>
+          <a:prstGeom prst="line">
+            <a:avLst/>
+          </a:prstGeom>
+        </p:spPr>
+        <p:style>
+          <a:lnRef idx="1">
+            <a:schemeClr val="accent1"/>
+          </a:lnRef>
+          <a:fillRef idx="0">
+            <a:schemeClr val="accent1"/>
+          </a:fillRef>
+          <a:effectRef idx="0">
+            <a:schemeClr val="accent1"/>
+          </a:effectRef>
+          <a:fontRef idx="minor">
+            <a:schemeClr val="tx1"/>
+          </a:fontRef>
+        </p:style>
+      </p:cxnSp>
+      <p:cxnSp>
+        <p:nvCxnSpPr>
+          <p:cNvPr id="9" name="Straight Connector 8">
+            <a:extLst>
+              <a:ext uri="{FF2B5EF4-FFF2-40B4-BE49-F238E27FC236}">
+                <a16:creationId xmlns:a16="http://schemas.microsoft.com/office/drawing/2014/main" id="{2C261977-CCDA-A449-983C-629F4D2C2170}"/>
+              </a:ext>
+            </a:extLst>
+          </p:cNvPr>
+          <p:cNvCxnSpPr>
+            <a:cxnSpLocks/>
+          </p:cNvCxnSpPr>
+          <p:nvPr/>
+        </p:nvCxnSpPr>
+        <p:spPr>
+          <a:xfrm>
+            <a:off x="8462454" y="1850272"/>
+            <a:ext cx="0" cy="4128437"/>
+          </a:xfrm>
+          <a:prstGeom prst="line">
+            <a:avLst/>
+          </a:prstGeom>
+        </p:spPr>
+        <p:style>
+          <a:lnRef idx="1">
+            <a:schemeClr val="accent1"/>
+          </a:lnRef>
+          <a:fillRef idx="0">
+            <a:schemeClr val="accent1"/>
+          </a:fillRef>
+          <a:effectRef idx="0">
+            <a:schemeClr val="accent1"/>
+          </a:effectRef>
+          <a:fontRef idx="minor">
+            <a:schemeClr val="tx1"/>
+          </a:fontRef>
+        </p:style>
+      </p:cxnSp>
       <p:cxnSp>
         <p:nvCxnSpPr>
           <p:cNvPr id="10" name="Straight Connector 9">
@@ -4979,7 +6255,7 @@
         <p:spPr>
           <a:xfrm>
             <a:off x="838200" y="1937208"/>
-            <a:ext cx="2062488" cy="369332"/>
+            <a:ext cx="2271071" cy="400110"/>
           </a:xfrm>
           <a:prstGeom prst="rect">
             <a:avLst/>
@@ -4993,26 +6269,152 @@
           <a:lstStyle/>
           <a:p>
             <a:r>
-              <a:rPr lang="en-GB" dirty="0" err="1"/>
+              <a:rPr lang="en-GB" sz="2000" dirty="0" err="1"/>
               <a:t>Operatorer</a:t>
             </a:r>
             <a:r>
-              <a:rPr lang="en-GB" dirty="0"/>
+              <a:rPr lang="en-GB" sz="2000" dirty="0"/>
               <a:t> </a:t>
             </a:r>
             <a:r>
-              <a:rPr lang="en-GB" dirty="0" err="1"/>
+              <a:rPr lang="en-GB" sz="2000" dirty="0" err="1"/>
               <a:t>og</a:t>
             </a:r>
             <a:r>
-              <a:rPr lang="en-GB" dirty="0"/>
+              <a:rPr lang="en-GB" sz="2000" dirty="0"/>
               <a:t> </a:t>
             </a:r>
             <a:r>
-              <a:rPr lang="en-GB" dirty="0" err="1"/>
+              <a:rPr lang="en-GB" sz="2000" dirty="0" err="1"/>
               <a:t>typer</a:t>
             </a:r>
-            <a:endParaRPr lang="en-GB" dirty="0"/>
+            <a:endParaRPr lang="en-GB" sz="2000" dirty="0"/>
+          </a:p>
+        </p:txBody>
+      </p:sp>
+      <p:sp>
+        <p:nvSpPr>
+          <p:cNvPr id="34" name="TextBox 33">
+            <a:extLst>
+              <a:ext uri="{FF2B5EF4-FFF2-40B4-BE49-F238E27FC236}">
+                <a16:creationId xmlns:a16="http://schemas.microsoft.com/office/drawing/2014/main" id="{83DB5C78-6841-D340-967E-93DC23631568}"/>
+              </a:ext>
+            </a:extLst>
+          </p:cNvPr>
+          <p:cNvSpPr txBox="1"/>
+          <p:nvPr/>
+        </p:nvSpPr>
+        <p:spPr>
+          <a:xfrm>
+            <a:off x="3592296" y="1691208"/>
+            <a:ext cx="1964956" cy="707886"/>
+          </a:xfrm>
+          <a:prstGeom prst="rect">
+            <a:avLst/>
+          </a:prstGeom>
+          <a:noFill/>
+        </p:spPr>
+        <p:txBody>
+          <a:bodyPr wrap="square" rtlCol="0">
+            <a:spAutoFit/>
+          </a:bodyPr>
+          <a:lstStyle/>
+          <a:p>
+            <a:r>
+              <a:rPr lang="en-GB" sz="2000" dirty="0" err="1"/>
+              <a:t>Præcendens</a:t>
+            </a:r>
+            <a:r>
+              <a:rPr lang="en-GB" sz="2000" dirty="0"/>
+              <a:t> </a:t>
+            </a:r>
+            <a:r>
+              <a:rPr lang="en-GB" sz="2000" dirty="0" err="1"/>
+              <a:t>og</a:t>
+            </a:r>
+            <a:r>
+              <a:rPr lang="en-GB" sz="2000" dirty="0"/>
+              <a:t> association</a:t>
+            </a:r>
+          </a:p>
+        </p:txBody>
+      </p:sp>
+      <p:sp>
+        <p:nvSpPr>
+          <p:cNvPr id="35" name="TextBox 34">
+            <a:extLst>
+              <a:ext uri="{FF2B5EF4-FFF2-40B4-BE49-F238E27FC236}">
+                <a16:creationId xmlns:a16="http://schemas.microsoft.com/office/drawing/2014/main" id="{C1EF2861-5EFD-6142-B0DE-FBA35F9A0DD4}"/>
+              </a:ext>
+            </a:extLst>
+          </p:cNvPr>
+          <p:cNvSpPr txBox="1"/>
+          <p:nvPr/>
+        </p:nvSpPr>
+        <p:spPr>
+          <a:xfrm>
+            <a:off x="5612675" y="1937211"/>
+            <a:ext cx="1405513" cy="400110"/>
+          </a:xfrm>
+          <a:prstGeom prst="rect">
+            <a:avLst/>
+          </a:prstGeom>
+          <a:noFill/>
+        </p:spPr>
+        <p:txBody>
+          <a:bodyPr wrap="none" rtlCol="0">
+            <a:spAutoFit/>
+          </a:bodyPr>
+          <a:lstStyle/>
+          <a:p>
+            <a:r>
+              <a:rPr lang="en-GB" sz="2000" dirty="0"/>
+              <a:t>Typecasting</a:t>
+            </a:r>
+          </a:p>
+        </p:txBody>
+      </p:sp>
+      <p:sp>
+        <p:nvSpPr>
+          <p:cNvPr id="36" name="TextBox 35">
+            <a:extLst>
+              <a:ext uri="{FF2B5EF4-FFF2-40B4-BE49-F238E27FC236}">
+                <a16:creationId xmlns:a16="http://schemas.microsoft.com/office/drawing/2014/main" id="{D3E7B5F3-323D-1949-A20A-27F668F94420}"/>
+              </a:ext>
+            </a:extLst>
+          </p:cNvPr>
+          <p:cNvSpPr txBox="1"/>
+          <p:nvPr/>
+        </p:nvSpPr>
+        <p:spPr>
+          <a:xfrm>
+            <a:off x="8462456" y="1937211"/>
+            <a:ext cx="2081724" cy="400110"/>
+          </a:xfrm>
+          <a:prstGeom prst="rect">
+            <a:avLst/>
+          </a:prstGeom>
+          <a:noFill/>
+        </p:spPr>
+        <p:txBody>
+          <a:bodyPr wrap="none" rtlCol="0">
+            <a:spAutoFit/>
+          </a:bodyPr>
+          <a:lstStyle/>
+          <a:p>
+            <a:r>
+              <a:rPr lang="en-GB" sz="2000" dirty="0" err="1"/>
+              <a:t>Unære</a:t>
+            </a:r>
+            <a:r>
+              <a:rPr lang="en-GB" sz="2000" dirty="0"/>
+              <a:t> </a:t>
+            </a:r>
+            <a:r>
+              <a:rPr lang="en-GB" sz="2000" dirty="0" err="1"/>
+              <a:t>operatorer</a:t>
+            </a:r>
+            <a:endParaRPr lang="en-GB" sz="2000" dirty="0"/>
           </a:p>
         </p:txBody>
       </p:sp>
@@ -5033,7 +6435,7 @@
         <p:spPr>
           <a:xfrm>
             <a:off x="838200" y="2364376"/>
-            <a:ext cx="2276959" cy="0"/>
+            <a:ext cx="10515600" cy="0"/>
           </a:xfrm>
           <a:prstGeom prst="line">
             <a:avLst/>
@@ -5099,10 +6501,223 @@
           </a:fontRef>
         </p:style>
       </p:cxnSp>
+      <p:sp>
+        <p:nvSpPr>
+          <p:cNvPr id="53" name="TextBox 52">
+            <a:extLst>
+              <a:ext uri="{FF2B5EF4-FFF2-40B4-BE49-F238E27FC236}">
+                <a16:creationId xmlns:a16="http://schemas.microsoft.com/office/drawing/2014/main" id="{4D77C9C0-F5E2-174B-80BB-11D7FD01541C}"/>
+              </a:ext>
+            </a:extLst>
+          </p:cNvPr>
+          <p:cNvSpPr txBox="1"/>
+          <p:nvPr/>
+        </p:nvSpPr>
+        <p:spPr>
+          <a:xfrm>
+            <a:off x="4102679" y="3456718"/>
+            <a:ext cx="1191352" cy="307777"/>
+          </a:xfrm>
+          <a:prstGeom prst="rect">
+            <a:avLst/>
+          </a:prstGeom>
+          <a:noFill/>
+        </p:spPr>
+        <p:txBody>
+          <a:bodyPr wrap="none" rtlCol="0">
+            <a:spAutoFit/>
+          </a:bodyPr>
+          <a:lstStyle/>
+          <a:p>
+            <a:r>
+              <a:rPr lang="en-GB" sz="1400" dirty="0">
+                <a:solidFill>
+                  <a:schemeClr val="accent6"/>
+                </a:solidFill>
+                <a:latin typeface="DejaVu Sans Book" panose="020B0603030804020204" pitchFamily="34" charset="0"/>
+                <a:ea typeface="DejaVu Sans Book" panose="020B0603030804020204" pitchFamily="34" charset="0"/>
+                <a:cs typeface="DejaVu Sans Book" panose="020B0603030804020204" pitchFamily="34" charset="0"/>
+              </a:rPr>
+              <a:t>(               )</a:t>
+            </a:r>
+          </a:p>
+        </p:txBody>
+      </p:sp>
+      <p:sp>
+        <p:nvSpPr>
+          <p:cNvPr id="54" name="TextBox 53">
+            <a:extLst>
+              <a:ext uri="{FF2B5EF4-FFF2-40B4-BE49-F238E27FC236}">
+                <a16:creationId xmlns:a16="http://schemas.microsoft.com/office/drawing/2014/main" id="{9E5F309B-19EA-AF4E-BA15-12FEC4FD9C25}"/>
+              </a:ext>
+            </a:extLst>
+          </p:cNvPr>
+          <p:cNvSpPr txBox="1"/>
+          <p:nvPr/>
+        </p:nvSpPr>
+        <p:spPr>
+          <a:xfrm>
+            <a:off x="3513577" y="3801123"/>
+            <a:ext cx="1075936" cy="307777"/>
+          </a:xfrm>
+          <a:prstGeom prst="rect">
+            <a:avLst/>
+          </a:prstGeom>
+          <a:noFill/>
+        </p:spPr>
+        <p:txBody>
+          <a:bodyPr wrap="none" rtlCol="0">
+            <a:spAutoFit/>
+          </a:bodyPr>
+          <a:lstStyle/>
+          <a:p>
+            <a:r>
+              <a:rPr lang="en-GB" sz="1400" dirty="0">
+                <a:solidFill>
+                  <a:schemeClr val="accent6"/>
+                </a:solidFill>
+                <a:latin typeface="DejaVu Sans Book" panose="020B0603030804020204" pitchFamily="34" charset="0"/>
+                <a:ea typeface="DejaVu Sans Book" panose="020B0603030804020204" pitchFamily="34" charset="0"/>
+                <a:cs typeface="DejaVu Sans Book" panose="020B0603030804020204" pitchFamily="34" charset="0"/>
+              </a:rPr>
+              <a:t>(             )</a:t>
+            </a:r>
+          </a:p>
+        </p:txBody>
+      </p:sp>
+      <p:cxnSp>
+        <p:nvCxnSpPr>
+          <p:cNvPr id="55" name="Straight Connector 54">
+            <a:extLst>
+              <a:ext uri="{FF2B5EF4-FFF2-40B4-BE49-F238E27FC236}">
+                <a16:creationId xmlns:a16="http://schemas.microsoft.com/office/drawing/2014/main" id="{99E83C82-A64E-2143-9DA9-2ACA3C031970}"/>
+              </a:ext>
+            </a:extLst>
+          </p:cNvPr>
+          <p:cNvCxnSpPr>
+            <a:cxnSpLocks/>
+          </p:cNvCxnSpPr>
+          <p:nvPr/>
+        </p:nvCxnSpPr>
+        <p:spPr>
+          <a:xfrm flipV="1">
+            <a:off x="8522657" y="3580112"/>
+            <a:ext cx="2558632" cy="114508"/>
+          </a:xfrm>
+          <a:prstGeom prst="line">
+            <a:avLst/>
+          </a:prstGeom>
+          <a:ln w="38100">
+            <a:solidFill>
+              <a:srgbClr val="C00000">
+                <a:alpha val="50000"/>
+              </a:srgbClr>
+            </a:solidFill>
+          </a:ln>
+        </p:spPr>
+        <p:style>
+          <a:lnRef idx="1">
+            <a:schemeClr val="accent1"/>
+          </a:lnRef>
+          <a:fillRef idx="0">
+            <a:schemeClr val="accent1"/>
+          </a:fillRef>
+          <a:effectRef idx="0">
+            <a:schemeClr val="accent1"/>
+          </a:effectRef>
+          <a:fontRef idx="minor">
+            <a:schemeClr val="tx1"/>
+          </a:fontRef>
+        </p:style>
+      </p:cxnSp>
+      <p:sp>
+        <p:nvSpPr>
+          <p:cNvPr id="57" name="TextBox 56">
+            <a:extLst>
+              <a:ext uri="{FF2B5EF4-FFF2-40B4-BE49-F238E27FC236}">
+                <a16:creationId xmlns:a16="http://schemas.microsoft.com/office/drawing/2014/main" id="{FCE57C74-0DC0-D341-96E9-DCD928EB1B6C}"/>
+              </a:ext>
+            </a:extLst>
+          </p:cNvPr>
+          <p:cNvSpPr txBox="1"/>
+          <p:nvPr/>
+        </p:nvSpPr>
+        <p:spPr>
+          <a:xfrm>
+            <a:off x="7038615" y="3469970"/>
+            <a:ext cx="506870" cy="307777"/>
+          </a:xfrm>
+          <a:prstGeom prst="rect">
+            <a:avLst/>
+          </a:prstGeom>
+          <a:noFill/>
+        </p:spPr>
+        <p:txBody>
+          <a:bodyPr wrap="none" rtlCol="0">
+            <a:spAutoFit/>
+          </a:bodyPr>
+          <a:lstStyle/>
+          <a:p>
+            <a:r>
+              <a:rPr lang="en-GB" sz="1400" dirty="0">
+                <a:solidFill>
+                  <a:schemeClr val="accent6"/>
+                </a:solidFill>
+                <a:latin typeface="DejaVu Sans Book" panose="020B0603030804020204" pitchFamily="34" charset="0"/>
+                <a:ea typeface="DejaVu Sans Book" panose="020B0603030804020204" pitchFamily="34" charset="0"/>
+                <a:cs typeface="DejaVu Sans Book" panose="020B0603030804020204" pitchFamily="34" charset="0"/>
+              </a:rPr>
+              <a:t>= 3</a:t>
+            </a:r>
+          </a:p>
+        </p:txBody>
+      </p:sp>
+      <p:sp>
+        <p:nvSpPr>
+          <p:cNvPr id="58" name="TextBox 57">
+            <a:extLst>
+              <a:ext uri="{FF2B5EF4-FFF2-40B4-BE49-F238E27FC236}">
+                <a16:creationId xmlns:a16="http://schemas.microsoft.com/office/drawing/2014/main" id="{F4DB46FE-4F4F-5147-97A2-8D04019D1D9D}"/>
+              </a:ext>
+            </a:extLst>
+          </p:cNvPr>
+          <p:cNvSpPr txBox="1"/>
+          <p:nvPr/>
+        </p:nvSpPr>
+        <p:spPr>
+          <a:xfrm>
+            <a:off x="7035506" y="3787871"/>
+            <a:ext cx="506870" cy="307777"/>
+          </a:xfrm>
+          <a:prstGeom prst="rect">
+            <a:avLst/>
+          </a:prstGeom>
+          <a:noFill/>
+        </p:spPr>
+        <p:txBody>
+          <a:bodyPr wrap="none" rtlCol="0">
+            <a:spAutoFit/>
+          </a:bodyPr>
+          <a:lstStyle/>
+          <a:p>
+            <a:r>
+              <a:rPr lang="en-GB" sz="1400" dirty="0">
+                <a:solidFill>
+                  <a:schemeClr val="accent6"/>
+                </a:solidFill>
+                <a:latin typeface="DejaVu Sans Book" panose="020B0603030804020204" pitchFamily="34" charset="0"/>
+                <a:ea typeface="DejaVu Sans Book" panose="020B0603030804020204" pitchFamily="34" charset="0"/>
+                <a:cs typeface="DejaVu Sans Book" panose="020B0603030804020204" pitchFamily="34" charset="0"/>
+              </a:rPr>
+              <a:t>= 4</a:t>
+            </a:r>
+          </a:p>
+        </p:txBody>
+      </p:sp>
     </p:spTree>
     <p:extLst>
       <p:ext uri="{BB962C8B-B14F-4D97-AF65-F5344CB8AC3E}">
-        <p14:creationId xmlns:p14="http://schemas.microsoft.com/office/powerpoint/2010/main" val="119666176"/>
+        <p14:creationId xmlns:p14="http://schemas.microsoft.com/office/powerpoint/2010/main" val="3029829728"/>
       </p:ext>
     </p:extLst>
   </p:cSld>
@@ -5130,7 +6745,7 @@
                             </p:stCondLst>
                             <p:childTnLst>
                               <p:par>
-                                <p:cTn id="5" presetID="1" presetClass="entr" presetSubtype="0" fill="hold" nodeType="clickEffect">
+                                <p:cTn id="5" presetID="1" presetClass="entr" presetSubtype="0" fill="hold" grpId="0" nodeType="clickEffect">
                                   <p:stCondLst>
                                     <p:cond delay="0"/>
                                   </p:stCondLst>
@@ -5143,7 +6758,277 @@
                                           </p:stCondLst>
                                         </p:cTn>
                                         <p:tgtEl>
-                                          <p:spTgt spid="46"/>
+                                          <p:spTgt spid="53"/>
+                                        </p:tgtEl>
+                                        <p:attrNameLst>
+                                          <p:attrName>style.visibility</p:attrName>
+                                        </p:attrNameLst>
+                                      </p:cBhvr>
+                                      <p:to>
+                                        <p:strVal val="visible"/>
+                                      </p:to>
+                                    </p:set>
+                                  </p:childTnLst>
+                                </p:cTn>
+                              </p:par>
+                            </p:childTnLst>
+                          </p:cTn>
+                        </p:par>
+                      </p:childTnLst>
+                    </p:cTn>
+                  </p:par>
+                  <p:par>
+                    <p:cTn id="7" fill="hold">
+                      <p:stCondLst>
+                        <p:cond delay="indefinite"/>
+                      </p:stCondLst>
+                      <p:childTnLst>
+                        <p:par>
+                          <p:cTn id="8" fill="hold">
+                            <p:stCondLst>
+                              <p:cond delay="0"/>
+                            </p:stCondLst>
+                            <p:childTnLst>
+                              <p:par>
+                                <p:cTn id="9" presetID="1" presetClass="entr" presetSubtype="0" fill="hold" grpId="0" nodeType="clickEffect">
+                                  <p:stCondLst>
+                                    <p:cond delay="0"/>
+                                  </p:stCondLst>
+                                  <p:childTnLst>
+                                    <p:set>
+                                      <p:cBhvr>
+                                        <p:cTn id="10" dur="1" fill="hold">
+                                          <p:stCondLst>
+                                            <p:cond delay="0"/>
+                                          </p:stCondLst>
+                                        </p:cTn>
+                                        <p:tgtEl>
+                                          <p:spTgt spid="54"/>
+                                        </p:tgtEl>
+                                        <p:attrNameLst>
+                                          <p:attrName>style.visibility</p:attrName>
+                                        </p:attrNameLst>
+                                      </p:cBhvr>
+                                      <p:to>
+                                        <p:strVal val="visible"/>
+                                      </p:to>
+                                    </p:set>
+                                  </p:childTnLst>
+                                </p:cTn>
+                              </p:par>
+                            </p:childTnLst>
+                          </p:cTn>
+                        </p:par>
+                      </p:childTnLst>
+                    </p:cTn>
+                  </p:par>
+                  <p:par>
+                    <p:cTn id="11" fill="hold">
+                      <p:stCondLst>
+                        <p:cond delay="indefinite"/>
+                      </p:stCondLst>
+                      <p:childTnLst>
+                        <p:par>
+                          <p:cTn id="12" fill="hold">
+                            <p:stCondLst>
+                              <p:cond delay="0"/>
+                            </p:stCondLst>
+                            <p:childTnLst>
+                              <p:par>
+                                <p:cTn id="13" presetID="1" presetClass="entr" presetSubtype="0" fill="hold" grpId="0" nodeType="clickEffect">
+                                  <p:stCondLst>
+                                    <p:cond delay="0"/>
+                                  </p:stCondLst>
+                                  <p:childTnLst>
+                                    <p:set>
+                                      <p:cBhvr>
+                                        <p:cTn id="14" dur="1" fill="hold">
+                                          <p:stCondLst>
+                                            <p:cond delay="0"/>
+                                          </p:stCondLst>
+                                        </p:cTn>
+                                        <p:tgtEl>
+                                          <p:spTgt spid="5"/>
+                                        </p:tgtEl>
+                                        <p:attrNameLst>
+                                          <p:attrName>style.visibility</p:attrName>
+                                        </p:attrNameLst>
+                                      </p:cBhvr>
+                                      <p:to>
+                                        <p:strVal val="visible"/>
+                                      </p:to>
+                                    </p:set>
+                                  </p:childTnLst>
+                                </p:cTn>
+                              </p:par>
+                            </p:childTnLst>
+                          </p:cTn>
+                        </p:par>
+                      </p:childTnLst>
+                    </p:cTn>
+                  </p:par>
+                  <p:par>
+                    <p:cTn id="15" fill="hold">
+                      <p:stCondLst>
+                        <p:cond delay="indefinite"/>
+                      </p:stCondLst>
+                      <p:childTnLst>
+                        <p:par>
+                          <p:cTn id="16" fill="hold">
+                            <p:stCondLst>
+                              <p:cond delay="0"/>
+                            </p:stCondLst>
+                            <p:childTnLst>
+                              <p:par>
+                                <p:cTn id="17" presetID="1" presetClass="entr" presetSubtype="0" fill="hold" grpId="0" nodeType="clickEffect">
+                                  <p:stCondLst>
+                                    <p:cond delay="0"/>
+                                  </p:stCondLst>
+                                  <p:childTnLst>
+                                    <p:set>
+                                      <p:cBhvr>
+                                        <p:cTn id="18" dur="1" fill="hold">
+                                          <p:stCondLst>
+                                            <p:cond delay="0"/>
+                                          </p:stCondLst>
+                                        </p:cTn>
+                                        <p:tgtEl>
+                                          <p:spTgt spid="57"/>
+                                        </p:tgtEl>
+                                        <p:attrNameLst>
+                                          <p:attrName>style.visibility</p:attrName>
+                                        </p:attrNameLst>
+                                      </p:cBhvr>
+                                      <p:to>
+                                        <p:strVal val="visible"/>
+                                      </p:to>
+                                    </p:set>
+                                  </p:childTnLst>
+                                </p:cTn>
+                              </p:par>
+                            </p:childTnLst>
+                          </p:cTn>
+                        </p:par>
+                      </p:childTnLst>
+                    </p:cTn>
+                  </p:par>
+                  <p:par>
+                    <p:cTn id="19" fill="hold">
+                      <p:stCondLst>
+                        <p:cond delay="indefinite"/>
+                      </p:stCondLst>
+                      <p:childTnLst>
+                        <p:par>
+                          <p:cTn id="20" fill="hold">
+                            <p:stCondLst>
+                              <p:cond delay="0"/>
+                            </p:stCondLst>
+                            <p:childTnLst>
+                              <p:par>
+                                <p:cTn id="21" presetID="1" presetClass="entr" presetSubtype="0" fill="hold" grpId="0" nodeType="clickEffect">
+                                  <p:stCondLst>
+                                    <p:cond delay="0"/>
+                                  </p:stCondLst>
+                                  <p:childTnLst>
+                                    <p:set>
+                                      <p:cBhvr>
+                                        <p:cTn id="22" dur="1" fill="hold">
+                                          <p:stCondLst>
+                                            <p:cond delay="0"/>
+                                          </p:stCondLst>
+                                        </p:cTn>
+                                        <p:tgtEl>
+                                          <p:spTgt spid="58"/>
+                                        </p:tgtEl>
+                                        <p:attrNameLst>
+                                          <p:attrName>style.visibility</p:attrName>
+                                        </p:attrNameLst>
+                                      </p:cBhvr>
+                                      <p:to>
+                                        <p:strVal val="visible"/>
+                                      </p:to>
+                                    </p:set>
+                                  </p:childTnLst>
+                                </p:cTn>
+                              </p:par>
+                            </p:childTnLst>
+                          </p:cTn>
+                        </p:par>
+                      </p:childTnLst>
+                    </p:cTn>
+                  </p:par>
+                  <p:par>
+                    <p:cTn id="23" fill="hold">
+                      <p:stCondLst>
+                        <p:cond delay="indefinite"/>
+                      </p:stCondLst>
+                      <p:childTnLst>
+                        <p:par>
+                          <p:cTn id="24" fill="hold">
+                            <p:stCondLst>
+                              <p:cond delay="0"/>
+                            </p:stCondLst>
+                            <p:childTnLst>
+                              <p:par>
+                                <p:cTn id="25" presetID="1" presetClass="entr" presetSubtype="0" fill="hold" grpId="0" nodeType="clickEffect">
+                                  <p:stCondLst>
+                                    <p:cond delay="0"/>
+                                  </p:stCondLst>
+                                  <p:childTnLst>
+                                    <p:set>
+                                      <p:cBhvr>
+                                        <p:cTn id="26" dur="1" fill="hold">
+                                          <p:stCondLst>
+                                            <p:cond delay="0"/>
+                                          </p:stCondLst>
+                                        </p:cTn>
+                                        <p:tgtEl>
+                                          <p:spTgt spid="6"/>
+                                        </p:tgtEl>
+                                        <p:attrNameLst>
+                                          <p:attrName>style.visibility</p:attrName>
+                                        </p:attrNameLst>
+                                      </p:cBhvr>
+                                      <p:to>
+                                        <p:strVal val="visible"/>
+                                      </p:to>
+                                    </p:set>
+                                  </p:childTnLst>
+                                </p:cTn>
+                              </p:par>
+                            </p:childTnLst>
+                          </p:cTn>
+                        </p:par>
+                      </p:childTnLst>
+                    </p:cTn>
+                  </p:par>
+                  <p:par>
+                    <p:cTn id="27" fill="hold">
+                      <p:stCondLst>
+                        <p:cond delay="indefinite"/>
+                      </p:stCondLst>
+                      <p:childTnLst>
+                        <p:par>
+                          <p:cTn id="28" fill="hold">
+                            <p:stCondLst>
+                              <p:cond delay="0"/>
+                            </p:stCondLst>
+                            <p:childTnLst>
+                              <p:par>
+                                <p:cTn id="29" presetID="1" presetClass="entr" presetSubtype="0" fill="hold" nodeType="clickEffect">
+                                  <p:stCondLst>
+                                    <p:cond delay="0"/>
+                                  </p:stCondLst>
+                                  <p:childTnLst>
+                                    <p:set>
+                                      <p:cBhvr>
+                                        <p:cTn id="30" dur="1" fill="hold">
+                                          <p:stCondLst>
+                                            <p:cond delay="0"/>
+                                          </p:stCondLst>
+                                        </p:cTn>
+                                        <p:tgtEl>
+                                          <p:spTgt spid="55"/>
                                         </p:tgtEl>
                                         <p:attrNameLst>
                                           <p:attrName>style.visibility</p:attrName>
@@ -5183,6 +7068,14 @@
         </p:cTn>
       </p:par>
     </p:tnLst>
+    <p:bldLst>
+      <p:bldP spid="5" grpId="0"/>
+      <p:bldP spid="6" grpId="0"/>
+      <p:bldP spid="53" grpId="0"/>
+      <p:bldP spid="54" grpId="0"/>
+      <p:bldP spid="57" grpId="0"/>
+      <p:bldP spid="58" grpId="0"/>
+    </p:bldLst>
   </p:timing>
 </p:sld>
 </file>
@@ -5921,6 +7814,84 @@
   <p:clrMapOvr>
     <a:masterClrMapping/>
   </p:clrMapOvr>
+  <p:timing>
+    <p:tnLst>
+      <p:par>
+        <p:cTn id="1" dur="indefinite" restart="never" nodeType="tmRoot">
+          <p:childTnLst>
+            <p:seq concurrent="1" nextAc="seek">
+              <p:cTn id="2" dur="indefinite" nodeType="mainSeq">
+                <p:childTnLst>
+                  <p:par>
+                    <p:cTn id="3" fill="hold">
+                      <p:stCondLst>
+                        <p:cond delay="indefinite"/>
+                      </p:stCondLst>
+                      <p:childTnLst>
+                        <p:par>
+                          <p:cTn id="4" fill="hold">
+                            <p:stCondLst>
+                              <p:cond delay="0"/>
+                            </p:stCondLst>
+                            <p:childTnLst>
+                              <p:par>
+                                <p:cTn id="5" presetID="1" presetClass="entr" presetSubtype="0" fill="hold" grpId="0" nodeType="clickEffect">
+                                  <p:stCondLst>
+                                    <p:cond delay="0"/>
+                                  </p:stCondLst>
+                                  <p:childTnLst>
+                                    <p:set>
+                                      <p:cBhvr>
+                                        <p:cTn id="6" dur="1" fill="hold">
+                                          <p:stCondLst>
+                                            <p:cond delay="0"/>
+                                          </p:stCondLst>
+                                        </p:cTn>
+                                        <p:tgtEl>
+                                          <p:spTgt spid="13"/>
+                                        </p:tgtEl>
+                                        <p:attrNameLst>
+                                          <p:attrName>style.visibility</p:attrName>
+                                        </p:attrNameLst>
+                                      </p:cBhvr>
+                                      <p:to>
+                                        <p:strVal val="visible"/>
+                                      </p:to>
+                                    </p:set>
+                                  </p:childTnLst>
+                                </p:cTn>
+                              </p:par>
+                            </p:childTnLst>
+                          </p:cTn>
+                        </p:par>
+                      </p:childTnLst>
+                    </p:cTn>
+                  </p:par>
+                </p:childTnLst>
+              </p:cTn>
+              <p:prevCondLst>
+                <p:cond evt="onPrev" delay="0">
+                  <p:tgtEl>
+                    <p:sldTgt/>
+                  </p:tgtEl>
+                </p:cond>
+              </p:prevCondLst>
+              <p:nextCondLst>
+                <p:cond evt="onNext" delay="0">
+                  <p:tgtEl>
+                    <p:sldTgt/>
+                  </p:tgtEl>
+                </p:cond>
+              </p:nextCondLst>
+            </p:seq>
+          </p:childTnLst>
+        </p:cTn>
+      </p:par>
+    </p:tnLst>
+    <p:bldLst>
+      <p:bldP spid="13" grpId="0" animBg="1"/>
+    </p:bldLst>
+  </p:timing>
 </p:sld>
 </file>
 
@@ -6182,714 +8153,88 @@
   <p:clrMapOvr>
     <a:masterClrMapping/>
   </p:clrMapOvr>
+  <p:timing>
+    <p:tnLst>
+      <p:par>
+        <p:cTn id="1" dur="indefinite" restart="never" nodeType="tmRoot">
+          <p:childTnLst>
+            <p:seq concurrent="1" nextAc="seek">
+              <p:cTn id="2" dur="indefinite" nodeType="mainSeq">
+                <p:childTnLst>
+                  <p:par>
+                    <p:cTn id="3" fill="hold">
+                      <p:stCondLst>
+                        <p:cond delay="indefinite"/>
+                      </p:stCondLst>
+                      <p:childTnLst>
+                        <p:par>
+                          <p:cTn id="4" fill="hold">
+                            <p:stCondLst>
+                              <p:cond delay="0"/>
+                            </p:stCondLst>
+                            <p:childTnLst>
+                              <p:par>
+                                <p:cTn id="5" presetID="1" presetClass="entr" presetSubtype="0" fill="hold" grpId="0" nodeType="clickEffect">
+                                  <p:stCondLst>
+                                    <p:cond delay="0"/>
+                                  </p:stCondLst>
+                                  <p:childTnLst>
+                                    <p:set>
+                                      <p:cBhvr>
+                                        <p:cTn id="6" dur="1" fill="hold">
+                                          <p:stCondLst>
+                                            <p:cond delay="0"/>
+                                          </p:stCondLst>
+                                        </p:cTn>
+                                        <p:tgtEl>
+                                          <p:spTgt spid="4"/>
+                                        </p:tgtEl>
+                                        <p:attrNameLst>
+                                          <p:attrName>style.visibility</p:attrName>
+                                        </p:attrNameLst>
+                                      </p:cBhvr>
+                                      <p:to>
+                                        <p:strVal val="visible"/>
+                                      </p:to>
+                                    </p:set>
+                                  </p:childTnLst>
+                                </p:cTn>
+                              </p:par>
+                            </p:childTnLst>
+                          </p:cTn>
+                        </p:par>
+                      </p:childTnLst>
+                    </p:cTn>
+                  </p:par>
+                </p:childTnLst>
+              </p:cTn>
+              <p:prevCondLst>
+                <p:cond evt="onPrev" delay="0">
+                  <p:tgtEl>
+                    <p:sldTgt/>
+                  </p:tgtEl>
+                </p:cond>
+              </p:prevCondLst>
+              <p:nextCondLst>
+                <p:cond evt="onNext" delay="0">
+                  <p:tgtEl>
+                    <p:sldTgt/>
+                  </p:tgtEl>
+                </p:cond>
+              </p:nextCondLst>
+            </p:seq>
+          </p:childTnLst>
+        </p:cTn>
+      </p:par>
+    </p:tnLst>
+    <p:bldLst>
+      <p:bldP spid="4" grpId="0" animBg="1"/>
+    </p:bldLst>
+  </p:timing>
 </p:sld>
 </file>
 
 <file path=ppt/slides/slide6.xml><?xml version="1.0" encoding="utf-8"?>
-<p:sld xmlns:a="http://schemas.openxmlformats.org/drawingml/2006/main" xmlns:r="http://schemas.openxmlformats.org/officeDocument/2006/relationships" xmlns:p="http://schemas.openxmlformats.org/presentationml/2006/main">
-  <p:cSld>
-    <p:spTree>
-      <p:nvGrpSpPr>
-        <p:cNvPr id="1" name=""/>
-        <p:cNvGrpSpPr/>
-        <p:nvPr/>
-      </p:nvGrpSpPr>
-      <p:grpSpPr>
-        <a:xfrm>
-          <a:off x="0" y="0"/>
-          <a:ext cx="0" cy="0"/>
-          <a:chOff x="0" y="0"/>
-          <a:chExt cx="0" cy="0"/>
-        </a:xfrm>
-      </p:grpSpPr>
-      <p:sp>
-        <p:nvSpPr>
-          <p:cNvPr id="2" name="Title 1"/>
-          <p:cNvSpPr>
-            <a:spLocks noGrp="1"/>
-          </p:cNvSpPr>
-          <p:nvPr>
-            <p:ph type="title"/>
-          </p:nvPr>
-        </p:nvSpPr>
-        <p:spPr>
-          <a:xfrm>
-            <a:off x="475343" y="365125"/>
-            <a:ext cx="6750958" cy="1325563"/>
-          </a:xfrm>
-        </p:spPr>
-        <p:txBody>
-          <a:bodyPr/>
-          <a:lstStyle/>
-          <a:p>
-            <a:r>
-              <a:rPr lang="da-DK"/>
-              <a:t>Alt på computeren er relateret til binære tal</a:t>
-            </a:r>
-          </a:p>
-        </p:txBody>
-      </p:sp>
-      <p:pic>
-        <p:nvPicPr>
-          <p:cNvPr id="4" name="Content Placeholder 3"/>
-          <p:cNvPicPr>
-            <a:picLocks noGrp="1" noChangeAspect="1"/>
-          </p:cNvPicPr>
-          <p:nvPr>
-            <p:ph idx="1"/>
-          </p:nvPr>
-        </p:nvPicPr>
-        <p:blipFill>
-          <a:blip r:embed="rId3">
-            <a:extLst>
-              <a:ext uri="{28A0092B-C50C-407E-A947-70E740481C1C}">
-                <a14:useLocalDpi xmlns:a14="http://schemas.microsoft.com/office/drawing/2010/main" val="0"/>
-              </a:ext>
-            </a:extLst>
-          </a:blip>
-          <a:stretch>
-            <a:fillRect/>
-          </a:stretch>
-        </p:blipFill>
-        <p:spPr>
-          <a:xfrm>
-            <a:off x="7226301" y="15384"/>
-            <a:ext cx="4501242" cy="6842616"/>
-          </a:xfrm>
-        </p:spPr>
-      </p:pic>
-      <p:pic>
-        <p:nvPicPr>
-          <p:cNvPr id="7" name="Picture 6"/>
-          <p:cNvPicPr>
-            <a:picLocks noChangeAspect="1"/>
-          </p:cNvPicPr>
-          <p:nvPr/>
-        </p:nvPicPr>
-        <p:blipFill>
-          <a:blip r:embed="rId4">
-            <a:extLst>
-              <a:ext uri="{28A0092B-C50C-407E-A947-70E740481C1C}">
-                <a14:useLocalDpi xmlns:a14="http://schemas.microsoft.com/office/drawing/2010/main" val="0"/>
-              </a:ext>
-            </a:extLst>
-          </a:blip>
-          <a:stretch>
-            <a:fillRect/>
-          </a:stretch>
-        </p:blipFill>
-        <p:spPr>
-          <a:xfrm>
-            <a:off x="2156279" y="2220684"/>
-            <a:ext cx="1727200" cy="825500"/>
-          </a:xfrm>
-          <a:prstGeom prst="rect">
-            <a:avLst/>
-          </a:prstGeom>
-        </p:spPr>
-      </p:pic>
-      <p:pic>
-        <p:nvPicPr>
-          <p:cNvPr id="8" name="Picture 7"/>
-          <p:cNvPicPr>
-            <a:picLocks noChangeAspect="1"/>
-          </p:cNvPicPr>
-          <p:nvPr/>
-        </p:nvPicPr>
-        <p:blipFill>
-          <a:blip r:embed="rId5">
-            <a:extLst>
-              <a:ext uri="{28A0092B-C50C-407E-A947-70E740481C1C}">
-                <a14:useLocalDpi xmlns:a14="http://schemas.microsoft.com/office/drawing/2010/main" val="0"/>
-              </a:ext>
-            </a:extLst>
-          </a:blip>
-          <a:stretch>
-            <a:fillRect/>
-          </a:stretch>
-        </p:blipFill>
-        <p:spPr>
-          <a:xfrm>
-            <a:off x="1483179" y="3329439"/>
-            <a:ext cx="3073400" cy="2506352"/>
-          </a:xfrm>
-          <a:prstGeom prst="rect">
-            <a:avLst/>
-          </a:prstGeom>
-        </p:spPr>
-      </p:pic>
-      <p:sp>
-        <p:nvSpPr>
-          <p:cNvPr id="9" name="Left Brace 8">
-            <a:extLst>
-              <a:ext uri="{FF2B5EF4-FFF2-40B4-BE49-F238E27FC236}">
-                <a16:creationId xmlns:a16="http://schemas.microsoft.com/office/drawing/2014/main" id="{21A5D02B-35E6-F748-985D-C29A5722A5B6}"/>
-              </a:ext>
-            </a:extLst>
-          </p:cNvPr>
-          <p:cNvSpPr/>
-          <p:nvPr/>
-        </p:nvSpPr>
-        <p:spPr>
-          <a:xfrm>
-            <a:off x="6995886" y="365125"/>
-            <a:ext cx="230415" cy="1507218"/>
-          </a:xfrm>
-          <a:prstGeom prst="leftBrace">
-            <a:avLst/>
-          </a:prstGeom>
-        </p:spPr>
-        <p:style>
-          <a:lnRef idx="1">
-            <a:schemeClr val="accent1"/>
-          </a:lnRef>
-          <a:fillRef idx="0">
-            <a:schemeClr val="accent1"/>
-          </a:fillRef>
-          <a:effectRef idx="0">
-            <a:schemeClr val="accent1"/>
-          </a:effectRef>
-          <a:fontRef idx="minor">
-            <a:schemeClr val="tx1"/>
-          </a:fontRef>
-        </p:style>
-        <p:txBody>
-          <a:bodyPr rtlCol="0" anchor="ctr"/>
-          <a:lstStyle/>
-          <a:p>
-            <a:pPr algn="ctr"/>
-            <a:endParaRPr lang="da-DK"/>
-          </a:p>
-        </p:txBody>
-      </p:sp>
-      <p:sp>
-        <p:nvSpPr>
-          <p:cNvPr id="10" name="Left Brace 9">
-            <a:extLst>
-              <a:ext uri="{FF2B5EF4-FFF2-40B4-BE49-F238E27FC236}">
-                <a16:creationId xmlns:a16="http://schemas.microsoft.com/office/drawing/2014/main" id="{705163D7-045D-494B-9F26-B2D9C3B1CE78}"/>
-              </a:ext>
-            </a:extLst>
-          </p:cNvPr>
-          <p:cNvSpPr/>
-          <p:nvPr/>
-        </p:nvSpPr>
-        <p:spPr>
-          <a:xfrm>
-            <a:off x="6429829" y="365125"/>
-            <a:ext cx="208643" cy="3161846"/>
-          </a:xfrm>
-          <a:prstGeom prst="leftBrace">
-            <a:avLst/>
-          </a:prstGeom>
-        </p:spPr>
-        <p:style>
-          <a:lnRef idx="1">
-            <a:schemeClr val="accent1"/>
-          </a:lnRef>
-          <a:fillRef idx="0">
-            <a:schemeClr val="accent1"/>
-          </a:fillRef>
-          <a:effectRef idx="0">
-            <a:schemeClr val="accent1"/>
-          </a:effectRef>
-          <a:fontRef idx="minor">
-            <a:schemeClr val="tx1"/>
-          </a:fontRef>
-        </p:style>
-        <p:txBody>
-          <a:bodyPr rtlCol="0" anchor="ctr"/>
-          <a:lstStyle/>
-          <a:p>
-            <a:pPr algn="ctr"/>
-            <a:endParaRPr lang="da-DK"/>
-          </a:p>
-        </p:txBody>
-      </p:sp>
-      <p:sp>
-        <p:nvSpPr>
-          <p:cNvPr id="11" name="TextBox 10">
-            <a:extLst>
-              <a:ext uri="{FF2B5EF4-FFF2-40B4-BE49-F238E27FC236}">
-                <a16:creationId xmlns:a16="http://schemas.microsoft.com/office/drawing/2014/main" id="{FB1851E2-A11F-4249-87A2-16D48458F6F8}"/>
-              </a:ext>
-            </a:extLst>
-          </p:cNvPr>
-          <p:cNvSpPr txBox="1"/>
-          <p:nvPr/>
-        </p:nvSpPr>
-        <p:spPr>
-          <a:xfrm rot="16200000">
-            <a:off x="6101859" y="934068"/>
-            <a:ext cx="1418722" cy="369332"/>
-          </a:xfrm>
-          <a:prstGeom prst="rect">
-            <a:avLst/>
-          </a:prstGeom>
-          <a:noFill/>
-        </p:spPr>
-        <p:txBody>
-          <a:bodyPr wrap="none" rtlCol="0">
-            <a:spAutoFit/>
-          </a:bodyPr>
-          <a:lstStyle/>
-          <a:p>
-            <a:r>
-              <a:rPr lang="da-DK"/>
-              <a:t>Et oktal ciffer</a:t>
-            </a:r>
-          </a:p>
-        </p:txBody>
-      </p:sp>
-      <p:sp>
-        <p:nvSpPr>
-          <p:cNvPr id="12" name="TextBox 11">
-            <a:extLst>
-              <a:ext uri="{FF2B5EF4-FFF2-40B4-BE49-F238E27FC236}">
-                <a16:creationId xmlns:a16="http://schemas.microsoft.com/office/drawing/2014/main" id="{1FA7BFBA-8782-3448-900F-12B520F992CE}"/>
-              </a:ext>
-            </a:extLst>
-          </p:cNvPr>
-          <p:cNvSpPr txBox="1"/>
-          <p:nvPr/>
-        </p:nvSpPr>
-        <p:spPr>
-          <a:xfrm rot="16200000">
-            <a:off x="5437062" y="1761382"/>
-            <a:ext cx="1548822" cy="369332"/>
-          </a:xfrm>
-          <a:prstGeom prst="rect">
-            <a:avLst/>
-          </a:prstGeom>
-          <a:noFill/>
-        </p:spPr>
-        <p:txBody>
-          <a:bodyPr wrap="none" rtlCol="0">
-            <a:spAutoFit/>
-          </a:bodyPr>
-          <a:lstStyle/>
-          <a:p>
-            <a:r>
-              <a:rPr lang="da-DK"/>
-              <a:t>Et heksal ciffer</a:t>
-            </a:r>
-          </a:p>
-        </p:txBody>
-      </p:sp>
-      <p:sp>
-        <p:nvSpPr>
-          <p:cNvPr id="3" name="TextBox 2">
-            <a:extLst>
-              <a:ext uri="{FF2B5EF4-FFF2-40B4-BE49-F238E27FC236}">
-                <a16:creationId xmlns:a16="http://schemas.microsoft.com/office/drawing/2014/main" id="{C2640864-6406-2A4F-90F1-EC77EACBD97C}"/>
-              </a:ext>
-            </a:extLst>
-          </p:cNvPr>
-          <p:cNvSpPr txBox="1"/>
-          <p:nvPr/>
-        </p:nvSpPr>
-        <p:spPr>
-          <a:xfrm>
-            <a:off x="1021439" y="5988417"/>
-            <a:ext cx="4990853" cy="584775"/>
-          </a:xfrm>
-          <a:prstGeom prst="rect">
-            <a:avLst/>
-          </a:prstGeom>
-          <a:noFill/>
-          <a:ln w="63500">
-            <a:solidFill>
-              <a:schemeClr val="accent1"/>
-            </a:solidFill>
-          </a:ln>
-        </p:spPr>
-        <p:txBody>
-          <a:bodyPr wrap="none" rtlCol="0">
-            <a:spAutoFit/>
-          </a:bodyPr>
-          <a:lstStyle/>
-          <a:p>
-            <a:r>
-              <a:rPr lang="en-GB" sz="3200" dirty="0"/>
-              <a:t>https://</a:t>
-            </a:r>
-            <a:r>
-              <a:rPr lang="en-GB" sz="3200" dirty="0" err="1"/>
-              <a:t>tinyurl.com</a:t>
-            </a:r>
-            <a:r>
-              <a:rPr lang="en-GB" sz="3200" dirty="0"/>
-              <a:t>/ycpxcto5</a:t>
-            </a:r>
-          </a:p>
-        </p:txBody>
-      </p:sp>
-    </p:spTree>
-    <p:extLst>
-      <p:ext uri="{BB962C8B-B14F-4D97-AF65-F5344CB8AC3E}">
-        <p14:creationId xmlns:p14="http://schemas.microsoft.com/office/powerpoint/2010/main" val="3630751489"/>
-      </p:ext>
-    </p:extLst>
-  </p:cSld>
-  <p:clrMapOvr>
-    <a:masterClrMapping/>
-  </p:clrMapOvr>
-</p:sld>
-</file>
-
-<file path=ppt/slides/slide7.xml><?xml version="1.0" encoding="utf-8"?>
-<p:sld xmlns:a="http://schemas.openxmlformats.org/drawingml/2006/main" xmlns:r="http://schemas.openxmlformats.org/officeDocument/2006/relationships" xmlns:p="http://schemas.openxmlformats.org/presentationml/2006/main" show="0">
-  <p:cSld>
-    <p:spTree>
-      <p:nvGrpSpPr>
-        <p:cNvPr id="1" name=""/>
-        <p:cNvGrpSpPr/>
-        <p:nvPr/>
-      </p:nvGrpSpPr>
-      <p:grpSpPr>
-        <a:xfrm>
-          <a:off x="0" y="0"/>
-          <a:ext cx="0" cy="0"/>
-          <a:chOff x="0" y="0"/>
-          <a:chExt cx="0" cy="0"/>
-        </a:xfrm>
-      </p:grpSpPr>
-      <p:sp>
-        <p:nvSpPr>
-          <p:cNvPr id="2" name="Title 1"/>
-          <p:cNvSpPr>
-            <a:spLocks noGrp="1"/>
-          </p:cNvSpPr>
-          <p:nvPr>
-            <p:ph type="title"/>
-          </p:nvPr>
-        </p:nvSpPr>
-        <p:spPr>
-          <a:xfrm>
-            <a:off x="475343" y="365125"/>
-            <a:ext cx="6750958" cy="1325563"/>
-          </a:xfrm>
-        </p:spPr>
-        <p:txBody>
-          <a:bodyPr/>
-          <a:lstStyle/>
-          <a:p>
-            <a:r>
-              <a:rPr lang="da-DK"/>
-              <a:t>Alt på computeren er relateret til binære tal</a:t>
-            </a:r>
-          </a:p>
-        </p:txBody>
-      </p:sp>
-      <p:pic>
-        <p:nvPicPr>
-          <p:cNvPr id="4" name="Content Placeholder 3"/>
-          <p:cNvPicPr>
-            <a:picLocks noGrp="1" noChangeAspect="1"/>
-          </p:cNvPicPr>
-          <p:nvPr>
-            <p:ph idx="1"/>
-          </p:nvPr>
-        </p:nvPicPr>
-        <p:blipFill>
-          <a:blip r:embed="rId3">
-            <a:extLst>
-              <a:ext uri="{28A0092B-C50C-407E-A947-70E740481C1C}">
-                <a14:useLocalDpi xmlns:a14="http://schemas.microsoft.com/office/drawing/2010/main" val="0"/>
-              </a:ext>
-            </a:extLst>
-          </a:blip>
-          <a:stretch>
-            <a:fillRect/>
-          </a:stretch>
-        </p:blipFill>
-        <p:spPr>
-          <a:xfrm>
-            <a:off x="7226301" y="15384"/>
-            <a:ext cx="4501242" cy="6842616"/>
-          </a:xfrm>
-        </p:spPr>
-      </p:pic>
-      <p:pic>
-        <p:nvPicPr>
-          <p:cNvPr id="7" name="Picture 6"/>
-          <p:cNvPicPr>
-            <a:picLocks noChangeAspect="1"/>
-          </p:cNvPicPr>
-          <p:nvPr/>
-        </p:nvPicPr>
-        <p:blipFill>
-          <a:blip r:embed="rId4">
-            <a:extLst>
-              <a:ext uri="{28A0092B-C50C-407E-A947-70E740481C1C}">
-                <a14:useLocalDpi xmlns:a14="http://schemas.microsoft.com/office/drawing/2010/main" val="0"/>
-              </a:ext>
-            </a:extLst>
-          </a:blip>
-          <a:stretch>
-            <a:fillRect/>
-          </a:stretch>
-        </p:blipFill>
-        <p:spPr>
-          <a:xfrm>
-            <a:off x="2156279" y="2220684"/>
-            <a:ext cx="1727200" cy="825500"/>
-          </a:xfrm>
-          <a:prstGeom prst="rect">
-            <a:avLst/>
-          </a:prstGeom>
-        </p:spPr>
-      </p:pic>
-      <p:pic>
-        <p:nvPicPr>
-          <p:cNvPr id="8" name="Picture 7"/>
-          <p:cNvPicPr>
-            <a:picLocks noChangeAspect="1"/>
-          </p:cNvPicPr>
-          <p:nvPr/>
-        </p:nvPicPr>
-        <p:blipFill>
-          <a:blip r:embed="rId5">
-            <a:extLst>
-              <a:ext uri="{28A0092B-C50C-407E-A947-70E740481C1C}">
-                <a14:useLocalDpi xmlns:a14="http://schemas.microsoft.com/office/drawing/2010/main" val="0"/>
-              </a:ext>
-            </a:extLst>
-          </a:blip>
-          <a:stretch>
-            <a:fillRect/>
-          </a:stretch>
-        </p:blipFill>
-        <p:spPr>
-          <a:xfrm>
-            <a:off x="1483179" y="3329439"/>
-            <a:ext cx="3073400" cy="2506352"/>
-          </a:xfrm>
-          <a:prstGeom prst="rect">
-            <a:avLst/>
-          </a:prstGeom>
-        </p:spPr>
-      </p:pic>
-      <p:sp>
-        <p:nvSpPr>
-          <p:cNvPr id="9" name="Left Brace 8">
-            <a:extLst>
-              <a:ext uri="{FF2B5EF4-FFF2-40B4-BE49-F238E27FC236}">
-                <a16:creationId xmlns:a16="http://schemas.microsoft.com/office/drawing/2014/main" id="{21A5D02B-35E6-F748-985D-C29A5722A5B6}"/>
-              </a:ext>
-            </a:extLst>
-          </p:cNvPr>
-          <p:cNvSpPr/>
-          <p:nvPr/>
-        </p:nvSpPr>
-        <p:spPr>
-          <a:xfrm>
-            <a:off x="6995886" y="365125"/>
-            <a:ext cx="230415" cy="1507218"/>
-          </a:xfrm>
-          <a:prstGeom prst="leftBrace">
-            <a:avLst/>
-          </a:prstGeom>
-        </p:spPr>
-        <p:style>
-          <a:lnRef idx="1">
-            <a:schemeClr val="accent1"/>
-          </a:lnRef>
-          <a:fillRef idx="0">
-            <a:schemeClr val="accent1"/>
-          </a:fillRef>
-          <a:effectRef idx="0">
-            <a:schemeClr val="accent1"/>
-          </a:effectRef>
-          <a:fontRef idx="minor">
-            <a:schemeClr val="tx1"/>
-          </a:fontRef>
-        </p:style>
-        <p:txBody>
-          <a:bodyPr rtlCol="0" anchor="ctr"/>
-          <a:lstStyle/>
-          <a:p>
-            <a:pPr algn="ctr"/>
-            <a:endParaRPr lang="da-DK"/>
-          </a:p>
-        </p:txBody>
-      </p:sp>
-      <p:sp>
-        <p:nvSpPr>
-          <p:cNvPr id="10" name="Left Brace 9">
-            <a:extLst>
-              <a:ext uri="{FF2B5EF4-FFF2-40B4-BE49-F238E27FC236}">
-                <a16:creationId xmlns:a16="http://schemas.microsoft.com/office/drawing/2014/main" id="{705163D7-045D-494B-9F26-B2D9C3B1CE78}"/>
-              </a:ext>
-            </a:extLst>
-          </p:cNvPr>
-          <p:cNvSpPr/>
-          <p:nvPr/>
-        </p:nvSpPr>
-        <p:spPr>
-          <a:xfrm>
-            <a:off x="6429829" y="365125"/>
-            <a:ext cx="208643" cy="3161846"/>
-          </a:xfrm>
-          <a:prstGeom prst="leftBrace">
-            <a:avLst/>
-          </a:prstGeom>
-        </p:spPr>
-        <p:style>
-          <a:lnRef idx="1">
-            <a:schemeClr val="accent1"/>
-          </a:lnRef>
-          <a:fillRef idx="0">
-            <a:schemeClr val="accent1"/>
-          </a:fillRef>
-          <a:effectRef idx="0">
-            <a:schemeClr val="accent1"/>
-          </a:effectRef>
-          <a:fontRef idx="minor">
-            <a:schemeClr val="tx1"/>
-          </a:fontRef>
-        </p:style>
-        <p:txBody>
-          <a:bodyPr rtlCol="0" anchor="ctr"/>
-          <a:lstStyle/>
-          <a:p>
-            <a:pPr algn="ctr"/>
-            <a:endParaRPr lang="da-DK"/>
-          </a:p>
-        </p:txBody>
-      </p:sp>
-      <p:sp>
-        <p:nvSpPr>
-          <p:cNvPr id="11" name="TextBox 10">
-            <a:extLst>
-              <a:ext uri="{FF2B5EF4-FFF2-40B4-BE49-F238E27FC236}">
-                <a16:creationId xmlns:a16="http://schemas.microsoft.com/office/drawing/2014/main" id="{FB1851E2-A11F-4249-87A2-16D48458F6F8}"/>
-              </a:ext>
-            </a:extLst>
-          </p:cNvPr>
-          <p:cNvSpPr txBox="1"/>
-          <p:nvPr/>
-        </p:nvSpPr>
-        <p:spPr>
-          <a:xfrm rot="16200000">
-            <a:off x="6101859" y="934068"/>
-            <a:ext cx="1418722" cy="369332"/>
-          </a:xfrm>
-          <a:prstGeom prst="rect">
-            <a:avLst/>
-          </a:prstGeom>
-          <a:noFill/>
-        </p:spPr>
-        <p:txBody>
-          <a:bodyPr wrap="none" rtlCol="0">
-            <a:spAutoFit/>
-          </a:bodyPr>
-          <a:lstStyle/>
-          <a:p>
-            <a:r>
-              <a:rPr lang="da-DK"/>
-              <a:t>Et oktal ciffer</a:t>
-            </a:r>
-          </a:p>
-        </p:txBody>
-      </p:sp>
-      <p:sp>
-        <p:nvSpPr>
-          <p:cNvPr id="12" name="TextBox 11">
-            <a:extLst>
-              <a:ext uri="{FF2B5EF4-FFF2-40B4-BE49-F238E27FC236}">
-                <a16:creationId xmlns:a16="http://schemas.microsoft.com/office/drawing/2014/main" id="{1FA7BFBA-8782-3448-900F-12B520F992CE}"/>
-              </a:ext>
-            </a:extLst>
-          </p:cNvPr>
-          <p:cNvSpPr txBox="1"/>
-          <p:nvPr/>
-        </p:nvSpPr>
-        <p:spPr>
-          <a:xfrm rot="16200000">
-            <a:off x="5437062" y="1761382"/>
-            <a:ext cx="1548822" cy="369332"/>
-          </a:xfrm>
-          <a:prstGeom prst="rect">
-            <a:avLst/>
-          </a:prstGeom>
-          <a:noFill/>
-        </p:spPr>
-        <p:txBody>
-          <a:bodyPr wrap="none" rtlCol="0">
-            <a:spAutoFit/>
-          </a:bodyPr>
-          <a:lstStyle/>
-          <a:p>
-            <a:r>
-              <a:rPr lang="da-DK"/>
-              <a:t>Et heksal ciffer</a:t>
-            </a:r>
-          </a:p>
-        </p:txBody>
-      </p:sp>
-      <p:sp>
-        <p:nvSpPr>
-          <p:cNvPr id="3" name="TextBox 2">
-            <a:extLst>
-              <a:ext uri="{FF2B5EF4-FFF2-40B4-BE49-F238E27FC236}">
-                <a16:creationId xmlns:a16="http://schemas.microsoft.com/office/drawing/2014/main" id="{C2640864-6406-2A4F-90F1-EC77EACBD97C}"/>
-              </a:ext>
-            </a:extLst>
-          </p:cNvPr>
-          <p:cNvSpPr txBox="1"/>
-          <p:nvPr/>
-        </p:nvSpPr>
-        <p:spPr>
-          <a:xfrm>
-            <a:off x="1021439" y="5988417"/>
-            <a:ext cx="5113708" cy="584775"/>
-          </a:xfrm>
-          <a:prstGeom prst="rect">
-            <a:avLst/>
-          </a:prstGeom>
-          <a:noFill/>
-          <a:ln w="63500">
-            <a:solidFill>
-              <a:schemeClr val="accent1"/>
-            </a:solidFill>
-          </a:ln>
-        </p:spPr>
-        <p:txBody>
-          <a:bodyPr wrap="none" rtlCol="0">
-            <a:spAutoFit/>
-          </a:bodyPr>
-          <a:lstStyle/>
-          <a:p>
-            <a:r>
-              <a:rPr lang="en-GB" sz="3200" dirty="0"/>
-              <a:t>https://</a:t>
-            </a:r>
-            <a:r>
-              <a:rPr lang="en-GB" sz="3200" dirty="0" err="1"/>
-              <a:t>tinyurl.com</a:t>
-            </a:r>
-            <a:r>
-              <a:rPr lang="en-GB" sz="3200" dirty="0"/>
-              <a:t>/y7s5979a</a:t>
-            </a:r>
-          </a:p>
-        </p:txBody>
-      </p:sp>
-    </p:spTree>
-    <p:extLst>
-      <p:ext uri="{BB962C8B-B14F-4D97-AF65-F5344CB8AC3E}">
-        <p14:creationId xmlns:p14="http://schemas.microsoft.com/office/powerpoint/2010/main" val="2748222564"/>
-      </p:ext>
-    </p:extLst>
-  </p:cSld>
-  <p:clrMapOvr>
-    <a:masterClrMapping/>
-  </p:clrMapOvr>
-</p:sld>
-</file>
-
-<file path=ppt/slides/slide8.xml><?xml version="1.0" encoding="utf-8"?>
 <p:sld xmlns:a="http://schemas.openxmlformats.org/drawingml/2006/main" xmlns:r="http://schemas.openxmlformats.org/officeDocument/2006/relationships" xmlns:p="http://schemas.openxmlformats.org/presentationml/2006/main">
   <p:cSld>
     <p:spTree>
@@ -7330,10 +8675,112 @@
   <p:clrMapOvr>
     <a:masterClrMapping/>
   </p:clrMapOvr>
+  <p:timing>
+    <p:tnLst>
+      <p:par>
+        <p:cTn id="1" dur="indefinite" restart="never" nodeType="tmRoot">
+          <p:childTnLst>
+            <p:seq concurrent="1" nextAc="seek">
+              <p:cTn id="2" dur="indefinite" nodeType="mainSeq">
+                <p:childTnLst>
+                  <p:par>
+                    <p:cTn id="3" fill="hold">
+                      <p:stCondLst>
+                        <p:cond delay="indefinite"/>
+                      </p:stCondLst>
+                      <p:childTnLst>
+                        <p:par>
+                          <p:cTn id="4" fill="hold">
+                            <p:stCondLst>
+                              <p:cond delay="0"/>
+                            </p:stCondLst>
+                            <p:childTnLst>
+                              <p:par>
+                                <p:cTn id="5" presetID="1" presetClass="entr" presetSubtype="0" fill="hold" nodeType="clickEffect">
+                                  <p:stCondLst>
+                                    <p:cond delay="0"/>
+                                  </p:stCondLst>
+                                  <p:childTnLst>
+                                    <p:set>
+                                      <p:cBhvr>
+                                        <p:cTn id="6" dur="1" fill="hold">
+                                          <p:stCondLst>
+                                            <p:cond delay="0"/>
+                                          </p:stCondLst>
+                                        </p:cTn>
+                                        <p:tgtEl>
+                                          <p:spTgt spid="9"/>
+                                        </p:tgtEl>
+                                        <p:attrNameLst>
+                                          <p:attrName>style.visibility</p:attrName>
+                                        </p:attrNameLst>
+                                      </p:cBhvr>
+                                      <p:to>
+                                        <p:strVal val="visible"/>
+                                      </p:to>
+                                    </p:set>
+                                  </p:childTnLst>
+                                </p:cTn>
+                              </p:par>
+                              <p:par>
+                                <p:cTn id="7" presetID="1" presetClass="entr" presetSubtype="0" fill="hold" nodeType="withEffect">
+                                  <p:stCondLst>
+                                    <p:cond delay="0"/>
+                                  </p:stCondLst>
+                                  <p:childTnLst>
+                                    <p:set>
+                                      <p:cBhvr>
+                                        <p:cTn id="8" dur="1" fill="hold">
+                                          <p:stCondLst>
+                                            <p:cond delay="0"/>
+                                          </p:stCondLst>
+                                        </p:cTn>
+                                        <p:tgtEl>
+                                          <p:spTgt spid="10"/>
+                                        </p:tgtEl>
+                                        <p:attrNameLst>
+                                          <p:attrName>style.visibility</p:attrName>
+                                        </p:attrNameLst>
+                                      </p:cBhvr>
+                                      <p:to>
+                                        <p:strVal val="visible"/>
+                                      </p:to>
+                                    </p:set>
+                                  </p:childTnLst>
+                                </p:cTn>
+                              </p:par>
+                            </p:childTnLst>
+                          </p:cTn>
+                        </p:par>
+                      </p:childTnLst>
+                    </p:cTn>
+                  </p:par>
+                </p:childTnLst>
+              </p:cTn>
+              <p:prevCondLst>
+                <p:cond evt="onPrev" delay="0">
+                  <p:tgtEl>
+                    <p:sldTgt/>
+                  </p:tgtEl>
+                </p:cond>
+              </p:prevCondLst>
+              <p:nextCondLst>
+                <p:cond evt="onNext" delay="0">
+                  <p:tgtEl>
+                    <p:sldTgt/>
+                  </p:tgtEl>
+                </p:cond>
+              </p:nextCondLst>
+            </p:seq>
+          </p:childTnLst>
+        </p:cTn>
+      </p:par>
+    </p:tnLst>
+  </p:timing>
 </p:sld>
 </file>
 
-<file path=ppt/slides/slide9.xml><?xml version="1.0" encoding="utf-8"?>
+<file path=ppt/slides/slide7.xml><?xml version="1.0" encoding="utf-8"?>
 <p:sld xmlns:a="http://schemas.openxmlformats.org/drawingml/2006/main" xmlns:r="http://schemas.openxmlformats.org/officeDocument/2006/relationships" xmlns:p="http://schemas.openxmlformats.org/presentationml/2006/main">
   <p:cSld>
     <p:spTree>
@@ -7491,6 +8938,625 @@
     <p:extLst>
       <p:ext uri="{BB962C8B-B14F-4D97-AF65-F5344CB8AC3E}">
         <p14:creationId xmlns:p14="http://schemas.microsoft.com/office/powerpoint/2010/main" val="2311511105"/>
+      </p:ext>
+    </p:extLst>
+  </p:cSld>
+  <p:clrMapOvr>
+    <a:masterClrMapping/>
+  </p:clrMapOvr>
+</p:sld>
+</file>
+
+<file path=ppt/slides/slide8.xml><?xml version="1.0" encoding="utf-8"?>
+<p:sld xmlns:a="http://schemas.openxmlformats.org/drawingml/2006/main" xmlns:r="http://schemas.openxmlformats.org/officeDocument/2006/relationships" xmlns:p="http://schemas.openxmlformats.org/presentationml/2006/main">
+  <p:cSld>
+    <p:spTree>
+      <p:nvGrpSpPr>
+        <p:cNvPr id="1" name=""/>
+        <p:cNvGrpSpPr/>
+        <p:nvPr/>
+      </p:nvGrpSpPr>
+      <p:grpSpPr>
+        <a:xfrm>
+          <a:off x="0" y="0"/>
+          <a:ext cx="0" cy="0"/>
+          <a:chOff x="0" y="0"/>
+          <a:chExt cx="0" cy="0"/>
+        </a:xfrm>
+      </p:grpSpPr>
+      <p:sp>
+        <p:nvSpPr>
+          <p:cNvPr id="2" name="Title 1">
+            <a:extLst>
+              <a:ext uri="{FF2B5EF4-FFF2-40B4-BE49-F238E27FC236}">
+                <a16:creationId xmlns:a16="http://schemas.microsoft.com/office/drawing/2014/main" id="{7D951FD5-6FCD-E042-A892-142E147469EA}"/>
+              </a:ext>
+            </a:extLst>
+          </p:cNvPr>
+          <p:cNvSpPr>
+            <a:spLocks noGrp="1"/>
+          </p:cNvSpPr>
+          <p:nvPr>
+            <p:ph type="title"/>
+          </p:nvPr>
+        </p:nvSpPr>
+        <p:spPr/>
+        <p:txBody>
+          <a:bodyPr/>
+          <a:lstStyle/>
+          <a:p>
+            <a:r>
+              <a:rPr lang="en-GB" dirty="0" err="1"/>
+              <a:t>Operatorer</a:t>
+            </a:r>
+            <a:r>
+              <a:rPr lang="en-GB" dirty="0"/>
+              <a:t> </a:t>
+            </a:r>
+            <a:r>
+              <a:rPr lang="en-GB" dirty="0" err="1"/>
+              <a:t>og</a:t>
+            </a:r>
+            <a:r>
+              <a:rPr lang="en-GB" dirty="0"/>
+              <a:t> </a:t>
+            </a:r>
+            <a:r>
+              <a:rPr lang="en-GB" dirty="0" err="1"/>
+              <a:t>præcedens</a:t>
+            </a:r>
+            <a:endParaRPr lang="en-GB" dirty="0"/>
+          </a:p>
+        </p:txBody>
+      </p:sp>
+      <p:sp>
+        <p:nvSpPr>
+          <p:cNvPr id="3" name="Content Placeholder 2">
+            <a:extLst>
+              <a:ext uri="{FF2B5EF4-FFF2-40B4-BE49-F238E27FC236}">
+                <a16:creationId xmlns:a16="http://schemas.microsoft.com/office/drawing/2014/main" id="{01F1339C-CD04-ED4E-A829-7F36C1E0AB5C}"/>
+              </a:ext>
+            </a:extLst>
+          </p:cNvPr>
+          <p:cNvSpPr>
+            <a:spLocks noGrp="1"/>
+          </p:cNvSpPr>
+          <p:nvPr>
+            <p:ph idx="1"/>
+          </p:nvPr>
+        </p:nvSpPr>
+        <p:spPr>
+          <a:xfrm>
+            <a:off x="838200" y="2448341"/>
+            <a:ext cx="2686001" cy="3373392"/>
+          </a:xfrm>
+        </p:spPr>
+        <p:txBody>
+          <a:bodyPr>
+            <a:normAutofit/>
+          </a:bodyPr>
+          <a:lstStyle/>
+          <a:p>
+            <a:pPr marL="0" indent="0">
+              <a:lnSpc>
+                <a:spcPct val="100000"/>
+              </a:lnSpc>
+              <a:buNone/>
+            </a:pPr>
+            <a:r>
+              <a:rPr lang="en-GB" sz="1400" dirty="0">
+                <a:latin typeface="DejaVu Sans Book" panose="020B0603030804020204" pitchFamily="34" charset="0"/>
+                <a:ea typeface="DejaVu Sans Book" panose="020B0603030804020204" pitchFamily="34" charset="0"/>
+                <a:cs typeface="DejaVu Sans Book" panose="020B0603030804020204" pitchFamily="34" charset="0"/>
+              </a:rPr>
+              <a:t>3 + 4</a:t>
+            </a:r>
+          </a:p>
+          <a:p>
+            <a:pPr marL="0" indent="0">
+              <a:lnSpc>
+                <a:spcPct val="100000"/>
+              </a:lnSpc>
+              <a:buNone/>
+            </a:pPr>
+            <a:r>
+              <a:rPr lang="en-GB" sz="1400" dirty="0">
+                <a:latin typeface="DejaVu Sans Book" panose="020B0603030804020204" pitchFamily="34" charset="0"/>
+                <a:ea typeface="DejaVu Sans Book" panose="020B0603030804020204" pitchFamily="34" charset="0"/>
+                <a:cs typeface="DejaVu Sans Book" panose="020B0603030804020204" pitchFamily="34" charset="0"/>
+              </a:rPr>
+              <a:t>3.0 + 4.0</a:t>
+            </a:r>
+          </a:p>
+          <a:p>
+            <a:pPr marL="0" indent="0">
+              <a:lnSpc>
+                <a:spcPct val="100000"/>
+              </a:lnSpc>
+              <a:buNone/>
+            </a:pPr>
+            <a:r>
+              <a:rPr lang="en-GB" sz="1400" u="sng" dirty="0">
+                <a:latin typeface="DejaVu Sans Book" panose="020B0603030804020204" pitchFamily="34" charset="0"/>
+                <a:ea typeface="DejaVu Sans Book" panose="020B0603030804020204" pitchFamily="34" charset="0"/>
+                <a:cs typeface="DejaVu Sans Book" panose="020B0603030804020204" pitchFamily="34" charset="0"/>
+              </a:rPr>
+              <a:t>3 + 4.0</a:t>
+            </a:r>
+          </a:p>
+          <a:p>
+            <a:pPr marL="0" indent="0">
+              <a:lnSpc>
+                <a:spcPct val="100000"/>
+              </a:lnSpc>
+              <a:buNone/>
+            </a:pPr>
+            <a:r>
+              <a:rPr lang="en-GB" sz="1400" dirty="0">
+                <a:latin typeface="DejaVu Sans Book" panose="020B0603030804020204" pitchFamily="34" charset="0"/>
+                <a:ea typeface="DejaVu Sans Book" panose="020B0603030804020204" pitchFamily="34" charset="0"/>
+                <a:cs typeface="DejaVu Sans Book" panose="020B0603030804020204" pitchFamily="34" charset="0"/>
+              </a:rPr>
+              <a:t>5 / 2</a:t>
+            </a:r>
+          </a:p>
+          <a:p>
+            <a:pPr marL="0" indent="0">
+              <a:lnSpc>
+                <a:spcPct val="100000"/>
+              </a:lnSpc>
+              <a:buNone/>
+            </a:pPr>
+            <a:r>
+              <a:rPr lang="en-GB" sz="1400" dirty="0">
+                <a:latin typeface="DejaVu Sans Book" panose="020B0603030804020204" pitchFamily="34" charset="0"/>
+                <a:ea typeface="DejaVu Sans Book" panose="020B0603030804020204" pitchFamily="34" charset="0"/>
+                <a:cs typeface="DejaVu Sans Book" panose="020B0603030804020204" pitchFamily="34" charset="0"/>
+              </a:rPr>
+              <a:t>5 % 2</a:t>
+            </a:r>
+          </a:p>
+          <a:p>
+            <a:pPr marL="0" indent="0">
+              <a:lnSpc>
+                <a:spcPct val="100000"/>
+              </a:lnSpc>
+              <a:buNone/>
+            </a:pPr>
+            <a:r>
+              <a:rPr lang="en-GB" sz="1400" dirty="0">
+                <a:latin typeface="DejaVu Sans Book" panose="020B0603030804020204" pitchFamily="34" charset="0"/>
+                <a:ea typeface="DejaVu Sans Book" panose="020B0603030804020204" pitchFamily="34" charset="0"/>
+                <a:cs typeface="DejaVu Sans Book" panose="020B0603030804020204" pitchFamily="34" charset="0"/>
+              </a:rPr>
+              <a:t>2 * (5 / 2) + 5 % 2</a:t>
+            </a:r>
+          </a:p>
+          <a:p>
+            <a:pPr marL="0" indent="0">
+              <a:lnSpc>
+                <a:spcPct val="100000"/>
+              </a:lnSpc>
+              <a:buNone/>
+            </a:pPr>
+            <a:r>
+              <a:rPr lang="en-GB" sz="1400" dirty="0">
+                <a:latin typeface="DejaVu Sans Book" panose="020B0603030804020204" pitchFamily="34" charset="0"/>
+                <a:ea typeface="DejaVu Sans Book" panose="020B0603030804020204" pitchFamily="34" charset="0"/>
+                <a:cs typeface="DejaVu Sans Book" panose="020B0603030804020204" pitchFamily="34" charset="0"/>
+              </a:rPr>
+              <a:t>2.0 ** 3.0</a:t>
+            </a:r>
+          </a:p>
+          <a:p>
+            <a:pPr marL="0" indent="0">
+              <a:lnSpc>
+                <a:spcPct val="100000"/>
+              </a:lnSpc>
+              <a:buNone/>
+            </a:pPr>
+            <a:r>
+              <a:rPr lang="en-GB" sz="1400" dirty="0" err="1">
+                <a:latin typeface="DejaVu Sans Book" panose="020B0603030804020204" pitchFamily="34" charset="0"/>
+                <a:ea typeface="DejaVu Sans Book" panose="020B0603030804020204" pitchFamily="34" charset="0"/>
+                <a:cs typeface="DejaVu Sans Book" panose="020B0603030804020204" pitchFamily="34" charset="0"/>
+              </a:rPr>
+              <a:t>pown</a:t>
+            </a:r>
+            <a:r>
+              <a:rPr lang="en-GB" sz="1400" dirty="0">
+                <a:latin typeface="DejaVu Sans Book" panose="020B0603030804020204" pitchFamily="34" charset="0"/>
+                <a:ea typeface="DejaVu Sans Book" panose="020B0603030804020204" pitchFamily="34" charset="0"/>
+                <a:cs typeface="DejaVu Sans Book" panose="020B0603030804020204" pitchFamily="34" charset="0"/>
+              </a:rPr>
+              <a:t> 2 3</a:t>
+            </a:r>
+          </a:p>
+          <a:p>
+            <a:pPr marL="0" indent="0">
+              <a:lnSpc>
+                <a:spcPct val="100000"/>
+              </a:lnSpc>
+              <a:buNone/>
+            </a:pPr>
+            <a:r>
+              <a:rPr lang="en-GB" sz="1400" dirty="0">
+                <a:latin typeface="DejaVu Sans Book" panose="020B0603030804020204" pitchFamily="34" charset="0"/>
+                <a:ea typeface="DejaVu Sans Book" panose="020B0603030804020204" pitchFamily="34" charset="0"/>
+                <a:cs typeface="DejaVu Sans Book" panose="020B0603030804020204" pitchFamily="34" charset="0"/>
+              </a:rPr>
+              <a:t>"</a:t>
+            </a:r>
+            <a:r>
+              <a:rPr lang="en-GB" sz="1400" dirty="0" err="1">
+                <a:latin typeface="DejaVu Sans Book" panose="020B0603030804020204" pitchFamily="34" charset="0"/>
+                <a:ea typeface="DejaVu Sans Book" panose="020B0603030804020204" pitchFamily="34" charset="0"/>
+                <a:cs typeface="DejaVu Sans Book" panose="020B0603030804020204" pitchFamily="34" charset="0"/>
+              </a:rPr>
+              <a:t>hej</a:t>
+            </a:r>
+            <a:r>
+              <a:rPr lang="en-GB" sz="1400" dirty="0">
+                <a:latin typeface="DejaVu Sans Book" panose="020B0603030804020204" pitchFamily="34" charset="0"/>
+                <a:ea typeface="DejaVu Sans Book" panose="020B0603030804020204" pitchFamily="34" charset="0"/>
+                <a:cs typeface="DejaVu Sans Book" panose="020B0603030804020204" pitchFamily="34" charset="0"/>
+              </a:rPr>
+              <a:t> " + "med " + "dig"</a:t>
+            </a:r>
+          </a:p>
+        </p:txBody>
+      </p:sp>
+      <p:cxnSp>
+        <p:nvCxnSpPr>
+          <p:cNvPr id="10" name="Straight Connector 9">
+            <a:extLst>
+              <a:ext uri="{FF2B5EF4-FFF2-40B4-BE49-F238E27FC236}">
+                <a16:creationId xmlns:a16="http://schemas.microsoft.com/office/drawing/2014/main" id="{FA39AE1F-3021-7444-98E0-02C182A52905}"/>
+              </a:ext>
+            </a:extLst>
+          </p:cNvPr>
+          <p:cNvCxnSpPr>
+            <a:cxnSpLocks/>
+          </p:cNvCxnSpPr>
+          <p:nvPr/>
+        </p:nvCxnSpPr>
+        <p:spPr>
+          <a:xfrm>
+            <a:off x="838200" y="1850267"/>
+            <a:ext cx="0" cy="4128437"/>
+          </a:xfrm>
+          <a:prstGeom prst="line">
+            <a:avLst/>
+          </a:prstGeom>
+        </p:spPr>
+        <p:style>
+          <a:lnRef idx="1">
+            <a:schemeClr val="accent1"/>
+          </a:lnRef>
+          <a:fillRef idx="0">
+            <a:schemeClr val="accent1"/>
+          </a:fillRef>
+          <a:effectRef idx="0">
+            <a:schemeClr val="accent1"/>
+          </a:effectRef>
+          <a:fontRef idx="minor">
+            <a:schemeClr val="tx1"/>
+          </a:fontRef>
+        </p:style>
+      </p:cxnSp>
+      <p:sp>
+        <p:nvSpPr>
+          <p:cNvPr id="33" name="TextBox 32">
+            <a:extLst>
+              <a:ext uri="{FF2B5EF4-FFF2-40B4-BE49-F238E27FC236}">
+                <a16:creationId xmlns:a16="http://schemas.microsoft.com/office/drawing/2014/main" id="{002F40A4-37E0-9C4C-AEE4-8FC15F7563D3}"/>
+              </a:ext>
+            </a:extLst>
+          </p:cNvPr>
+          <p:cNvSpPr txBox="1"/>
+          <p:nvPr/>
+        </p:nvSpPr>
+        <p:spPr>
+          <a:xfrm>
+            <a:off x="838200" y="1937208"/>
+            <a:ext cx="2062488" cy="369332"/>
+          </a:xfrm>
+          <a:prstGeom prst="rect">
+            <a:avLst/>
+          </a:prstGeom>
+          <a:noFill/>
+        </p:spPr>
+        <p:txBody>
+          <a:bodyPr wrap="none" rtlCol="0">
+            <a:spAutoFit/>
+          </a:bodyPr>
+          <a:lstStyle/>
+          <a:p>
+            <a:r>
+              <a:rPr lang="en-GB" dirty="0" err="1"/>
+              <a:t>Operatorer</a:t>
+            </a:r>
+            <a:r>
+              <a:rPr lang="en-GB" dirty="0"/>
+              <a:t> </a:t>
+            </a:r>
+            <a:r>
+              <a:rPr lang="en-GB" dirty="0" err="1"/>
+              <a:t>og</a:t>
+            </a:r>
+            <a:r>
+              <a:rPr lang="en-GB" dirty="0"/>
+              <a:t> </a:t>
+            </a:r>
+            <a:r>
+              <a:rPr lang="en-GB" dirty="0" err="1"/>
+              <a:t>typer</a:t>
+            </a:r>
+            <a:endParaRPr lang="en-GB" dirty="0"/>
+          </a:p>
+        </p:txBody>
+      </p:sp>
+      <p:cxnSp>
+        <p:nvCxnSpPr>
+          <p:cNvPr id="37" name="Straight Connector 36">
+            <a:extLst>
+              <a:ext uri="{FF2B5EF4-FFF2-40B4-BE49-F238E27FC236}">
+                <a16:creationId xmlns:a16="http://schemas.microsoft.com/office/drawing/2014/main" id="{28C8E072-4794-D645-B8D8-83DD3B1FC177}"/>
+              </a:ext>
+            </a:extLst>
+          </p:cNvPr>
+          <p:cNvCxnSpPr>
+            <a:cxnSpLocks/>
+          </p:cNvCxnSpPr>
+          <p:nvPr/>
+        </p:nvCxnSpPr>
+        <p:spPr>
+          <a:xfrm>
+            <a:off x="838200" y="2364376"/>
+            <a:ext cx="2276959" cy="0"/>
+          </a:xfrm>
+          <a:prstGeom prst="line">
+            <a:avLst/>
+          </a:prstGeom>
+        </p:spPr>
+        <p:style>
+          <a:lnRef idx="1">
+            <a:schemeClr val="accent1"/>
+          </a:lnRef>
+          <a:fillRef idx="0">
+            <a:schemeClr val="accent1"/>
+          </a:fillRef>
+          <a:effectRef idx="0">
+            <a:schemeClr val="accent1"/>
+          </a:effectRef>
+          <a:fontRef idx="minor">
+            <a:schemeClr val="tx1"/>
+          </a:fontRef>
+        </p:style>
+      </p:cxnSp>
+      <p:cxnSp>
+        <p:nvCxnSpPr>
+          <p:cNvPr id="46" name="Straight Connector 45">
+            <a:extLst>
+              <a:ext uri="{FF2B5EF4-FFF2-40B4-BE49-F238E27FC236}">
+                <a16:creationId xmlns:a16="http://schemas.microsoft.com/office/drawing/2014/main" id="{94EE0CD5-CC49-E94A-9C5F-4DEEAF649FFF}"/>
+              </a:ext>
+            </a:extLst>
+          </p:cNvPr>
+          <p:cNvCxnSpPr>
+            <a:cxnSpLocks/>
+          </p:cNvCxnSpPr>
+          <p:nvPr/>
+        </p:nvCxnSpPr>
+        <p:spPr>
+          <a:xfrm flipV="1">
+            <a:off x="929898" y="3239146"/>
+            <a:ext cx="697424" cy="92991"/>
+          </a:xfrm>
+          <a:prstGeom prst="line">
+            <a:avLst/>
+          </a:prstGeom>
+          <a:ln w="38100">
+            <a:solidFill>
+              <a:srgbClr val="C00000">
+                <a:alpha val="50000"/>
+              </a:srgbClr>
+            </a:solidFill>
+          </a:ln>
+        </p:spPr>
+        <p:style>
+          <a:lnRef idx="1">
+            <a:schemeClr val="accent1"/>
+          </a:lnRef>
+          <a:fillRef idx="0">
+            <a:schemeClr val="accent1"/>
+          </a:fillRef>
+          <a:effectRef idx="0">
+            <a:schemeClr val="accent1"/>
+          </a:effectRef>
+          <a:fontRef idx="minor">
+            <a:schemeClr val="tx1"/>
+          </a:fontRef>
+        </p:style>
+      </p:cxnSp>
+    </p:spTree>
+    <p:extLst>
+      <p:ext uri="{BB962C8B-B14F-4D97-AF65-F5344CB8AC3E}">
+        <p14:creationId xmlns:p14="http://schemas.microsoft.com/office/powerpoint/2010/main" val="119666176"/>
+      </p:ext>
+    </p:extLst>
+  </p:cSld>
+  <p:clrMapOvr>
+    <a:masterClrMapping/>
+  </p:clrMapOvr>
+  <p:timing>
+    <p:tnLst>
+      <p:par>
+        <p:cTn id="1" dur="indefinite" restart="never" nodeType="tmRoot">
+          <p:childTnLst>
+            <p:seq concurrent="1" nextAc="seek">
+              <p:cTn id="2" dur="indefinite" nodeType="mainSeq">
+                <p:childTnLst>
+                  <p:par>
+                    <p:cTn id="3" fill="hold">
+                      <p:stCondLst>
+                        <p:cond delay="indefinite"/>
+                      </p:stCondLst>
+                      <p:childTnLst>
+                        <p:par>
+                          <p:cTn id="4" fill="hold">
+                            <p:stCondLst>
+                              <p:cond delay="0"/>
+                            </p:stCondLst>
+                            <p:childTnLst>
+                              <p:par>
+                                <p:cTn id="5" presetID="1" presetClass="entr" presetSubtype="0" fill="hold" nodeType="clickEffect">
+                                  <p:stCondLst>
+                                    <p:cond delay="0"/>
+                                  </p:stCondLst>
+                                  <p:childTnLst>
+                                    <p:set>
+                                      <p:cBhvr>
+                                        <p:cTn id="6" dur="1" fill="hold">
+                                          <p:stCondLst>
+                                            <p:cond delay="0"/>
+                                          </p:stCondLst>
+                                        </p:cTn>
+                                        <p:tgtEl>
+                                          <p:spTgt spid="46"/>
+                                        </p:tgtEl>
+                                        <p:attrNameLst>
+                                          <p:attrName>style.visibility</p:attrName>
+                                        </p:attrNameLst>
+                                      </p:cBhvr>
+                                      <p:to>
+                                        <p:strVal val="visible"/>
+                                      </p:to>
+                                    </p:set>
+                                  </p:childTnLst>
+                                </p:cTn>
+                              </p:par>
+                            </p:childTnLst>
+                          </p:cTn>
+                        </p:par>
+                      </p:childTnLst>
+                    </p:cTn>
+                  </p:par>
+                </p:childTnLst>
+              </p:cTn>
+              <p:prevCondLst>
+                <p:cond evt="onPrev" delay="0">
+                  <p:tgtEl>
+                    <p:sldTgt/>
+                  </p:tgtEl>
+                </p:cond>
+              </p:prevCondLst>
+              <p:nextCondLst>
+                <p:cond evt="onNext" delay="0">
+                  <p:tgtEl>
+                    <p:sldTgt/>
+                  </p:tgtEl>
+                </p:cond>
+              </p:nextCondLst>
+            </p:seq>
+          </p:childTnLst>
+        </p:cTn>
+      </p:par>
+    </p:tnLst>
+  </p:timing>
+</p:sld>
+</file>
+
+<file path=ppt/slides/slide9.xml><?xml version="1.0" encoding="utf-8"?>
+<p:sld xmlns:a="http://schemas.openxmlformats.org/drawingml/2006/main" xmlns:r="http://schemas.openxmlformats.org/officeDocument/2006/relationships" xmlns:p="http://schemas.openxmlformats.org/presentationml/2006/main">
+  <p:cSld>
+    <p:spTree>
+      <p:nvGrpSpPr>
+        <p:cNvPr id="1" name=""/>
+        <p:cNvGrpSpPr/>
+        <p:nvPr/>
+      </p:nvGrpSpPr>
+      <p:grpSpPr>
+        <a:xfrm>
+          <a:off x="0" y="0"/>
+          <a:ext cx="0" cy="0"/>
+          <a:chOff x="0" y="0"/>
+          <a:chExt cx="0" cy="0"/>
+        </a:xfrm>
+      </p:grpSpPr>
+      <p:sp>
+        <p:nvSpPr>
+          <p:cNvPr id="2" name="Title 1">
+            <a:extLst>
+              <a:ext uri="{FF2B5EF4-FFF2-40B4-BE49-F238E27FC236}">
+                <a16:creationId xmlns:a16="http://schemas.microsoft.com/office/drawing/2014/main" id="{7ACF8DE1-EA4E-4342-B99B-F65420FE7DD6}"/>
+              </a:ext>
+            </a:extLst>
+          </p:cNvPr>
+          <p:cNvSpPr>
+            <a:spLocks noGrp="1"/>
+          </p:cNvSpPr>
+          <p:nvPr>
+            <p:ph type="title"/>
+          </p:nvPr>
+        </p:nvSpPr>
+        <p:spPr>
+          <a:xfrm>
+            <a:off x="838200" y="365130"/>
+            <a:ext cx="10515600" cy="1325563"/>
+          </a:xfrm>
+        </p:spPr>
+        <p:txBody>
+          <a:bodyPr/>
+          <a:lstStyle/>
+          <a:p>
+            <a:r>
+              <a:rPr lang="da-DK"/>
+              <a:t>Præcedens og association</a:t>
+            </a:r>
+          </a:p>
+        </p:txBody>
+      </p:sp>
+      <p:pic>
+        <p:nvPicPr>
+          <p:cNvPr id="4" name="Content Placeholder 3">
+            <a:extLst>
+              <a:ext uri="{FF2B5EF4-FFF2-40B4-BE49-F238E27FC236}">
+                <a16:creationId xmlns:a16="http://schemas.microsoft.com/office/drawing/2014/main" id="{91EFF094-9E1F-374D-BD65-555FA92B259C}"/>
+              </a:ext>
+            </a:extLst>
+          </p:cNvPr>
+          <p:cNvPicPr>
+            <a:picLocks noChangeAspect="1"/>
+          </p:cNvPicPr>
+          <p:nvPr/>
+        </p:nvPicPr>
+        <p:blipFill>
+          <a:blip r:embed="rId3">
+            <a:extLst>
+              <a:ext uri="{28A0092B-C50C-407E-A947-70E740481C1C}">
+                <a14:useLocalDpi xmlns:a14="http://schemas.microsoft.com/office/drawing/2010/main" val="0"/>
+              </a:ext>
+            </a:extLst>
+          </a:blip>
+          <a:stretch>
+            <a:fillRect/>
+          </a:stretch>
+        </p:blipFill>
+        <p:spPr>
+          <a:xfrm>
+            <a:off x="1797805" y="1441344"/>
+            <a:ext cx="8060857" cy="5164338"/>
+          </a:xfrm>
+          <a:prstGeom prst="rect">
+            <a:avLst/>
+          </a:prstGeom>
+        </p:spPr>
+      </p:pic>
+    </p:spTree>
+    <p:extLst>
+      <p:ext uri="{BB962C8B-B14F-4D97-AF65-F5344CB8AC3E}">
+        <p14:creationId xmlns:p14="http://schemas.microsoft.com/office/powerpoint/2010/main" val="562571803"/>
       </p:ext>
     </p:extLst>
   </p:cSld>

--- a/lectures/2.2Fsharp/lecture.pptx
+++ b/lectures/2.2Fsharp/lecture.pptx
@@ -5,7 +5,7 @@
     <p:sldMasterId id="2147483648" r:id="rId1"/>
   </p:sldMasterIdLst>
   <p:notesMasterIdLst>
-    <p:notesMasterId r:id="rId12"/>
+    <p:notesMasterId r:id="rId9"/>
   </p:notesMasterIdLst>
   <p:sldIdLst>
     <p:sldId id="256" r:id="rId2"/>
@@ -15,9 +15,6 @@
     <p:sldId id="288" r:id="rId6"/>
     <p:sldId id="291" r:id="rId7"/>
     <p:sldId id="259" r:id="rId8"/>
-    <p:sldId id="292" r:id="rId9"/>
-    <p:sldId id="293" r:id="rId10"/>
-    <p:sldId id="294" r:id="rId11"/>
   </p:sldIdLst>
   <p:sldSz cx="12192000" cy="6858000"/>
   <p:notesSz cx="6858000" cy="9144000"/>
@@ -206,7 +203,7 @@
           <a:p>
             <a:fld id="{248031C6-E4B0-0444-A4A8-9CCE96EC2C9C}" type="datetimeFigureOut">
               <a:rPr lang="en-GB" smtClean="0"/>
-              <a:t>12/09/2019</a:t>
+              <a:t>16/09/2019</a:t>
             </a:fld>
             <a:endParaRPr lang="en-GB"/>
           </a:p>
@@ -1151,284 +1148,6 @@
 </p:notes>
 </file>
 
-<file path=ppt/notesSlides/notesSlide6.xml><?xml version="1.0" encoding="utf-8"?>
-<p:notes xmlns:a="http://schemas.openxmlformats.org/drawingml/2006/main" xmlns:r="http://schemas.openxmlformats.org/officeDocument/2006/relationships" xmlns:p="http://schemas.openxmlformats.org/presentationml/2006/main">
-  <p:cSld>
-    <p:spTree>
-      <p:nvGrpSpPr>
-        <p:cNvPr id="1" name=""/>
-        <p:cNvGrpSpPr/>
-        <p:nvPr/>
-      </p:nvGrpSpPr>
-      <p:grpSpPr>
-        <a:xfrm>
-          <a:off x="0" y="0"/>
-          <a:ext cx="0" cy="0"/>
-          <a:chOff x="0" y="0"/>
-          <a:chExt cx="0" cy="0"/>
-        </a:xfrm>
-      </p:grpSpPr>
-      <p:sp>
-        <p:nvSpPr>
-          <p:cNvPr id="2" name="Slide Image Placeholder 1"/>
-          <p:cNvSpPr>
-            <a:spLocks noGrp="1" noRot="1" noChangeAspect="1"/>
-          </p:cNvSpPr>
-          <p:nvPr>
-            <p:ph type="sldImg"/>
-          </p:nvPr>
-        </p:nvSpPr>
-        <p:spPr/>
-      </p:sp>
-      <p:sp>
-        <p:nvSpPr>
-          <p:cNvPr id="3" name="Notes Placeholder 2"/>
-          <p:cNvSpPr>
-            <a:spLocks noGrp="1"/>
-          </p:cNvSpPr>
-          <p:nvPr>
-            <p:ph type="body" idx="1"/>
-          </p:nvPr>
-        </p:nvSpPr>
-        <p:spPr/>
-        <p:txBody>
-          <a:bodyPr/>
-          <a:lstStyle/>
-          <a:p>
-            <a:endParaRPr lang="en-GB" dirty="0"/>
-          </a:p>
-        </p:txBody>
-      </p:sp>
-      <p:sp>
-        <p:nvSpPr>
-          <p:cNvPr id="4" name="Slide Number Placeholder 3"/>
-          <p:cNvSpPr>
-            <a:spLocks noGrp="1"/>
-          </p:cNvSpPr>
-          <p:nvPr>
-            <p:ph type="sldNum" sz="quarter" idx="5"/>
-          </p:nvPr>
-        </p:nvSpPr>
-        <p:spPr/>
-        <p:txBody>
-          <a:bodyPr/>
-          <a:lstStyle/>
-          <a:p>
-            <a:fld id="{186431B5-AB57-3E4A-80D5-B6800CF8539B}" type="slidenum">
-              <a:rPr lang="en-GB" smtClean="0"/>
-              <a:t>8</a:t>
-            </a:fld>
-            <a:endParaRPr lang="en-GB"/>
-          </a:p>
-        </p:txBody>
-      </p:sp>
-    </p:spTree>
-    <p:extLst>
-      <p:ext uri="{BB962C8B-B14F-4D97-AF65-F5344CB8AC3E}">
-        <p14:creationId xmlns:p14="http://schemas.microsoft.com/office/powerpoint/2010/main" val="1146515036"/>
-      </p:ext>
-    </p:extLst>
-  </p:cSld>
-  <p:clrMapOvr>
-    <a:masterClrMapping/>
-  </p:clrMapOvr>
-</p:notes>
-</file>
-
-<file path=ppt/notesSlides/notesSlide7.xml><?xml version="1.0" encoding="utf-8"?>
-<p:notes xmlns:a="http://schemas.openxmlformats.org/drawingml/2006/main" xmlns:r="http://schemas.openxmlformats.org/officeDocument/2006/relationships" xmlns:p="http://schemas.openxmlformats.org/presentationml/2006/main">
-  <p:cSld>
-    <p:spTree>
-      <p:nvGrpSpPr>
-        <p:cNvPr id="1" name=""/>
-        <p:cNvGrpSpPr/>
-        <p:nvPr/>
-      </p:nvGrpSpPr>
-      <p:grpSpPr>
-        <a:xfrm>
-          <a:off x="0" y="0"/>
-          <a:ext cx="0" cy="0"/>
-          <a:chOff x="0" y="0"/>
-          <a:chExt cx="0" cy="0"/>
-        </a:xfrm>
-      </p:grpSpPr>
-      <p:sp>
-        <p:nvSpPr>
-          <p:cNvPr id="2" name="Slide Image Placeholder 1"/>
-          <p:cNvSpPr>
-            <a:spLocks noGrp="1" noRot="1" noChangeAspect="1"/>
-          </p:cNvSpPr>
-          <p:nvPr>
-            <p:ph type="sldImg"/>
-          </p:nvPr>
-        </p:nvSpPr>
-        <p:spPr>
-          <a:xfrm>
-            <a:off x="685800" y="1143000"/>
-            <a:ext cx="5486400" cy="3086100"/>
-          </a:xfrm>
-        </p:spPr>
-      </p:sp>
-      <p:sp>
-        <p:nvSpPr>
-          <p:cNvPr id="3" name="Notes Placeholder 2"/>
-          <p:cNvSpPr>
-            <a:spLocks noGrp="1"/>
-          </p:cNvSpPr>
-          <p:nvPr>
-            <p:ph type="body" idx="1"/>
-          </p:nvPr>
-        </p:nvSpPr>
-        <p:spPr/>
-        <p:txBody>
-          <a:bodyPr/>
-          <a:lstStyle/>
-          <a:p>
-            <a:r>
-              <a:rPr lang="en-GB" dirty="0"/>
-              <a:t>Vis </a:t>
-            </a:r>
-            <a:r>
-              <a:rPr lang="en-GB" dirty="0" err="1"/>
-              <a:t>eksemplet</a:t>
-            </a:r>
-            <a:r>
-              <a:rPr lang="en-GB" dirty="0"/>
-              <a:t> 3.0/4.0/5.0, 3.0**4.0**5.0</a:t>
-            </a:r>
-            <a:r>
-              <a:rPr lang="en-GB"/>
-              <a:t>, 2.0**4.0/2.0</a:t>
-            </a:r>
-            <a:endParaRPr lang="en-GB" dirty="0"/>
-          </a:p>
-        </p:txBody>
-      </p:sp>
-      <p:sp>
-        <p:nvSpPr>
-          <p:cNvPr id="4" name="Slide Number Placeholder 3"/>
-          <p:cNvSpPr>
-            <a:spLocks noGrp="1"/>
-          </p:cNvSpPr>
-          <p:nvPr>
-            <p:ph type="sldNum" sz="quarter" idx="5"/>
-          </p:nvPr>
-        </p:nvSpPr>
-        <p:spPr/>
-        <p:txBody>
-          <a:bodyPr/>
-          <a:lstStyle/>
-          <a:p>
-            <a:fld id="{186431B5-AB57-3E4A-80D5-B6800CF8539B}" type="slidenum">
-              <a:rPr lang="en-GB" smtClean="0"/>
-              <a:t>9</a:t>
-            </a:fld>
-            <a:endParaRPr lang="en-GB"/>
-          </a:p>
-        </p:txBody>
-      </p:sp>
-    </p:spTree>
-    <p:extLst>
-      <p:ext uri="{BB962C8B-B14F-4D97-AF65-F5344CB8AC3E}">
-        <p14:creationId xmlns:p14="http://schemas.microsoft.com/office/powerpoint/2010/main" val="792165288"/>
-      </p:ext>
-    </p:extLst>
-  </p:cSld>
-  <p:clrMapOvr>
-    <a:masterClrMapping/>
-  </p:clrMapOvr>
-</p:notes>
-</file>
-
-<file path=ppt/notesSlides/notesSlide8.xml><?xml version="1.0" encoding="utf-8"?>
-<p:notes xmlns:a="http://schemas.openxmlformats.org/drawingml/2006/main" xmlns:r="http://schemas.openxmlformats.org/officeDocument/2006/relationships" xmlns:p="http://schemas.openxmlformats.org/presentationml/2006/main">
-  <p:cSld>
-    <p:spTree>
-      <p:nvGrpSpPr>
-        <p:cNvPr id="1" name=""/>
-        <p:cNvGrpSpPr/>
-        <p:nvPr/>
-      </p:nvGrpSpPr>
-      <p:grpSpPr>
-        <a:xfrm>
-          <a:off x="0" y="0"/>
-          <a:ext cx="0" cy="0"/>
-          <a:chOff x="0" y="0"/>
-          <a:chExt cx="0" cy="0"/>
-        </a:xfrm>
-      </p:grpSpPr>
-      <p:sp>
-        <p:nvSpPr>
-          <p:cNvPr id="2" name="Slide Image Placeholder 1"/>
-          <p:cNvSpPr>
-            <a:spLocks noGrp="1" noRot="1" noChangeAspect="1"/>
-          </p:cNvSpPr>
-          <p:nvPr>
-            <p:ph type="sldImg"/>
-          </p:nvPr>
-        </p:nvSpPr>
-        <p:spPr>
-          <a:xfrm>
-            <a:off x="685800" y="1143000"/>
-            <a:ext cx="5486400" cy="3086100"/>
-          </a:xfrm>
-        </p:spPr>
-      </p:sp>
-      <p:sp>
-        <p:nvSpPr>
-          <p:cNvPr id="3" name="Notes Placeholder 2"/>
-          <p:cNvSpPr>
-            <a:spLocks noGrp="1"/>
-          </p:cNvSpPr>
-          <p:nvPr>
-            <p:ph type="body" idx="1"/>
-          </p:nvPr>
-        </p:nvSpPr>
-        <p:spPr/>
-        <p:txBody>
-          <a:bodyPr/>
-          <a:lstStyle/>
-          <a:p>
-            <a:endParaRPr lang="en-GB" dirty="0"/>
-          </a:p>
-        </p:txBody>
-      </p:sp>
-      <p:sp>
-        <p:nvSpPr>
-          <p:cNvPr id="4" name="Slide Number Placeholder 3"/>
-          <p:cNvSpPr>
-            <a:spLocks noGrp="1"/>
-          </p:cNvSpPr>
-          <p:nvPr>
-            <p:ph type="sldNum" sz="quarter" idx="5"/>
-          </p:nvPr>
-        </p:nvSpPr>
-        <p:spPr/>
-        <p:txBody>
-          <a:bodyPr/>
-          <a:lstStyle/>
-          <a:p>
-            <a:fld id="{186431B5-AB57-3E4A-80D5-B6800CF8539B}" type="slidenum">
-              <a:rPr lang="en-GB" smtClean="0"/>
-              <a:t>10</a:t>
-            </a:fld>
-            <a:endParaRPr lang="en-GB"/>
-          </a:p>
-        </p:txBody>
-      </p:sp>
-    </p:spTree>
-    <p:extLst>
-      <p:ext uri="{BB962C8B-B14F-4D97-AF65-F5344CB8AC3E}">
-        <p14:creationId xmlns:p14="http://schemas.microsoft.com/office/powerpoint/2010/main" val="611737632"/>
-      </p:ext>
-    </p:extLst>
-  </p:cSld>
-  <p:clrMapOvr>
-    <a:masterClrMapping/>
-  </p:clrMapOvr>
-</p:notes>
-</file>
-
 <file path=ppt/slideLayouts/slideLayout1.xml><?xml version="1.0" encoding="utf-8"?>
 <p:sldLayout xmlns:a="http://schemas.openxmlformats.org/drawingml/2006/main" xmlns:r="http://schemas.openxmlformats.org/officeDocument/2006/relationships" xmlns:p="http://schemas.openxmlformats.org/presentationml/2006/main" type="title" preserve="1">
   <p:cSld name="Title Slide">
@@ -1578,7 +1297,7 @@
           <a:p>
             <a:fld id="{66665395-52C5-5E4B-BB20-CD4E0BBC9899}" type="datetimeFigureOut">
               <a:rPr lang="en-GB" smtClean="0"/>
-              <a:t>12/09/2019</a:t>
+              <a:t>16/09/2019</a:t>
             </a:fld>
             <a:endParaRPr lang="en-GB"/>
           </a:p>
@@ -1778,7 +1497,7 @@
           <a:p>
             <a:fld id="{66665395-52C5-5E4B-BB20-CD4E0BBC9899}" type="datetimeFigureOut">
               <a:rPr lang="en-GB" smtClean="0"/>
-              <a:t>12/09/2019</a:t>
+              <a:t>16/09/2019</a:t>
             </a:fld>
             <a:endParaRPr lang="en-GB"/>
           </a:p>
@@ -1988,7 +1707,7 @@
           <a:p>
             <a:fld id="{66665395-52C5-5E4B-BB20-CD4E0BBC9899}" type="datetimeFigureOut">
               <a:rPr lang="en-GB" smtClean="0"/>
-              <a:t>12/09/2019</a:t>
+              <a:t>16/09/2019</a:t>
             </a:fld>
             <a:endParaRPr lang="en-GB"/>
           </a:p>
@@ -2188,7 +1907,7 @@
           <a:p>
             <a:fld id="{66665395-52C5-5E4B-BB20-CD4E0BBC9899}" type="datetimeFigureOut">
               <a:rPr lang="en-GB" smtClean="0"/>
-              <a:t>12/09/2019</a:t>
+              <a:t>16/09/2019</a:t>
             </a:fld>
             <a:endParaRPr lang="en-GB"/>
           </a:p>
@@ -2464,7 +2183,7 @@
           <a:p>
             <a:fld id="{66665395-52C5-5E4B-BB20-CD4E0BBC9899}" type="datetimeFigureOut">
               <a:rPr lang="en-GB" smtClean="0"/>
-              <a:t>12/09/2019</a:t>
+              <a:t>16/09/2019</a:t>
             </a:fld>
             <a:endParaRPr lang="en-GB"/>
           </a:p>
@@ -2732,7 +2451,7 @@
           <a:p>
             <a:fld id="{66665395-52C5-5E4B-BB20-CD4E0BBC9899}" type="datetimeFigureOut">
               <a:rPr lang="en-GB" smtClean="0"/>
-              <a:t>12/09/2019</a:t>
+              <a:t>16/09/2019</a:t>
             </a:fld>
             <a:endParaRPr lang="en-GB"/>
           </a:p>
@@ -3147,7 +2866,7 @@
           <a:p>
             <a:fld id="{66665395-52C5-5E4B-BB20-CD4E0BBC9899}" type="datetimeFigureOut">
               <a:rPr lang="en-GB" smtClean="0"/>
-              <a:t>12/09/2019</a:t>
+              <a:t>16/09/2019</a:t>
             </a:fld>
             <a:endParaRPr lang="en-GB"/>
           </a:p>
@@ -3289,7 +3008,7 @@
           <a:p>
             <a:fld id="{66665395-52C5-5E4B-BB20-CD4E0BBC9899}" type="datetimeFigureOut">
               <a:rPr lang="en-GB" smtClean="0"/>
-              <a:t>12/09/2019</a:t>
+              <a:t>16/09/2019</a:t>
             </a:fld>
             <a:endParaRPr lang="en-GB"/>
           </a:p>
@@ -3402,7 +3121,7 @@
           <a:p>
             <a:fld id="{66665395-52C5-5E4B-BB20-CD4E0BBC9899}" type="datetimeFigureOut">
               <a:rPr lang="en-GB" smtClean="0"/>
-              <a:t>12/09/2019</a:t>
+              <a:t>16/09/2019</a:t>
             </a:fld>
             <a:endParaRPr lang="en-GB"/>
           </a:p>
@@ -3715,7 +3434,7 @@
           <a:p>
             <a:fld id="{66665395-52C5-5E4B-BB20-CD4E0BBC9899}" type="datetimeFigureOut">
               <a:rPr lang="en-GB" smtClean="0"/>
-              <a:t>12/09/2019</a:t>
+              <a:t>16/09/2019</a:t>
             </a:fld>
             <a:endParaRPr lang="en-GB"/>
           </a:p>
@@ -4004,7 +3723,7 @@
           <a:p>
             <a:fld id="{66665395-52C5-5E4B-BB20-CD4E0BBC9899}" type="datetimeFigureOut">
               <a:rPr lang="en-GB" smtClean="0"/>
-              <a:t>12/09/2019</a:t>
+              <a:t>16/09/2019</a:t>
             </a:fld>
             <a:endParaRPr lang="en-GB"/>
           </a:p>
@@ -4247,7 +3966,7 @@
           <a:p>
             <a:fld id="{66665395-52C5-5E4B-BB20-CD4E0BBC9899}" type="datetimeFigureOut">
               <a:rPr lang="en-GB" smtClean="0"/>
-              <a:t>12/09/2019</a:t>
+              <a:t>16/09/2019</a:t>
             </a:fld>
             <a:endParaRPr lang="en-GB"/>
           </a:p>
@@ -4733,2353 +4452,6 @@
 </p:sld>
 </file>
 
-<file path=ppt/slides/slide10.xml><?xml version="1.0" encoding="utf-8"?>
-<p:sld xmlns:a="http://schemas.openxmlformats.org/drawingml/2006/main" xmlns:r="http://schemas.openxmlformats.org/officeDocument/2006/relationships" xmlns:p="http://schemas.openxmlformats.org/presentationml/2006/main">
-  <p:cSld>
-    <p:spTree>
-      <p:nvGrpSpPr>
-        <p:cNvPr id="1" name=""/>
-        <p:cNvGrpSpPr/>
-        <p:nvPr/>
-      </p:nvGrpSpPr>
-      <p:grpSpPr>
-        <a:xfrm>
-          <a:off x="0" y="0"/>
-          <a:ext cx="0" cy="0"/>
-          <a:chOff x="0" y="0"/>
-          <a:chExt cx="0" cy="0"/>
-        </a:xfrm>
-      </p:grpSpPr>
-      <p:sp>
-        <p:nvSpPr>
-          <p:cNvPr id="2" name="Title 1">
-            <a:extLst>
-              <a:ext uri="{FF2B5EF4-FFF2-40B4-BE49-F238E27FC236}">
-                <a16:creationId xmlns:a16="http://schemas.microsoft.com/office/drawing/2014/main" id="{7D951FD5-6FCD-E042-A892-142E147469EA}"/>
-              </a:ext>
-            </a:extLst>
-          </p:cNvPr>
-          <p:cNvSpPr>
-            <a:spLocks noGrp="1"/>
-          </p:cNvSpPr>
-          <p:nvPr>
-            <p:ph type="title"/>
-          </p:nvPr>
-        </p:nvSpPr>
-        <p:spPr/>
-        <p:txBody>
-          <a:bodyPr/>
-          <a:lstStyle/>
-          <a:p>
-            <a:r>
-              <a:rPr lang="en-GB" dirty="0" err="1"/>
-              <a:t>Operatorer</a:t>
-            </a:r>
-            <a:r>
-              <a:rPr lang="en-GB" dirty="0"/>
-              <a:t> </a:t>
-            </a:r>
-            <a:r>
-              <a:rPr lang="en-GB" dirty="0" err="1"/>
-              <a:t>og</a:t>
-            </a:r>
-            <a:r>
-              <a:rPr lang="en-GB" dirty="0"/>
-              <a:t> </a:t>
-            </a:r>
-            <a:r>
-              <a:rPr lang="en-GB" dirty="0" err="1"/>
-              <a:t>præcedens</a:t>
-            </a:r>
-            <a:endParaRPr lang="en-GB" dirty="0"/>
-          </a:p>
-        </p:txBody>
-      </p:sp>
-      <p:sp>
-        <p:nvSpPr>
-          <p:cNvPr id="3" name="Content Placeholder 2">
-            <a:extLst>
-              <a:ext uri="{FF2B5EF4-FFF2-40B4-BE49-F238E27FC236}">
-                <a16:creationId xmlns:a16="http://schemas.microsoft.com/office/drawing/2014/main" id="{01F1339C-CD04-ED4E-A829-7F36C1E0AB5C}"/>
-              </a:ext>
-            </a:extLst>
-          </p:cNvPr>
-          <p:cNvSpPr>
-            <a:spLocks noGrp="1"/>
-          </p:cNvSpPr>
-          <p:nvPr>
-            <p:ph idx="1"/>
-          </p:nvPr>
-        </p:nvSpPr>
-        <p:spPr>
-          <a:xfrm>
-            <a:off x="838200" y="2448341"/>
-            <a:ext cx="2686001" cy="3373392"/>
-          </a:xfrm>
-        </p:spPr>
-        <p:txBody>
-          <a:bodyPr>
-            <a:normAutofit/>
-          </a:bodyPr>
-          <a:lstStyle/>
-          <a:p>
-            <a:pPr marL="0" indent="0">
-              <a:lnSpc>
-                <a:spcPct val="100000"/>
-              </a:lnSpc>
-              <a:buNone/>
-            </a:pPr>
-            <a:r>
-              <a:rPr lang="en-GB" sz="1400" dirty="0">
-                <a:latin typeface="DejaVu Sans Book" panose="020B0603030804020204" pitchFamily="34" charset="0"/>
-                <a:ea typeface="DejaVu Sans Book" panose="020B0603030804020204" pitchFamily="34" charset="0"/>
-                <a:cs typeface="DejaVu Sans Book" panose="020B0603030804020204" pitchFamily="34" charset="0"/>
-              </a:rPr>
-              <a:t>3 + 4</a:t>
-            </a:r>
-          </a:p>
-          <a:p>
-            <a:pPr marL="0" indent="0">
-              <a:lnSpc>
-                <a:spcPct val="100000"/>
-              </a:lnSpc>
-              <a:buNone/>
-            </a:pPr>
-            <a:r>
-              <a:rPr lang="en-GB" sz="1400" dirty="0">
-                <a:latin typeface="DejaVu Sans Book" panose="020B0603030804020204" pitchFamily="34" charset="0"/>
-                <a:ea typeface="DejaVu Sans Book" panose="020B0603030804020204" pitchFamily="34" charset="0"/>
-                <a:cs typeface="DejaVu Sans Book" panose="020B0603030804020204" pitchFamily="34" charset="0"/>
-              </a:rPr>
-              <a:t>3.0 + 4.0</a:t>
-            </a:r>
-          </a:p>
-          <a:p>
-            <a:pPr marL="0" indent="0">
-              <a:lnSpc>
-                <a:spcPct val="100000"/>
-              </a:lnSpc>
-              <a:buNone/>
-            </a:pPr>
-            <a:r>
-              <a:rPr lang="en-GB" sz="1400" u="sng" dirty="0">
-                <a:latin typeface="DejaVu Sans Book" panose="020B0603030804020204" pitchFamily="34" charset="0"/>
-                <a:ea typeface="DejaVu Sans Book" panose="020B0603030804020204" pitchFamily="34" charset="0"/>
-                <a:cs typeface="DejaVu Sans Book" panose="020B0603030804020204" pitchFamily="34" charset="0"/>
-              </a:rPr>
-              <a:t>3 + 4.0</a:t>
-            </a:r>
-          </a:p>
-          <a:p>
-            <a:pPr marL="0" indent="0">
-              <a:lnSpc>
-                <a:spcPct val="100000"/>
-              </a:lnSpc>
-              <a:buNone/>
-            </a:pPr>
-            <a:r>
-              <a:rPr lang="en-GB" sz="1400" dirty="0">
-                <a:latin typeface="DejaVu Sans Book" panose="020B0603030804020204" pitchFamily="34" charset="0"/>
-                <a:ea typeface="DejaVu Sans Book" panose="020B0603030804020204" pitchFamily="34" charset="0"/>
-                <a:cs typeface="DejaVu Sans Book" panose="020B0603030804020204" pitchFamily="34" charset="0"/>
-              </a:rPr>
-              <a:t>5 / 2</a:t>
-            </a:r>
-          </a:p>
-          <a:p>
-            <a:pPr marL="0" indent="0">
-              <a:lnSpc>
-                <a:spcPct val="100000"/>
-              </a:lnSpc>
-              <a:buNone/>
-            </a:pPr>
-            <a:r>
-              <a:rPr lang="en-GB" sz="1400" dirty="0">
-                <a:latin typeface="DejaVu Sans Book" panose="020B0603030804020204" pitchFamily="34" charset="0"/>
-                <a:ea typeface="DejaVu Sans Book" panose="020B0603030804020204" pitchFamily="34" charset="0"/>
-                <a:cs typeface="DejaVu Sans Book" panose="020B0603030804020204" pitchFamily="34" charset="0"/>
-              </a:rPr>
-              <a:t>5 % 2</a:t>
-            </a:r>
-          </a:p>
-          <a:p>
-            <a:pPr marL="0" indent="0">
-              <a:lnSpc>
-                <a:spcPct val="100000"/>
-              </a:lnSpc>
-              <a:buNone/>
-            </a:pPr>
-            <a:r>
-              <a:rPr lang="en-GB" sz="1400" dirty="0">
-                <a:latin typeface="DejaVu Sans Book" panose="020B0603030804020204" pitchFamily="34" charset="0"/>
-                <a:ea typeface="DejaVu Sans Book" panose="020B0603030804020204" pitchFamily="34" charset="0"/>
-                <a:cs typeface="DejaVu Sans Book" panose="020B0603030804020204" pitchFamily="34" charset="0"/>
-              </a:rPr>
-              <a:t>2 * (5 / 2) + 5 % 2</a:t>
-            </a:r>
-          </a:p>
-          <a:p>
-            <a:pPr marL="0" indent="0">
-              <a:lnSpc>
-                <a:spcPct val="100000"/>
-              </a:lnSpc>
-              <a:buNone/>
-            </a:pPr>
-            <a:r>
-              <a:rPr lang="en-GB" sz="1400" dirty="0">
-                <a:latin typeface="DejaVu Sans Book" panose="020B0603030804020204" pitchFamily="34" charset="0"/>
-                <a:ea typeface="DejaVu Sans Book" panose="020B0603030804020204" pitchFamily="34" charset="0"/>
-                <a:cs typeface="DejaVu Sans Book" panose="020B0603030804020204" pitchFamily="34" charset="0"/>
-              </a:rPr>
-              <a:t>2.0 ** 3.0</a:t>
-            </a:r>
-          </a:p>
-          <a:p>
-            <a:pPr marL="0" indent="0">
-              <a:lnSpc>
-                <a:spcPct val="100000"/>
-              </a:lnSpc>
-              <a:buNone/>
-            </a:pPr>
-            <a:r>
-              <a:rPr lang="en-GB" sz="1400" dirty="0" err="1">
-                <a:latin typeface="DejaVu Sans Book" panose="020B0603030804020204" pitchFamily="34" charset="0"/>
-                <a:ea typeface="DejaVu Sans Book" panose="020B0603030804020204" pitchFamily="34" charset="0"/>
-                <a:cs typeface="DejaVu Sans Book" panose="020B0603030804020204" pitchFamily="34" charset="0"/>
-              </a:rPr>
-              <a:t>pown</a:t>
-            </a:r>
-            <a:r>
-              <a:rPr lang="en-GB" sz="1400" dirty="0">
-                <a:latin typeface="DejaVu Sans Book" panose="020B0603030804020204" pitchFamily="34" charset="0"/>
-                <a:ea typeface="DejaVu Sans Book" panose="020B0603030804020204" pitchFamily="34" charset="0"/>
-                <a:cs typeface="DejaVu Sans Book" panose="020B0603030804020204" pitchFamily="34" charset="0"/>
-              </a:rPr>
-              <a:t> 2 3</a:t>
-            </a:r>
-          </a:p>
-          <a:p>
-            <a:pPr marL="0" indent="0">
-              <a:lnSpc>
-                <a:spcPct val="100000"/>
-              </a:lnSpc>
-              <a:buNone/>
-            </a:pPr>
-            <a:r>
-              <a:rPr lang="en-GB" sz="1400" dirty="0">
-                <a:latin typeface="DejaVu Sans Book" panose="020B0603030804020204" pitchFamily="34" charset="0"/>
-                <a:ea typeface="DejaVu Sans Book" panose="020B0603030804020204" pitchFamily="34" charset="0"/>
-                <a:cs typeface="DejaVu Sans Book" panose="020B0603030804020204" pitchFamily="34" charset="0"/>
-              </a:rPr>
-              <a:t>"</a:t>
-            </a:r>
-            <a:r>
-              <a:rPr lang="en-GB" sz="1400" dirty="0" err="1">
-                <a:latin typeface="DejaVu Sans Book" panose="020B0603030804020204" pitchFamily="34" charset="0"/>
-                <a:ea typeface="DejaVu Sans Book" panose="020B0603030804020204" pitchFamily="34" charset="0"/>
-                <a:cs typeface="DejaVu Sans Book" panose="020B0603030804020204" pitchFamily="34" charset="0"/>
-              </a:rPr>
-              <a:t>hej</a:t>
-            </a:r>
-            <a:r>
-              <a:rPr lang="en-GB" sz="1400" dirty="0">
-                <a:latin typeface="DejaVu Sans Book" panose="020B0603030804020204" pitchFamily="34" charset="0"/>
-                <a:ea typeface="DejaVu Sans Book" panose="020B0603030804020204" pitchFamily="34" charset="0"/>
-                <a:cs typeface="DejaVu Sans Book" panose="020B0603030804020204" pitchFamily="34" charset="0"/>
-              </a:rPr>
-              <a:t> " + "med " + "dig"</a:t>
-            </a:r>
-          </a:p>
-        </p:txBody>
-      </p:sp>
-      <p:sp>
-        <p:nvSpPr>
-          <p:cNvPr id="4" name="Content Placeholder 2">
-            <a:extLst>
-              <a:ext uri="{FF2B5EF4-FFF2-40B4-BE49-F238E27FC236}">
-                <a16:creationId xmlns:a16="http://schemas.microsoft.com/office/drawing/2014/main" id="{84CE778E-7175-DD4C-9379-77596FC3CA32}"/>
-              </a:ext>
-            </a:extLst>
-          </p:cNvPr>
-          <p:cNvSpPr txBox="1">
-            <a:spLocks/>
-          </p:cNvSpPr>
-          <p:nvPr/>
-        </p:nvSpPr>
-        <p:spPr>
-          <a:xfrm>
-            <a:off x="3592291" y="2448343"/>
-            <a:ext cx="1964965" cy="3373392"/>
-          </a:xfrm>
-          <a:prstGeom prst="rect">
-            <a:avLst/>
-          </a:prstGeom>
-        </p:spPr>
-        <p:txBody>
-          <a:bodyPr vert="horz" lIns="91440" tIns="45720" rIns="91440" bIns="45720" rtlCol="0">
-            <a:normAutofit/>
-          </a:bodyPr>
-          <a:lstStyle>
-            <a:lvl1pPr marL="228600" indent="-228600" algn="l" defTabSz="914400" rtl="0" eaLnBrk="1" latinLnBrk="0" hangingPunct="1">
-              <a:lnSpc>
-                <a:spcPct val="90000"/>
-              </a:lnSpc>
-              <a:spcBef>
-                <a:spcPts val="1000"/>
-              </a:spcBef>
-              <a:buFont typeface="Arial" panose="020B0604020202020204" pitchFamily="34" charset="0"/>
-              <a:buChar char="•"/>
-              <a:defRPr sz="2800" kern="1200">
-                <a:solidFill>
-                  <a:schemeClr val="tx1"/>
-                </a:solidFill>
-                <a:latin typeface="+mn-lt"/>
-                <a:ea typeface="+mn-ea"/>
-                <a:cs typeface="+mn-cs"/>
-              </a:defRPr>
-            </a:lvl1pPr>
-            <a:lvl2pPr marL="685800" indent="-228600" algn="l" defTabSz="914400" rtl="0" eaLnBrk="1" latinLnBrk="0" hangingPunct="1">
-              <a:lnSpc>
-                <a:spcPct val="90000"/>
-              </a:lnSpc>
-              <a:spcBef>
-                <a:spcPts val="500"/>
-              </a:spcBef>
-              <a:buFont typeface="Arial" panose="020B0604020202020204" pitchFamily="34" charset="0"/>
-              <a:buChar char="•"/>
-              <a:defRPr sz="2400" kern="1200">
-                <a:solidFill>
-                  <a:schemeClr val="tx1"/>
-                </a:solidFill>
-                <a:latin typeface="+mn-lt"/>
-                <a:ea typeface="+mn-ea"/>
-                <a:cs typeface="+mn-cs"/>
-              </a:defRPr>
-            </a:lvl2pPr>
-            <a:lvl3pPr marL="1143000" indent="-228600" algn="l" defTabSz="914400" rtl="0" eaLnBrk="1" latinLnBrk="0" hangingPunct="1">
-              <a:lnSpc>
-                <a:spcPct val="90000"/>
-              </a:lnSpc>
-              <a:spcBef>
-                <a:spcPts val="500"/>
-              </a:spcBef>
-              <a:buFont typeface="Arial" panose="020B0604020202020204" pitchFamily="34" charset="0"/>
-              <a:buChar char="•"/>
-              <a:defRPr sz="2000" kern="1200">
-                <a:solidFill>
-                  <a:schemeClr val="tx1"/>
-                </a:solidFill>
-                <a:latin typeface="+mn-lt"/>
-                <a:ea typeface="+mn-ea"/>
-                <a:cs typeface="+mn-cs"/>
-              </a:defRPr>
-            </a:lvl3pPr>
-            <a:lvl4pPr marL="1600200" indent="-228600" algn="l" defTabSz="914400" rtl="0" eaLnBrk="1" latinLnBrk="0" hangingPunct="1">
-              <a:lnSpc>
-                <a:spcPct val="90000"/>
-              </a:lnSpc>
-              <a:spcBef>
-                <a:spcPts val="500"/>
-              </a:spcBef>
-              <a:buFont typeface="Arial" panose="020B0604020202020204" pitchFamily="34" charset="0"/>
-              <a:buChar char="•"/>
-              <a:defRPr sz="1800" kern="1200">
-                <a:solidFill>
-                  <a:schemeClr val="tx1"/>
-                </a:solidFill>
-                <a:latin typeface="+mn-lt"/>
-                <a:ea typeface="+mn-ea"/>
-                <a:cs typeface="+mn-cs"/>
-              </a:defRPr>
-            </a:lvl4pPr>
-            <a:lvl5pPr marL="2057400" indent="-228600" algn="l" defTabSz="914400" rtl="0" eaLnBrk="1" latinLnBrk="0" hangingPunct="1">
-              <a:lnSpc>
-                <a:spcPct val="90000"/>
-              </a:lnSpc>
-              <a:spcBef>
-                <a:spcPts val="500"/>
-              </a:spcBef>
-              <a:buFont typeface="Arial" panose="020B0604020202020204" pitchFamily="34" charset="0"/>
-              <a:buChar char="•"/>
-              <a:defRPr sz="1800" kern="1200">
-                <a:solidFill>
-                  <a:schemeClr val="tx1"/>
-                </a:solidFill>
-                <a:latin typeface="+mn-lt"/>
-                <a:ea typeface="+mn-ea"/>
-                <a:cs typeface="+mn-cs"/>
-              </a:defRPr>
-            </a:lvl5pPr>
-            <a:lvl6pPr marL="2514600" indent="-228600" algn="l" defTabSz="914400" rtl="0" eaLnBrk="1" latinLnBrk="0" hangingPunct="1">
-              <a:lnSpc>
-                <a:spcPct val="90000"/>
-              </a:lnSpc>
-              <a:spcBef>
-                <a:spcPts val="500"/>
-              </a:spcBef>
-              <a:buFont typeface="Arial" panose="020B0604020202020204" pitchFamily="34" charset="0"/>
-              <a:buChar char="•"/>
-              <a:defRPr sz="1800" kern="1200">
-                <a:solidFill>
-                  <a:schemeClr val="tx1"/>
-                </a:solidFill>
-                <a:latin typeface="+mn-lt"/>
-                <a:ea typeface="+mn-ea"/>
-                <a:cs typeface="+mn-cs"/>
-              </a:defRPr>
-            </a:lvl6pPr>
-            <a:lvl7pPr marL="2971800" indent="-228600" algn="l" defTabSz="914400" rtl="0" eaLnBrk="1" latinLnBrk="0" hangingPunct="1">
-              <a:lnSpc>
-                <a:spcPct val="90000"/>
-              </a:lnSpc>
-              <a:spcBef>
-                <a:spcPts val="500"/>
-              </a:spcBef>
-              <a:buFont typeface="Arial" panose="020B0604020202020204" pitchFamily="34" charset="0"/>
-              <a:buChar char="•"/>
-              <a:defRPr sz="1800" kern="1200">
-                <a:solidFill>
-                  <a:schemeClr val="tx1"/>
-                </a:solidFill>
-                <a:latin typeface="+mn-lt"/>
-                <a:ea typeface="+mn-ea"/>
-                <a:cs typeface="+mn-cs"/>
-              </a:defRPr>
-            </a:lvl7pPr>
-            <a:lvl8pPr marL="3429000" indent="-228600" algn="l" defTabSz="914400" rtl="0" eaLnBrk="1" latinLnBrk="0" hangingPunct="1">
-              <a:lnSpc>
-                <a:spcPct val="90000"/>
-              </a:lnSpc>
-              <a:spcBef>
-                <a:spcPts val="500"/>
-              </a:spcBef>
-              <a:buFont typeface="Arial" panose="020B0604020202020204" pitchFamily="34" charset="0"/>
-              <a:buChar char="•"/>
-              <a:defRPr sz="1800" kern="1200">
-                <a:solidFill>
-                  <a:schemeClr val="tx1"/>
-                </a:solidFill>
-                <a:latin typeface="+mn-lt"/>
-                <a:ea typeface="+mn-ea"/>
-                <a:cs typeface="+mn-cs"/>
-              </a:defRPr>
-            </a:lvl8pPr>
-            <a:lvl9pPr marL="3886200" indent="-228600" algn="l" defTabSz="914400" rtl="0" eaLnBrk="1" latinLnBrk="0" hangingPunct="1">
-              <a:lnSpc>
-                <a:spcPct val="90000"/>
-              </a:lnSpc>
-              <a:spcBef>
-                <a:spcPts val="500"/>
-              </a:spcBef>
-              <a:buFont typeface="Arial" panose="020B0604020202020204" pitchFamily="34" charset="0"/>
-              <a:buChar char="•"/>
-              <a:defRPr sz="1800" kern="1200">
-                <a:solidFill>
-                  <a:schemeClr val="tx1"/>
-                </a:solidFill>
-                <a:latin typeface="+mn-lt"/>
-                <a:ea typeface="+mn-ea"/>
-                <a:cs typeface="+mn-cs"/>
-              </a:defRPr>
-            </a:lvl9pPr>
-          </a:lstStyle>
-          <a:p>
-            <a:pPr marL="0" indent="0">
-              <a:lnSpc>
-                <a:spcPct val="100000"/>
-              </a:lnSpc>
-              <a:buNone/>
-            </a:pPr>
-            <a:r>
-              <a:rPr lang="en-GB" sz="1400" dirty="0" err="1">
-                <a:latin typeface="DejaVu Sans Book" panose="020B0603030804020204" pitchFamily="34" charset="0"/>
-                <a:ea typeface="DejaVu Sans Book" panose="020B0603030804020204" pitchFamily="34" charset="0"/>
-                <a:cs typeface="DejaVu Sans Book" panose="020B0603030804020204" pitchFamily="34" charset="0"/>
-              </a:rPr>
-              <a:t>exp</a:t>
-            </a:r>
-            <a:r>
-              <a:rPr lang="en-GB" sz="1400" dirty="0">
-                <a:latin typeface="DejaVu Sans Book" panose="020B0603030804020204" pitchFamily="34" charset="0"/>
-                <a:ea typeface="DejaVu Sans Book" panose="020B0603030804020204" pitchFamily="34" charset="0"/>
-                <a:cs typeface="DejaVu Sans Book" panose="020B0603030804020204" pitchFamily="34" charset="0"/>
-              </a:rPr>
-              <a:t> 0.0</a:t>
-            </a:r>
-          </a:p>
-          <a:p>
-            <a:pPr marL="0" indent="0">
-              <a:lnSpc>
-                <a:spcPct val="100000"/>
-              </a:lnSpc>
-              <a:buNone/>
-            </a:pPr>
-            <a:r>
-              <a:rPr lang="en-GB" sz="1400" dirty="0" err="1">
-                <a:latin typeface="DejaVu Sans Book" panose="020B0603030804020204" pitchFamily="34" charset="0"/>
-                <a:ea typeface="DejaVu Sans Book" panose="020B0603030804020204" pitchFamily="34" charset="0"/>
-                <a:cs typeface="DejaVu Sans Book" panose="020B0603030804020204" pitchFamily="34" charset="0"/>
-              </a:rPr>
-              <a:t>exp</a:t>
-            </a:r>
-            <a:r>
-              <a:rPr lang="en-GB" sz="1400" dirty="0">
-                <a:latin typeface="DejaVu Sans Book" panose="020B0603030804020204" pitchFamily="34" charset="0"/>
-                <a:ea typeface="DejaVu Sans Book" panose="020B0603030804020204" pitchFamily="34" charset="0"/>
-                <a:cs typeface="DejaVu Sans Book" panose="020B0603030804020204" pitchFamily="34" charset="0"/>
-              </a:rPr>
-              <a:t> 1.0</a:t>
-            </a:r>
-          </a:p>
-          <a:p>
-            <a:pPr marL="0" indent="0">
-              <a:lnSpc>
-                <a:spcPct val="100000"/>
-              </a:lnSpc>
-              <a:buNone/>
-            </a:pPr>
-            <a:r>
-              <a:rPr lang="en-GB" sz="1400" dirty="0" err="1">
-                <a:latin typeface="DejaVu Sans Book" panose="020B0603030804020204" pitchFamily="34" charset="0"/>
-                <a:ea typeface="DejaVu Sans Book" panose="020B0603030804020204" pitchFamily="34" charset="0"/>
-                <a:cs typeface="DejaVu Sans Book" panose="020B0603030804020204" pitchFamily="34" charset="0"/>
-              </a:rPr>
-              <a:t>exp</a:t>
-            </a:r>
-            <a:r>
-              <a:rPr lang="en-GB" sz="1400" dirty="0">
-                <a:latin typeface="DejaVu Sans Book" panose="020B0603030804020204" pitchFamily="34" charset="0"/>
-                <a:ea typeface="DejaVu Sans Book" panose="020B0603030804020204" pitchFamily="34" charset="0"/>
-                <a:cs typeface="DejaVu Sans Book" panose="020B0603030804020204" pitchFamily="34" charset="0"/>
-              </a:rPr>
-              <a:t> 0.0 + 1.0</a:t>
-            </a:r>
-          </a:p>
-          <a:p>
-            <a:pPr marL="0" indent="0">
-              <a:lnSpc>
-                <a:spcPct val="100000"/>
-              </a:lnSpc>
-              <a:buNone/>
-            </a:pPr>
-            <a:r>
-              <a:rPr lang="en-GB" sz="1400" u="sng" dirty="0">
-                <a:latin typeface="DejaVu Sans Book" panose="020B0603030804020204" pitchFamily="34" charset="0"/>
-                <a:ea typeface="DejaVu Sans Book" panose="020B0603030804020204" pitchFamily="34" charset="0"/>
-                <a:cs typeface="DejaVu Sans Book" panose="020B0603030804020204" pitchFamily="34" charset="0"/>
-              </a:rPr>
-              <a:t>2.0 ** 3.0 ** 4.0</a:t>
-            </a:r>
-          </a:p>
-          <a:p>
-            <a:pPr marL="0" indent="0">
-              <a:lnSpc>
-                <a:spcPct val="100000"/>
-              </a:lnSpc>
-              <a:buNone/>
-            </a:pPr>
-            <a:r>
-              <a:rPr lang="en-GB" sz="1400" u="sng" dirty="0">
-                <a:latin typeface="DejaVu Sans Book" panose="020B0603030804020204" pitchFamily="34" charset="0"/>
-                <a:ea typeface="DejaVu Sans Book" panose="020B0603030804020204" pitchFamily="34" charset="0"/>
-                <a:cs typeface="DejaVu Sans Book" panose="020B0603030804020204" pitchFamily="34" charset="0"/>
-              </a:rPr>
-              <a:t>2.0 / 3.0 / 4.0</a:t>
-            </a:r>
-          </a:p>
-        </p:txBody>
-      </p:sp>
-      <p:sp>
-        <p:nvSpPr>
-          <p:cNvPr id="5" name="Content Placeholder 2">
-            <a:extLst>
-              <a:ext uri="{FF2B5EF4-FFF2-40B4-BE49-F238E27FC236}">
-                <a16:creationId xmlns:a16="http://schemas.microsoft.com/office/drawing/2014/main" id="{74FB4E8C-854A-1A44-B8DC-7EBB5C6FCF31}"/>
-              </a:ext>
-            </a:extLst>
-          </p:cNvPr>
-          <p:cNvSpPr txBox="1">
-            <a:spLocks/>
-          </p:cNvSpPr>
-          <p:nvPr/>
-        </p:nvSpPr>
-        <p:spPr>
-          <a:xfrm>
-            <a:off x="5612677" y="2448343"/>
-            <a:ext cx="2740914" cy="3373392"/>
-          </a:xfrm>
-          <a:prstGeom prst="rect">
-            <a:avLst/>
-          </a:prstGeom>
-        </p:spPr>
-        <p:txBody>
-          <a:bodyPr vert="horz" lIns="91440" tIns="45720" rIns="91440" bIns="45720" rtlCol="0">
-            <a:normAutofit/>
-          </a:bodyPr>
-          <a:lstStyle>
-            <a:lvl1pPr marL="228600" indent="-228600" algn="l" defTabSz="914400" rtl="0" eaLnBrk="1" latinLnBrk="0" hangingPunct="1">
-              <a:lnSpc>
-                <a:spcPct val="90000"/>
-              </a:lnSpc>
-              <a:spcBef>
-                <a:spcPts val="1000"/>
-              </a:spcBef>
-              <a:buFont typeface="Arial" panose="020B0604020202020204" pitchFamily="34" charset="0"/>
-              <a:buChar char="•"/>
-              <a:defRPr sz="2800" kern="1200">
-                <a:solidFill>
-                  <a:schemeClr val="tx1"/>
-                </a:solidFill>
-                <a:latin typeface="+mn-lt"/>
-                <a:ea typeface="+mn-ea"/>
-                <a:cs typeface="+mn-cs"/>
-              </a:defRPr>
-            </a:lvl1pPr>
-            <a:lvl2pPr marL="685800" indent="-228600" algn="l" defTabSz="914400" rtl="0" eaLnBrk="1" latinLnBrk="0" hangingPunct="1">
-              <a:lnSpc>
-                <a:spcPct val="90000"/>
-              </a:lnSpc>
-              <a:spcBef>
-                <a:spcPts val="500"/>
-              </a:spcBef>
-              <a:buFont typeface="Arial" panose="020B0604020202020204" pitchFamily="34" charset="0"/>
-              <a:buChar char="•"/>
-              <a:defRPr sz="2400" kern="1200">
-                <a:solidFill>
-                  <a:schemeClr val="tx1"/>
-                </a:solidFill>
-                <a:latin typeface="+mn-lt"/>
-                <a:ea typeface="+mn-ea"/>
-                <a:cs typeface="+mn-cs"/>
-              </a:defRPr>
-            </a:lvl2pPr>
-            <a:lvl3pPr marL="1143000" indent="-228600" algn="l" defTabSz="914400" rtl="0" eaLnBrk="1" latinLnBrk="0" hangingPunct="1">
-              <a:lnSpc>
-                <a:spcPct val="90000"/>
-              </a:lnSpc>
-              <a:spcBef>
-                <a:spcPts val="500"/>
-              </a:spcBef>
-              <a:buFont typeface="Arial" panose="020B0604020202020204" pitchFamily="34" charset="0"/>
-              <a:buChar char="•"/>
-              <a:defRPr sz="2000" kern="1200">
-                <a:solidFill>
-                  <a:schemeClr val="tx1"/>
-                </a:solidFill>
-                <a:latin typeface="+mn-lt"/>
-                <a:ea typeface="+mn-ea"/>
-                <a:cs typeface="+mn-cs"/>
-              </a:defRPr>
-            </a:lvl3pPr>
-            <a:lvl4pPr marL="1600200" indent="-228600" algn="l" defTabSz="914400" rtl="0" eaLnBrk="1" latinLnBrk="0" hangingPunct="1">
-              <a:lnSpc>
-                <a:spcPct val="90000"/>
-              </a:lnSpc>
-              <a:spcBef>
-                <a:spcPts val="500"/>
-              </a:spcBef>
-              <a:buFont typeface="Arial" panose="020B0604020202020204" pitchFamily="34" charset="0"/>
-              <a:buChar char="•"/>
-              <a:defRPr sz="1800" kern="1200">
-                <a:solidFill>
-                  <a:schemeClr val="tx1"/>
-                </a:solidFill>
-                <a:latin typeface="+mn-lt"/>
-                <a:ea typeface="+mn-ea"/>
-                <a:cs typeface="+mn-cs"/>
-              </a:defRPr>
-            </a:lvl4pPr>
-            <a:lvl5pPr marL="2057400" indent="-228600" algn="l" defTabSz="914400" rtl="0" eaLnBrk="1" latinLnBrk="0" hangingPunct="1">
-              <a:lnSpc>
-                <a:spcPct val="90000"/>
-              </a:lnSpc>
-              <a:spcBef>
-                <a:spcPts val="500"/>
-              </a:spcBef>
-              <a:buFont typeface="Arial" panose="020B0604020202020204" pitchFamily="34" charset="0"/>
-              <a:buChar char="•"/>
-              <a:defRPr sz="1800" kern="1200">
-                <a:solidFill>
-                  <a:schemeClr val="tx1"/>
-                </a:solidFill>
-                <a:latin typeface="+mn-lt"/>
-                <a:ea typeface="+mn-ea"/>
-                <a:cs typeface="+mn-cs"/>
-              </a:defRPr>
-            </a:lvl5pPr>
-            <a:lvl6pPr marL="2514600" indent="-228600" algn="l" defTabSz="914400" rtl="0" eaLnBrk="1" latinLnBrk="0" hangingPunct="1">
-              <a:lnSpc>
-                <a:spcPct val="90000"/>
-              </a:lnSpc>
-              <a:spcBef>
-                <a:spcPts val="500"/>
-              </a:spcBef>
-              <a:buFont typeface="Arial" panose="020B0604020202020204" pitchFamily="34" charset="0"/>
-              <a:buChar char="•"/>
-              <a:defRPr sz="1800" kern="1200">
-                <a:solidFill>
-                  <a:schemeClr val="tx1"/>
-                </a:solidFill>
-                <a:latin typeface="+mn-lt"/>
-                <a:ea typeface="+mn-ea"/>
-                <a:cs typeface="+mn-cs"/>
-              </a:defRPr>
-            </a:lvl6pPr>
-            <a:lvl7pPr marL="2971800" indent="-228600" algn="l" defTabSz="914400" rtl="0" eaLnBrk="1" latinLnBrk="0" hangingPunct="1">
-              <a:lnSpc>
-                <a:spcPct val="90000"/>
-              </a:lnSpc>
-              <a:spcBef>
-                <a:spcPts val="500"/>
-              </a:spcBef>
-              <a:buFont typeface="Arial" panose="020B0604020202020204" pitchFamily="34" charset="0"/>
-              <a:buChar char="•"/>
-              <a:defRPr sz="1800" kern="1200">
-                <a:solidFill>
-                  <a:schemeClr val="tx1"/>
-                </a:solidFill>
-                <a:latin typeface="+mn-lt"/>
-                <a:ea typeface="+mn-ea"/>
-                <a:cs typeface="+mn-cs"/>
-              </a:defRPr>
-            </a:lvl7pPr>
-            <a:lvl8pPr marL="3429000" indent="-228600" algn="l" defTabSz="914400" rtl="0" eaLnBrk="1" latinLnBrk="0" hangingPunct="1">
-              <a:lnSpc>
-                <a:spcPct val="90000"/>
-              </a:lnSpc>
-              <a:spcBef>
-                <a:spcPts val="500"/>
-              </a:spcBef>
-              <a:buFont typeface="Arial" panose="020B0604020202020204" pitchFamily="34" charset="0"/>
-              <a:buChar char="•"/>
-              <a:defRPr sz="1800" kern="1200">
-                <a:solidFill>
-                  <a:schemeClr val="tx1"/>
-                </a:solidFill>
-                <a:latin typeface="+mn-lt"/>
-                <a:ea typeface="+mn-ea"/>
-                <a:cs typeface="+mn-cs"/>
-              </a:defRPr>
-            </a:lvl8pPr>
-            <a:lvl9pPr marL="3886200" indent="-228600" algn="l" defTabSz="914400" rtl="0" eaLnBrk="1" latinLnBrk="0" hangingPunct="1">
-              <a:lnSpc>
-                <a:spcPct val="90000"/>
-              </a:lnSpc>
-              <a:spcBef>
-                <a:spcPts val="500"/>
-              </a:spcBef>
-              <a:buFont typeface="Arial" panose="020B0604020202020204" pitchFamily="34" charset="0"/>
-              <a:buChar char="•"/>
-              <a:defRPr sz="1800" kern="1200">
-                <a:solidFill>
-                  <a:schemeClr val="tx1"/>
-                </a:solidFill>
-                <a:latin typeface="+mn-lt"/>
-                <a:ea typeface="+mn-ea"/>
-                <a:cs typeface="+mn-cs"/>
-              </a:defRPr>
-            </a:lvl9pPr>
-          </a:lstStyle>
-          <a:p>
-            <a:pPr marL="0" indent="0">
-              <a:lnSpc>
-                <a:spcPct val="100000"/>
-              </a:lnSpc>
-              <a:buNone/>
-            </a:pPr>
-            <a:r>
-              <a:rPr lang="en-GB" sz="1400" dirty="0">
-                <a:latin typeface="DejaVu Sans Book" panose="020B0603030804020204" pitchFamily="34" charset="0"/>
-                <a:ea typeface="DejaVu Sans Book" panose="020B0603030804020204" pitchFamily="34" charset="0"/>
-                <a:cs typeface="DejaVu Sans Book" panose="020B0603030804020204" pitchFamily="34" charset="0"/>
-              </a:rPr>
-              <a:t>float 3</a:t>
-            </a:r>
-          </a:p>
-          <a:p>
-            <a:pPr marL="0" indent="0">
-              <a:lnSpc>
-                <a:spcPct val="100000"/>
-              </a:lnSpc>
-              <a:buNone/>
-            </a:pPr>
-            <a:r>
-              <a:rPr lang="en-GB" sz="1400" dirty="0" err="1">
-                <a:latin typeface="DejaVu Sans Book" panose="020B0603030804020204" pitchFamily="34" charset="0"/>
-                <a:ea typeface="DejaVu Sans Book" panose="020B0603030804020204" pitchFamily="34" charset="0"/>
-                <a:cs typeface="DejaVu Sans Book" panose="020B0603030804020204" pitchFamily="34" charset="0"/>
-              </a:rPr>
-              <a:t>int</a:t>
-            </a:r>
-            <a:r>
-              <a:rPr lang="en-GB" sz="1400" dirty="0">
-                <a:latin typeface="DejaVu Sans Book" panose="020B0603030804020204" pitchFamily="34" charset="0"/>
-                <a:ea typeface="DejaVu Sans Book" panose="020B0603030804020204" pitchFamily="34" charset="0"/>
-                <a:cs typeface="DejaVu Sans Book" panose="020B0603030804020204" pitchFamily="34" charset="0"/>
-              </a:rPr>
-              <a:t> 3.2</a:t>
-            </a:r>
-          </a:p>
-          <a:p>
-            <a:pPr marL="0" indent="0">
-              <a:lnSpc>
-                <a:spcPct val="100000"/>
-              </a:lnSpc>
-              <a:buNone/>
-            </a:pPr>
-            <a:r>
-              <a:rPr lang="en-GB" sz="1400" dirty="0" err="1">
-                <a:latin typeface="DejaVu Sans Book" panose="020B0603030804020204" pitchFamily="34" charset="0"/>
-                <a:ea typeface="DejaVu Sans Book" panose="020B0603030804020204" pitchFamily="34" charset="0"/>
-                <a:cs typeface="DejaVu Sans Book" panose="020B0603030804020204" pitchFamily="34" charset="0"/>
-              </a:rPr>
-              <a:t>int</a:t>
-            </a:r>
-            <a:r>
-              <a:rPr lang="en-GB" sz="1400" dirty="0">
-                <a:latin typeface="DejaVu Sans Book" panose="020B0603030804020204" pitchFamily="34" charset="0"/>
-                <a:ea typeface="DejaVu Sans Book" panose="020B0603030804020204" pitchFamily="34" charset="0"/>
-                <a:cs typeface="DejaVu Sans Book" panose="020B0603030804020204" pitchFamily="34" charset="0"/>
-              </a:rPr>
-              <a:t> 3.6</a:t>
-            </a:r>
-          </a:p>
-          <a:p>
-            <a:pPr marL="0" indent="0">
-              <a:lnSpc>
-                <a:spcPct val="100000"/>
-              </a:lnSpc>
-              <a:buNone/>
-            </a:pPr>
-            <a:r>
-              <a:rPr lang="en-GB" sz="1400" u="sng" dirty="0" err="1">
-                <a:latin typeface="DejaVu Sans Book" panose="020B0603030804020204" pitchFamily="34" charset="0"/>
-                <a:ea typeface="DejaVu Sans Book" panose="020B0603030804020204" pitchFamily="34" charset="0"/>
-                <a:cs typeface="DejaVu Sans Book" panose="020B0603030804020204" pitchFamily="34" charset="0"/>
-              </a:rPr>
-              <a:t>int</a:t>
-            </a:r>
-            <a:r>
-              <a:rPr lang="en-GB" sz="1400" u="sng" dirty="0">
-                <a:latin typeface="DejaVu Sans Book" panose="020B0603030804020204" pitchFamily="34" charset="0"/>
-                <a:ea typeface="DejaVu Sans Book" panose="020B0603030804020204" pitchFamily="34" charset="0"/>
-                <a:cs typeface="DejaVu Sans Book" panose="020B0603030804020204" pitchFamily="34" charset="0"/>
-              </a:rPr>
-              <a:t> (3.2 + 0.5)</a:t>
-            </a:r>
-          </a:p>
-          <a:p>
-            <a:pPr marL="0" indent="0">
-              <a:lnSpc>
-                <a:spcPct val="100000"/>
-              </a:lnSpc>
-              <a:buNone/>
-            </a:pPr>
-            <a:r>
-              <a:rPr lang="en-GB" sz="1400" u="sng" dirty="0" err="1">
-                <a:latin typeface="DejaVu Sans Book" panose="020B0603030804020204" pitchFamily="34" charset="0"/>
-                <a:ea typeface="DejaVu Sans Book" panose="020B0603030804020204" pitchFamily="34" charset="0"/>
-                <a:cs typeface="DejaVu Sans Book" panose="020B0603030804020204" pitchFamily="34" charset="0"/>
-              </a:rPr>
-              <a:t>int</a:t>
-            </a:r>
-            <a:r>
-              <a:rPr lang="en-GB" sz="1400" u="sng" dirty="0">
-                <a:latin typeface="DejaVu Sans Book" panose="020B0603030804020204" pitchFamily="34" charset="0"/>
-                <a:ea typeface="DejaVu Sans Book" panose="020B0603030804020204" pitchFamily="34" charset="0"/>
-                <a:cs typeface="DejaVu Sans Book" panose="020B0603030804020204" pitchFamily="34" charset="0"/>
-              </a:rPr>
-              <a:t> (3.6 + 0.5)</a:t>
-            </a:r>
-          </a:p>
-          <a:p>
-            <a:pPr marL="0" indent="0">
-              <a:lnSpc>
-                <a:spcPct val="100000"/>
-              </a:lnSpc>
-              <a:buNone/>
-            </a:pPr>
-            <a:r>
-              <a:rPr lang="en-GB" sz="1400" dirty="0" err="1">
-                <a:latin typeface="DejaVu Sans Book" panose="020B0603030804020204" pitchFamily="34" charset="0"/>
-                <a:ea typeface="DejaVu Sans Book" panose="020B0603030804020204" pitchFamily="34" charset="0"/>
-                <a:cs typeface="DejaVu Sans Book" panose="020B0603030804020204" pitchFamily="34" charset="0"/>
-              </a:rPr>
-              <a:t>int</a:t>
-            </a:r>
-            <a:r>
-              <a:rPr lang="en-GB" sz="1400" dirty="0">
-                <a:latin typeface="DejaVu Sans Book" panose="020B0603030804020204" pitchFamily="34" charset="0"/>
-                <a:ea typeface="DejaVu Sans Book" panose="020B0603030804020204" pitchFamily="34" charset="0"/>
-                <a:cs typeface="DejaVu Sans Book" panose="020B0603030804020204" pitchFamily="34" charset="0"/>
-              </a:rPr>
-              <a:t> 'a'</a:t>
-            </a:r>
-          </a:p>
-          <a:p>
-            <a:pPr marL="0" indent="0">
-              <a:lnSpc>
-                <a:spcPct val="100000"/>
-              </a:lnSpc>
-              <a:buNone/>
-            </a:pPr>
-            <a:r>
-              <a:rPr lang="en-GB" sz="1400" dirty="0" err="1">
-                <a:latin typeface="DejaVu Sans Book" panose="020B0603030804020204" pitchFamily="34" charset="0"/>
-                <a:ea typeface="DejaVu Sans Book" panose="020B0603030804020204" pitchFamily="34" charset="0"/>
-                <a:cs typeface="DejaVu Sans Book" panose="020B0603030804020204" pitchFamily="34" charset="0"/>
-              </a:rPr>
-              <a:t>int</a:t>
-            </a:r>
-            <a:r>
-              <a:rPr lang="en-GB" sz="1400" dirty="0">
-                <a:latin typeface="DejaVu Sans Book" panose="020B0603030804020204" pitchFamily="34" charset="0"/>
-                <a:ea typeface="DejaVu Sans Book" panose="020B0603030804020204" pitchFamily="34" charset="0"/>
-                <a:cs typeface="DejaVu Sans Book" panose="020B0603030804020204" pitchFamily="34" charset="0"/>
-              </a:rPr>
-              <a:t> 'A'</a:t>
-            </a:r>
-          </a:p>
-          <a:p>
-            <a:pPr marL="0" indent="0">
-              <a:lnSpc>
-                <a:spcPct val="100000"/>
-              </a:lnSpc>
-              <a:buNone/>
-            </a:pPr>
-            <a:r>
-              <a:rPr lang="en-GB" sz="1400" dirty="0">
-                <a:latin typeface="DejaVu Sans Book" panose="020B0603030804020204" pitchFamily="34" charset="0"/>
-                <a:ea typeface="DejaVu Sans Book" panose="020B0603030804020204" pitchFamily="34" charset="0"/>
-                <a:cs typeface="DejaVu Sans Book" panose="020B0603030804020204" pitchFamily="34" charset="0"/>
-              </a:rPr>
-              <a:t>char 65</a:t>
-            </a:r>
-          </a:p>
-          <a:p>
-            <a:pPr marL="0" indent="0">
-              <a:lnSpc>
-                <a:spcPct val="100000"/>
-              </a:lnSpc>
-              <a:buNone/>
-            </a:pPr>
-            <a:r>
-              <a:rPr lang="en-GB" sz="1400" dirty="0">
-                <a:latin typeface="DejaVu Sans Book" panose="020B0603030804020204" pitchFamily="34" charset="0"/>
-                <a:ea typeface="DejaVu Sans Book" panose="020B0603030804020204" pitchFamily="34" charset="0"/>
-                <a:cs typeface="DejaVu Sans Book" panose="020B0603030804020204" pitchFamily="34" charset="0"/>
-              </a:rPr>
-              <a:t>char (</a:t>
-            </a:r>
-            <a:r>
-              <a:rPr lang="en-GB" sz="1400" dirty="0" err="1">
-                <a:latin typeface="DejaVu Sans Book" panose="020B0603030804020204" pitchFamily="34" charset="0"/>
-                <a:ea typeface="DejaVu Sans Book" panose="020B0603030804020204" pitchFamily="34" charset="0"/>
-                <a:cs typeface="DejaVu Sans Book" panose="020B0603030804020204" pitchFamily="34" charset="0"/>
-              </a:rPr>
-              <a:t>int</a:t>
-            </a:r>
-            <a:r>
-              <a:rPr lang="en-GB" sz="1400" dirty="0">
-                <a:latin typeface="DejaVu Sans Book" panose="020B0603030804020204" pitchFamily="34" charset="0"/>
-                <a:ea typeface="DejaVu Sans Book" panose="020B0603030804020204" pitchFamily="34" charset="0"/>
-                <a:cs typeface="DejaVu Sans Book" panose="020B0603030804020204" pitchFamily="34" charset="0"/>
-              </a:rPr>
-              <a:t> 'c' - </a:t>
-            </a:r>
-            <a:r>
-              <a:rPr lang="en-GB" sz="1400" dirty="0" err="1">
-                <a:latin typeface="DejaVu Sans Book" panose="020B0603030804020204" pitchFamily="34" charset="0"/>
-                <a:ea typeface="DejaVu Sans Book" panose="020B0603030804020204" pitchFamily="34" charset="0"/>
-                <a:cs typeface="DejaVu Sans Book" panose="020B0603030804020204" pitchFamily="34" charset="0"/>
-              </a:rPr>
-              <a:t>int</a:t>
-            </a:r>
-            <a:r>
-              <a:rPr lang="en-GB" sz="1400" dirty="0">
-                <a:latin typeface="DejaVu Sans Book" panose="020B0603030804020204" pitchFamily="34" charset="0"/>
-                <a:ea typeface="DejaVu Sans Book" panose="020B0603030804020204" pitchFamily="34" charset="0"/>
-                <a:cs typeface="DejaVu Sans Book" panose="020B0603030804020204" pitchFamily="34" charset="0"/>
-              </a:rPr>
-              <a:t> 'a' + </a:t>
-            </a:r>
-            <a:r>
-              <a:rPr lang="en-GB" sz="1400" dirty="0" err="1">
-                <a:latin typeface="DejaVu Sans Book" panose="020B0603030804020204" pitchFamily="34" charset="0"/>
-                <a:ea typeface="DejaVu Sans Book" panose="020B0603030804020204" pitchFamily="34" charset="0"/>
-                <a:cs typeface="DejaVu Sans Book" panose="020B0603030804020204" pitchFamily="34" charset="0"/>
-              </a:rPr>
-              <a:t>int</a:t>
-            </a:r>
-            <a:r>
-              <a:rPr lang="en-GB" sz="1400" dirty="0">
-                <a:latin typeface="DejaVu Sans Book" panose="020B0603030804020204" pitchFamily="34" charset="0"/>
-                <a:ea typeface="DejaVu Sans Book" panose="020B0603030804020204" pitchFamily="34" charset="0"/>
-                <a:cs typeface="DejaVu Sans Book" panose="020B0603030804020204" pitchFamily="34" charset="0"/>
-              </a:rPr>
-              <a:t> 'A')</a:t>
-            </a:r>
-          </a:p>
-        </p:txBody>
-      </p:sp>
-      <p:sp>
-        <p:nvSpPr>
-          <p:cNvPr id="6" name="Content Placeholder 2">
-            <a:extLst>
-              <a:ext uri="{FF2B5EF4-FFF2-40B4-BE49-F238E27FC236}">
-                <a16:creationId xmlns:a16="http://schemas.microsoft.com/office/drawing/2014/main" id="{BEAFB9E9-7E5C-E84B-84B5-3F813D7396C1}"/>
-              </a:ext>
-            </a:extLst>
-          </p:cNvPr>
-          <p:cNvSpPr txBox="1">
-            <a:spLocks/>
-          </p:cNvSpPr>
-          <p:nvPr/>
-        </p:nvSpPr>
-        <p:spPr>
-          <a:xfrm>
-            <a:off x="8483242" y="2448343"/>
-            <a:ext cx="2870563" cy="3373392"/>
-          </a:xfrm>
-          <a:prstGeom prst="rect">
-            <a:avLst/>
-          </a:prstGeom>
-        </p:spPr>
-        <p:txBody>
-          <a:bodyPr vert="horz" lIns="91440" tIns="45720" rIns="91440" bIns="45720" rtlCol="0">
-            <a:normAutofit/>
-          </a:bodyPr>
-          <a:lstStyle>
-            <a:lvl1pPr marL="228600" indent="-228600" algn="l" defTabSz="914400" rtl="0" eaLnBrk="1" latinLnBrk="0" hangingPunct="1">
-              <a:lnSpc>
-                <a:spcPct val="90000"/>
-              </a:lnSpc>
-              <a:spcBef>
-                <a:spcPts val="1000"/>
-              </a:spcBef>
-              <a:buFont typeface="Arial" panose="020B0604020202020204" pitchFamily="34" charset="0"/>
-              <a:buChar char="•"/>
-              <a:defRPr sz="2800" kern="1200">
-                <a:solidFill>
-                  <a:schemeClr val="tx1"/>
-                </a:solidFill>
-                <a:latin typeface="+mn-lt"/>
-                <a:ea typeface="+mn-ea"/>
-                <a:cs typeface="+mn-cs"/>
-              </a:defRPr>
-            </a:lvl1pPr>
-            <a:lvl2pPr marL="685800" indent="-228600" algn="l" defTabSz="914400" rtl="0" eaLnBrk="1" latinLnBrk="0" hangingPunct="1">
-              <a:lnSpc>
-                <a:spcPct val="90000"/>
-              </a:lnSpc>
-              <a:spcBef>
-                <a:spcPts val="500"/>
-              </a:spcBef>
-              <a:buFont typeface="Arial" panose="020B0604020202020204" pitchFamily="34" charset="0"/>
-              <a:buChar char="•"/>
-              <a:defRPr sz="2400" kern="1200">
-                <a:solidFill>
-                  <a:schemeClr val="tx1"/>
-                </a:solidFill>
-                <a:latin typeface="+mn-lt"/>
-                <a:ea typeface="+mn-ea"/>
-                <a:cs typeface="+mn-cs"/>
-              </a:defRPr>
-            </a:lvl2pPr>
-            <a:lvl3pPr marL="1143000" indent="-228600" algn="l" defTabSz="914400" rtl="0" eaLnBrk="1" latinLnBrk="0" hangingPunct="1">
-              <a:lnSpc>
-                <a:spcPct val="90000"/>
-              </a:lnSpc>
-              <a:spcBef>
-                <a:spcPts val="500"/>
-              </a:spcBef>
-              <a:buFont typeface="Arial" panose="020B0604020202020204" pitchFamily="34" charset="0"/>
-              <a:buChar char="•"/>
-              <a:defRPr sz="2000" kern="1200">
-                <a:solidFill>
-                  <a:schemeClr val="tx1"/>
-                </a:solidFill>
-                <a:latin typeface="+mn-lt"/>
-                <a:ea typeface="+mn-ea"/>
-                <a:cs typeface="+mn-cs"/>
-              </a:defRPr>
-            </a:lvl3pPr>
-            <a:lvl4pPr marL="1600200" indent="-228600" algn="l" defTabSz="914400" rtl="0" eaLnBrk="1" latinLnBrk="0" hangingPunct="1">
-              <a:lnSpc>
-                <a:spcPct val="90000"/>
-              </a:lnSpc>
-              <a:spcBef>
-                <a:spcPts val="500"/>
-              </a:spcBef>
-              <a:buFont typeface="Arial" panose="020B0604020202020204" pitchFamily="34" charset="0"/>
-              <a:buChar char="•"/>
-              <a:defRPr sz="1800" kern="1200">
-                <a:solidFill>
-                  <a:schemeClr val="tx1"/>
-                </a:solidFill>
-                <a:latin typeface="+mn-lt"/>
-                <a:ea typeface="+mn-ea"/>
-                <a:cs typeface="+mn-cs"/>
-              </a:defRPr>
-            </a:lvl4pPr>
-            <a:lvl5pPr marL="2057400" indent="-228600" algn="l" defTabSz="914400" rtl="0" eaLnBrk="1" latinLnBrk="0" hangingPunct="1">
-              <a:lnSpc>
-                <a:spcPct val="90000"/>
-              </a:lnSpc>
-              <a:spcBef>
-                <a:spcPts val="500"/>
-              </a:spcBef>
-              <a:buFont typeface="Arial" panose="020B0604020202020204" pitchFamily="34" charset="0"/>
-              <a:buChar char="•"/>
-              <a:defRPr sz="1800" kern="1200">
-                <a:solidFill>
-                  <a:schemeClr val="tx1"/>
-                </a:solidFill>
-                <a:latin typeface="+mn-lt"/>
-                <a:ea typeface="+mn-ea"/>
-                <a:cs typeface="+mn-cs"/>
-              </a:defRPr>
-            </a:lvl5pPr>
-            <a:lvl6pPr marL="2514600" indent="-228600" algn="l" defTabSz="914400" rtl="0" eaLnBrk="1" latinLnBrk="0" hangingPunct="1">
-              <a:lnSpc>
-                <a:spcPct val="90000"/>
-              </a:lnSpc>
-              <a:spcBef>
-                <a:spcPts val="500"/>
-              </a:spcBef>
-              <a:buFont typeface="Arial" panose="020B0604020202020204" pitchFamily="34" charset="0"/>
-              <a:buChar char="•"/>
-              <a:defRPr sz="1800" kern="1200">
-                <a:solidFill>
-                  <a:schemeClr val="tx1"/>
-                </a:solidFill>
-                <a:latin typeface="+mn-lt"/>
-                <a:ea typeface="+mn-ea"/>
-                <a:cs typeface="+mn-cs"/>
-              </a:defRPr>
-            </a:lvl6pPr>
-            <a:lvl7pPr marL="2971800" indent="-228600" algn="l" defTabSz="914400" rtl="0" eaLnBrk="1" latinLnBrk="0" hangingPunct="1">
-              <a:lnSpc>
-                <a:spcPct val="90000"/>
-              </a:lnSpc>
-              <a:spcBef>
-                <a:spcPts val="500"/>
-              </a:spcBef>
-              <a:buFont typeface="Arial" panose="020B0604020202020204" pitchFamily="34" charset="0"/>
-              <a:buChar char="•"/>
-              <a:defRPr sz="1800" kern="1200">
-                <a:solidFill>
-                  <a:schemeClr val="tx1"/>
-                </a:solidFill>
-                <a:latin typeface="+mn-lt"/>
-                <a:ea typeface="+mn-ea"/>
-                <a:cs typeface="+mn-cs"/>
-              </a:defRPr>
-            </a:lvl7pPr>
-            <a:lvl8pPr marL="3429000" indent="-228600" algn="l" defTabSz="914400" rtl="0" eaLnBrk="1" latinLnBrk="0" hangingPunct="1">
-              <a:lnSpc>
-                <a:spcPct val="90000"/>
-              </a:lnSpc>
-              <a:spcBef>
-                <a:spcPts val="500"/>
-              </a:spcBef>
-              <a:buFont typeface="Arial" panose="020B0604020202020204" pitchFamily="34" charset="0"/>
-              <a:buChar char="•"/>
-              <a:defRPr sz="1800" kern="1200">
-                <a:solidFill>
-                  <a:schemeClr val="tx1"/>
-                </a:solidFill>
-                <a:latin typeface="+mn-lt"/>
-                <a:ea typeface="+mn-ea"/>
-                <a:cs typeface="+mn-cs"/>
-              </a:defRPr>
-            </a:lvl8pPr>
-            <a:lvl9pPr marL="3886200" indent="-228600" algn="l" defTabSz="914400" rtl="0" eaLnBrk="1" latinLnBrk="0" hangingPunct="1">
-              <a:lnSpc>
-                <a:spcPct val="90000"/>
-              </a:lnSpc>
-              <a:spcBef>
-                <a:spcPts val="500"/>
-              </a:spcBef>
-              <a:buFont typeface="Arial" panose="020B0604020202020204" pitchFamily="34" charset="0"/>
-              <a:buChar char="•"/>
-              <a:defRPr sz="1800" kern="1200">
-                <a:solidFill>
-                  <a:schemeClr val="tx1"/>
-                </a:solidFill>
-                <a:latin typeface="+mn-lt"/>
-                <a:ea typeface="+mn-ea"/>
-                <a:cs typeface="+mn-cs"/>
-              </a:defRPr>
-            </a:lvl9pPr>
-          </a:lstStyle>
-          <a:p>
-            <a:pPr marL="0" indent="0">
-              <a:lnSpc>
-                <a:spcPct val="100000"/>
-              </a:lnSpc>
-              <a:buNone/>
-            </a:pPr>
-            <a:r>
-              <a:rPr lang="en-GB" sz="1400" dirty="0">
-                <a:latin typeface="DejaVu Sans Book" panose="020B0603030804020204" pitchFamily="34" charset="0"/>
-                <a:ea typeface="DejaVu Sans Book" panose="020B0603030804020204" pitchFamily="34" charset="0"/>
-                <a:cs typeface="DejaVu Sans Book" panose="020B0603030804020204" pitchFamily="34" charset="0"/>
-              </a:rPr>
-              <a:t>2 - 3</a:t>
-            </a:r>
-          </a:p>
-          <a:p>
-            <a:pPr marL="0" indent="0">
-              <a:lnSpc>
-                <a:spcPct val="100000"/>
-              </a:lnSpc>
-              <a:buNone/>
-            </a:pPr>
-            <a:r>
-              <a:rPr lang="en-GB" sz="1400" dirty="0">
-                <a:latin typeface="DejaVu Sans Book" panose="020B0603030804020204" pitchFamily="34" charset="0"/>
-                <a:ea typeface="DejaVu Sans Book" panose="020B0603030804020204" pitchFamily="34" charset="0"/>
-                <a:cs typeface="DejaVu Sans Book" panose="020B0603030804020204" pitchFamily="34" charset="0"/>
-              </a:rPr>
-              <a:t>-3</a:t>
-            </a:r>
-          </a:p>
-          <a:p>
-            <a:pPr marL="0" indent="0">
-              <a:lnSpc>
-                <a:spcPct val="100000"/>
-              </a:lnSpc>
-              <a:buNone/>
-            </a:pPr>
-            <a:r>
-              <a:rPr lang="en-GB" sz="1400" dirty="0">
-                <a:latin typeface="DejaVu Sans Book" panose="020B0603030804020204" pitchFamily="34" charset="0"/>
-                <a:ea typeface="DejaVu Sans Book" panose="020B0603030804020204" pitchFamily="34" charset="0"/>
-                <a:cs typeface="DejaVu Sans Book" panose="020B0603030804020204" pitchFamily="34" charset="0"/>
-              </a:rPr>
-              <a:t>char (</a:t>
-            </a:r>
-            <a:r>
-              <a:rPr lang="en-GB" sz="1400" dirty="0" err="1">
-                <a:latin typeface="DejaVu Sans Book" panose="020B0603030804020204" pitchFamily="34" charset="0"/>
-                <a:ea typeface="DejaVu Sans Book" panose="020B0603030804020204" pitchFamily="34" charset="0"/>
-                <a:cs typeface="DejaVu Sans Book" panose="020B0603030804020204" pitchFamily="34" charset="0"/>
-              </a:rPr>
-              <a:t>int</a:t>
-            </a:r>
-            <a:r>
-              <a:rPr lang="en-GB" sz="1400" dirty="0">
-                <a:latin typeface="DejaVu Sans Book" panose="020B0603030804020204" pitchFamily="34" charset="0"/>
-                <a:ea typeface="DejaVu Sans Book" panose="020B0603030804020204" pitchFamily="34" charset="0"/>
-                <a:cs typeface="DejaVu Sans Book" panose="020B0603030804020204" pitchFamily="34" charset="0"/>
-              </a:rPr>
-              <a:t> 'c' + -</a:t>
-            </a:r>
-            <a:r>
-              <a:rPr lang="en-GB" sz="1400" dirty="0" err="1">
-                <a:latin typeface="DejaVu Sans Book" panose="020B0603030804020204" pitchFamily="34" charset="0"/>
-                <a:ea typeface="DejaVu Sans Book" panose="020B0603030804020204" pitchFamily="34" charset="0"/>
-                <a:cs typeface="DejaVu Sans Book" panose="020B0603030804020204" pitchFamily="34" charset="0"/>
-              </a:rPr>
-              <a:t>int</a:t>
-            </a:r>
-            <a:r>
-              <a:rPr lang="en-GB" sz="1400" dirty="0">
-                <a:latin typeface="DejaVu Sans Book" panose="020B0603030804020204" pitchFamily="34" charset="0"/>
-                <a:ea typeface="DejaVu Sans Book" panose="020B0603030804020204" pitchFamily="34" charset="0"/>
-                <a:cs typeface="DejaVu Sans Book" panose="020B0603030804020204" pitchFamily="34" charset="0"/>
-              </a:rPr>
-              <a:t> 'a' + </a:t>
-            </a:r>
-            <a:r>
-              <a:rPr lang="en-GB" sz="1400" dirty="0" err="1">
-                <a:latin typeface="DejaVu Sans Book" panose="020B0603030804020204" pitchFamily="34" charset="0"/>
-                <a:ea typeface="DejaVu Sans Book" panose="020B0603030804020204" pitchFamily="34" charset="0"/>
-                <a:cs typeface="DejaVu Sans Book" panose="020B0603030804020204" pitchFamily="34" charset="0"/>
-              </a:rPr>
-              <a:t>int</a:t>
-            </a:r>
-            <a:r>
-              <a:rPr lang="en-GB" sz="1400" dirty="0">
-                <a:latin typeface="DejaVu Sans Book" panose="020B0603030804020204" pitchFamily="34" charset="0"/>
-                <a:ea typeface="DejaVu Sans Book" panose="020B0603030804020204" pitchFamily="34" charset="0"/>
-                <a:cs typeface="DejaVu Sans Book" panose="020B0603030804020204" pitchFamily="34" charset="0"/>
-              </a:rPr>
-              <a:t> 'A’)</a:t>
-            </a:r>
-          </a:p>
-          <a:p>
-            <a:pPr marL="0" indent="0">
-              <a:lnSpc>
-                <a:spcPct val="100000"/>
-              </a:lnSpc>
-              <a:buNone/>
-            </a:pPr>
-            <a:r>
-              <a:rPr lang="en-GB" sz="1400" u="sng" dirty="0">
-                <a:latin typeface="DejaVu Sans Book" panose="020B0603030804020204" pitchFamily="34" charset="0"/>
-                <a:ea typeface="DejaVu Sans Book" panose="020B0603030804020204" pitchFamily="34" charset="0"/>
-                <a:cs typeface="DejaVu Sans Book" panose="020B0603030804020204" pitchFamily="34" charset="0"/>
-              </a:rPr>
-              <a:t>char (</a:t>
-            </a:r>
-            <a:r>
-              <a:rPr lang="en-GB" sz="1400" u="sng" dirty="0" err="1">
-                <a:latin typeface="DejaVu Sans Book" panose="020B0603030804020204" pitchFamily="34" charset="0"/>
-                <a:ea typeface="DejaVu Sans Book" panose="020B0603030804020204" pitchFamily="34" charset="0"/>
-                <a:cs typeface="DejaVu Sans Book" panose="020B0603030804020204" pitchFamily="34" charset="0"/>
-              </a:rPr>
-              <a:t>int</a:t>
-            </a:r>
-            <a:r>
-              <a:rPr lang="en-GB" sz="1400" u="sng" dirty="0">
-                <a:latin typeface="DejaVu Sans Book" panose="020B0603030804020204" pitchFamily="34" charset="0"/>
-                <a:ea typeface="DejaVu Sans Book" panose="020B0603030804020204" pitchFamily="34" charset="0"/>
-                <a:cs typeface="DejaVu Sans Book" panose="020B0603030804020204" pitchFamily="34" charset="0"/>
-              </a:rPr>
-              <a:t> 'c’ -</a:t>
-            </a:r>
-            <a:r>
-              <a:rPr lang="en-GB" sz="1400" u="sng" dirty="0" err="1">
-                <a:latin typeface="DejaVu Sans Book" panose="020B0603030804020204" pitchFamily="34" charset="0"/>
-                <a:ea typeface="DejaVu Sans Book" panose="020B0603030804020204" pitchFamily="34" charset="0"/>
-                <a:cs typeface="DejaVu Sans Book" panose="020B0603030804020204" pitchFamily="34" charset="0"/>
-              </a:rPr>
-              <a:t>int</a:t>
-            </a:r>
-            <a:r>
-              <a:rPr lang="en-GB" sz="1400" u="sng" dirty="0">
-                <a:latin typeface="DejaVu Sans Book" panose="020B0603030804020204" pitchFamily="34" charset="0"/>
-                <a:ea typeface="DejaVu Sans Book" panose="020B0603030804020204" pitchFamily="34" charset="0"/>
-                <a:cs typeface="DejaVu Sans Book" panose="020B0603030804020204" pitchFamily="34" charset="0"/>
-              </a:rPr>
-              <a:t> 'a' + </a:t>
-            </a:r>
-            <a:r>
-              <a:rPr lang="en-GB" sz="1400" u="sng" dirty="0" err="1">
-                <a:latin typeface="DejaVu Sans Book" panose="020B0603030804020204" pitchFamily="34" charset="0"/>
-                <a:ea typeface="DejaVu Sans Book" panose="020B0603030804020204" pitchFamily="34" charset="0"/>
-                <a:cs typeface="DejaVu Sans Book" panose="020B0603030804020204" pitchFamily="34" charset="0"/>
-              </a:rPr>
-              <a:t>int</a:t>
-            </a:r>
-            <a:r>
-              <a:rPr lang="en-GB" sz="1400" u="sng" dirty="0">
-                <a:latin typeface="DejaVu Sans Book" panose="020B0603030804020204" pitchFamily="34" charset="0"/>
-                <a:ea typeface="DejaVu Sans Book" panose="020B0603030804020204" pitchFamily="34" charset="0"/>
-                <a:cs typeface="DejaVu Sans Book" panose="020B0603030804020204" pitchFamily="34" charset="0"/>
-              </a:rPr>
-              <a:t> 'A')</a:t>
-            </a:r>
-          </a:p>
-          <a:p>
-            <a:pPr marL="0" indent="0">
-              <a:lnSpc>
-                <a:spcPct val="100000"/>
-              </a:lnSpc>
-              <a:buNone/>
-            </a:pPr>
-            <a:endParaRPr lang="en-GB" sz="1400" dirty="0">
-              <a:latin typeface="DejaVu Sans Book" panose="020B0603030804020204" pitchFamily="34" charset="0"/>
-              <a:ea typeface="DejaVu Sans Book" panose="020B0603030804020204" pitchFamily="34" charset="0"/>
-              <a:cs typeface="DejaVu Sans Book" panose="020B0603030804020204" pitchFamily="34" charset="0"/>
-            </a:endParaRPr>
-          </a:p>
-        </p:txBody>
-      </p:sp>
-      <p:cxnSp>
-        <p:nvCxnSpPr>
-          <p:cNvPr id="7" name="Straight Connector 6">
-            <a:extLst>
-              <a:ext uri="{FF2B5EF4-FFF2-40B4-BE49-F238E27FC236}">
-                <a16:creationId xmlns:a16="http://schemas.microsoft.com/office/drawing/2014/main" id="{5A09C2F5-8773-5C40-80FB-890ED2D7CEF5}"/>
-              </a:ext>
-            </a:extLst>
-          </p:cNvPr>
-          <p:cNvCxnSpPr>
-            <a:cxnSpLocks/>
-          </p:cNvCxnSpPr>
-          <p:nvPr/>
-        </p:nvCxnSpPr>
-        <p:spPr>
-          <a:xfrm>
-            <a:off x="3592285" y="1850272"/>
-            <a:ext cx="0" cy="4128437"/>
-          </a:xfrm>
-          <a:prstGeom prst="line">
-            <a:avLst/>
-          </a:prstGeom>
-        </p:spPr>
-        <p:style>
-          <a:lnRef idx="1">
-            <a:schemeClr val="accent1"/>
-          </a:lnRef>
-          <a:fillRef idx="0">
-            <a:schemeClr val="accent1"/>
-          </a:fillRef>
-          <a:effectRef idx="0">
-            <a:schemeClr val="accent1"/>
-          </a:effectRef>
-          <a:fontRef idx="minor">
-            <a:schemeClr val="tx1"/>
-          </a:fontRef>
-        </p:style>
-      </p:cxnSp>
-      <p:cxnSp>
-        <p:nvCxnSpPr>
-          <p:cNvPr id="8" name="Straight Connector 7">
-            <a:extLst>
-              <a:ext uri="{FF2B5EF4-FFF2-40B4-BE49-F238E27FC236}">
-                <a16:creationId xmlns:a16="http://schemas.microsoft.com/office/drawing/2014/main" id="{C9DB7069-2F82-9A4C-9851-E87494EB8821}"/>
-              </a:ext>
-            </a:extLst>
-          </p:cNvPr>
-          <p:cNvCxnSpPr>
-            <a:cxnSpLocks/>
-          </p:cNvCxnSpPr>
-          <p:nvPr/>
-        </p:nvCxnSpPr>
-        <p:spPr>
-          <a:xfrm>
-            <a:off x="5612674" y="1850272"/>
-            <a:ext cx="0" cy="4128437"/>
-          </a:xfrm>
-          <a:prstGeom prst="line">
-            <a:avLst/>
-          </a:prstGeom>
-        </p:spPr>
-        <p:style>
-          <a:lnRef idx="1">
-            <a:schemeClr val="accent1"/>
-          </a:lnRef>
-          <a:fillRef idx="0">
-            <a:schemeClr val="accent1"/>
-          </a:fillRef>
-          <a:effectRef idx="0">
-            <a:schemeClr val="accent1"/>
-          </a:effectRef>
-          <a:fontRef idx="minor">
-            <a:schemeClr val="tx1"/>
-          </a:fontRef>
-        </p:style>
-      </p:cxnSp>
-      <p:cxnSp>
-        <p:nvCxnSpPr>
-          <p:cNvPr id="9" name="Straight Connector 8">
-            <a:extLst>
-              <a:ext uri="{FF2B5EF4-FFF2-40B4-BE49-F238E27FC236}">
-                <a16:creationId xmlns:a16="http://schemas.microsoft.com/office/drawing/2014/main" id="{2C261977-CCDA-A449-983C-629F4D2C2170}"/>
-              </a:ext>
-            </a:extLst>
-          </p:cNvPr>
-          <p:cNvCxnSpPr>
-            <a:cxnSpLocks/>
-          </p:cNvCxnSpPr>
-          <p:nvPr/>
-        </p:nvCxnSpPr>
-        <p:spPr>
-          <a:xfrm>
-            <a:off x="8462454" y="1850272"/>
-            <a:ext cx="0" cy="4128437"/>
-          </a:xfrm>
-          <a:prstGeom prst="line">
-            <a:avLst/>
-          </a:prstGeom>
-        </p:spPr>
-        <p:style>
-          <a:lnRef idx="1">
-            <a:schemeClr val="accent1"/>
-          </a:lnRef>
-          <a:fillRef idx="0">
-            <a:schemeClr val="accent1"/>
-          </a:fillRef>
-          <a:effectRef idx="0">
-            <a:schemeClr val="accent1"/>
-          </a:effectRef>
-          <a:fontRef idx="minor">
-            <a:schemeClr val="tx1"/>
-          </a:fontRef>
-        </p:style>
-      </p:cxnSp>
-      <p:cxnSp>
-        <p:nvCxnSpPr>
-          <p:cNvPr id="10" name="Straight Connector 9">
-            <a:extLst>
-              <a:ext uri="{FF2B5EF4-FFF2-40B4-BE49-F238E27FC236}">
-                <a16:creationId xmlns:a16="http://schemas.microsoft.com/office/drawing/2014/main" id="{FA39AE1F-3021-7444-98E0-02C182A52905}"/>
-              </a:ext>
-            </a:extLst>
-          </p:cNvPr>
-          <p:cNvCxnSpPr>
-            <a:cxnSpLocks/>
-          </p:cNvCxnSpPr>
-          <p:nvPr/>
-        </p:nvCxnSpPr>
-        <p:spPr>
-          <a:xfrm>
-            <a:off x="838200" y="1850267"/>
-            <a:ext cx="0" cy="4128437"/>
-          </a:xfrm>
-          <a:prstGeom prst="line">
-            <a:avLst/>
-          </a:prstGeom>
-        </p:spPr>
-        <p:style>
-          <a:lnRef idx="1">
-            <a:schemeClr val="accent1"/>
-          </a:lnRef>
-          <a:fillRef idx="0">
-            <a:schemeClr val="accent1"/>
-          </a:fillRef>
-          <a:effectRef idx="0">
-            <a:schemeClr val="accent1"/>
-          </a:effectRef>
-          <a:fontRef idx="minor">
-            <a:schemeClr val="tx1"/>
-          </a:fontRef>
-        </p:style>
-      </p:cxnSp>
-      <p:sp>
-        <p:nvSpPr>
-          <p:cNvPr id="33" name="TextBox 32">
-            <a:extLst>
-              <a:ext uri="{FF2B5EF4-FFF2-40B4-BE49-F238E27FC236}">
-                <a16:creationId xmlns:a16="http://schemas.microsoft.com/office/drawing/2014/main" id="{002F40A4-37E0-9C4C-AEE4-8FC15F7563D3}"/>
-              </a:ext>
-            </a:extLst>
-          </p:cNvPr>
-          <p:cNvSpPr txBox="1"/>
-          <p:nvPr/>
-        </p:nvSpPr>
-        <p:spPr>
-          <a:xfrm>
-            <a:off x="838200" y="1937208"/>
-            <a:ext cx="2271071" cy="400110"/>
-          </a:xfrm>
-          <a:prstGeom prst="rect">
-            <a:avLst/>
-          </a:prstGeom>
-          <a:noFill/>
-        </p:spPr>
-        <p:txBody>
-          <a:bodyPr wrap="none" rtlCol="0">
-            <a:spAutoFit/>
-          </a:bodyPr>
-          <a:lstStyle/>
-          <a:p>
-            <a:r>
-              <a:rPr lang="en-GB" sz="2000" dirty="0" err="1"/>
-              <a:t>Operatorer</a:t>
-            </a:r>
-            <a:r>
-              <a:rPr lang="en-GB" sz="2000" dirty="0"/>
-              <a:t> </a:t>
-            </a:r>
-            <a:r>
-              <a:rPr lang="en-GB" sz="2000" dirty="0" err="1"/>
-              <a:t>og</a:t>
-            </a:r>
-            <a:r>
-              <a:rPr lang="en-GB" sz="2000" dirty="0"/>
-              <a:t> </a:t>
-            </a:r>
-            <a:r>
-              <a:rPr lang="en-GB" sz="2000" dirty="0" err="1"/>
-              <a:t>typer</a:t>
-            </a:r>
-            <a:endParaRPr lang="en-GB" sz="2000" dirty="0"/>
-          </a:p>
-        </p:txBody>
-      </p:sp>
-      <p:sp>
-        <p:nvSpPr>
-          <p:cNvPr id="34" name="TextBox 33">
-            <a:extLst>
-              <a:ext uri="{FF2B5EF4-FFF2-40B4-BE49-F238E27FC236}">
-                <a16:creationId xmlns:a16="http://schemas.microsoft.com/office/drawing/2014/main" id="{83DB5C78-6841-D340-967E-93DC23631568}"/>
-              </a:ext>
-            </a:extLst>
-          </p:cNvPr>
-          <p:cNvSpPr txBox="1"/>
-          <p:nvPr/>
-        </p:nvSpPr>
-        <p:spPr>
-          <a:xfrm>
-            <a:off x="3592296" y="1691208"/>
-            <a:ext cx="1964956" cy="707886"/>
-          </a:xfrm>
-          <a:prstGeom prst="rect">
-            <a:avLst/>
-          </a:prstGeom>
-          <a:noFill/>
-        </p:spPr>
-        <p:txBody>
-          <a:bodyPr wrap="square" rtlCol="0">
-            <a:spAutoFit/>
-          </a:bodyPr>
-          <a:lstStyle/>
-          <a:p>
-            <a:r>
-              <a:rPr lang="en-GB" sz="2000" dirty="0" err="1"/>
-              <a:t>Præcendens</a:t>
-            </a:r>
-            <a:r>
-              <a:rPr lang="en-GB" sz="2000" dirty="0"/>
-              <a:t> </a:t>
-            </a:r>
-            <a:r>
-              <a:rPr lang="en-GB" sz="2000" dirty="0" err="1"/>
-              <a:t>og</a:t>
-            </a:r>
-            <a:r>
-              <a:rPr lang="en-GB" sz="2000" dirty="0"/>
-              <a:t> association</a:t>
-            </a:r>
-          </a:p>
-        </p:txBody>
-      </p:sp>
-      <p:sp>
-        <p:nvSpPr>
-          <p:cNvPr id="35" name="TextBox 34">
-            <a:extLst>
-              <a:ext uri="{FF2B5EF4-FFF2-40B4-BE49-F238E27FC236}">
-                <a16:creationId xmlns:a16="http://schemas.microsoft.com/office/drawing/2014/main" id="{C1EF2861-5EFD-6142-B0DE-FBA35F9A0DD4}"/>
-              </a:ext>
-            </a:extLst>
-          </p:cNvPr>
-          <p:cNvSpPr txBox="1"/>
-          <p:nvPr/>
-        </p:nvSpPr>
-        <p:spPr>
-          <a:xfrm>
-            <a:off x="5612675" y="1937211"/>
-            <a:ext cx="1405513" cy="400110"/>
-          </a:xfrm>
-          <a:prstGeom prst="rect">
-            <a:avLst/>
-          </a:prstGeom>
-          <a:noFill/>
-        </p:spPr>
-        <p:txBody>
-          <a:bodyPr wrap="none" rtlCol="0">
-            <a:spAutoFit/>
-          </a:bodyPr>
-          <a:lstStyle/>
-          <a:p>
-            <a:r>
-              <a:rPr lang="en-GB" sz="2000" dirty="0"/>
-              <a:t>Typecasting</a:t>
-            </a:r>
-          </a:p>
-        </p:txBody>
-      </p:sp>
-      <p:sp>
-        <p:nvSpPr>
-          <p:cNvPr id="36" name="TextBox 35">
-            <a:extLst>
-              <a:ext uri="{FF2B5EF4-FFF2-40B4-BE49-F238E27FC236}">
-                <a16:creationId xmlns:a16="http://schemas.microsoft.com/office/drawing/2014/main" id="{D3E7B5F3-323D-1949-A20A-27F668F94420}"/>
-              </a:ext>
-            </a:extLst>
-          </p:cNvPr>
-          <p:cNvSpPr txBox="1"/>
-          <p:nvPr/>
-        </p:nvSpPr>
-        <p:spPr>
-          <a:xfrm>
-            <a:off x="8462456" y="1937211"/>
-            <a:ext cx="2081724" cy="400110"/>
-          </a:xfrm>
-          <a:prstGeom prst="rect">
-            <a:avLst/>
-          </a:prstGeom>
-          <a:noFill/>
-        </p:spPr>
-        <p:txBody>
-          <a:bodyPr wrap="none" rtlCol="0">
-            <a:spAutoFit/>
-          </a:bodyPr>
-          <a:lstStyle/>
-          <a:p>
-            <a:r>
-              <a:rPr lang="en-GB" sz="2000" dirty="0" err="1"/>
-              <a:t>Unære</a:t>
-            </a:r>
-            <a:r>
-              <a:rPr lang="en-GB" sz="2000" dirty="0"/>
-              <a:t> </a:t>
-            </a:r>
-            <a:r>
-              <a:rPr lang="en-GB" sz="2000" dirty="0" err="1"/>
-              <a:t>operatorer</a:t>
-            </a:r>
-            <a:endParaRPr lang="en-GB" sz="2000" dirty="0"/>
-          </a:p>
-        </p:txBody>
-      </p:sp>
-      <p:cxnSp>
-        <p:nvCxnSpPr>
-          <p:cNvPr id="37" name="Straight Connector 36">
-            <a:extLst>
-              <a:ext uri="{FF2B5EF4-FFF2-40B4-BE49-F238E27FC236}">
-                <a16:creationId xmlns:a16="http://schemas.microsoft.com/office/drawing/2014/main" id="{28C8E072-4794-D645-B8D8-83DD3B1FC177}"/>
-              </a:ext>
-            </a:extLst>
-          </p:cNvPr>
-          <p:cNvCxnSpPr>
-            <a:cxnSpLocks/>
-          </p:cNvCxnSpPr>
-          <p:nvPr/>
-        </p:nvCxnSpPr>
-        <p:spPr>
-          <a:xfrm>
-            <a:off x="838200" y="2364376"/>
-            <a:ext cx="10515600" cy="0"/>
-          </a:xfrm>
-          <a:prstGeom prst="line">
-            <a:avLst/>
-          </a:prstGeom>
-        </p:spPr>
-        <p:style>
-          <a:lnRef idx="1">
-            <a:schemeClr val="accent1"/>
-          </a:lnRef>
-          <a:fillRef idx="0">
-            <a:schemeClr val="accent1"/>
-          </a:fillRef>
-          <a:effectRef idx="0">
-            <a:schemeClr val="accent1"/>
-          </a:effectRef>
-          <a:fontRef idx="minor">
-            <a:schemeClr val="tx1"/>
-          </a:fontRef>
-        </p:style>
-      </p:cxnSp>
-      <p:cxnSp>
-        <p:nvCxnSpPr>
-          <p:cNvPr id="46" name="Straight Connector 45">
-            <a:extLst>
-              <a:ext uri="{FF2B5EF4-FFF2-40B4-BE49-F238E27FC236}">
-                <a16:creationId xmlns:a16="http://schemas.microsoft.com/office/drawing/2014/main" id="{94EE0CD5-CC49-E94A-9C5F-4DEEAF649FFF}"/>
-              </a:ext>
-            </a:extLst>
-          </p:cNvPr>
-          <p:cNvCxnSpPr>
-            <a:cxnSpLocks/>
-          </p:cNvCxnSpPr>
-          <p:nvPr/>
-        </p:nvCxnSpPr>
-        <p:spPr>
-          <a:xfrm flipV="1">
-            <a:off x="929898" y="3239146"/>
-            <a:ext cx="697424" cy="92991"/>
-          </a:xfrm>
-          <a:prstGeom prst="line">
-            <a:avLst/>
-          </a:prstGeom>
-          <a:ln w="38100">
-            <a:solidFill>
-              <a:srgbClr val="C00000">
-                <a:alpha val="50000"/>
-              </a:srgbClr>
-            </a:solidFill>
-          </a:ln>
-        </p:spPr>
-        <p:style>
-          <a:lnRef idx="1">
-            <a:schemeClr val="accent1"/>
-          </a:lnRef>
-          <a:fillRef idx="0">
-            <a:schemeClr val="accent1"/>
-          </a:fillRef>
-          <a:effectRef idx="0">
-            <a:schemeClr val="accent1"/>
-          </a:effectRef>
-          <a:fontRef idx="minor">
-            <a:schemeClr val="tx1"/>
-          </a:fontRef>
-        </p:style>
-      </p:cxnSp>
-      <p:sp>
-        <p:nvSpPr>
-          <p:cNvPr id="53" name="TextBox 52">
-            <a:extLst>
-              <a:ext uri="{FF2B5EF4-FFF2-40B4-BE49-F238E27FC236}">
-                <a16:creationId xmlns:a16="http://schemas.microsoft.com/office/drawing/2014/main" id="{4D77C9C0-F5E2-174B-80BB-11D7FD01541C}"/>
-              </a:ext>
-            </a:extLst>
-          </p:cNvPr>
-          <p:cNvSpPr txBox="1"/>
-          <p:nvPr/>
-        </p:nvSpPr>
-        <p:spPr>
-          <a:xfrm>
-            <a:off x="4102679" y="3456718"/>
-            <a:ext cx="1191352" cy="307777"/>
-          </a:xfrm>
-          <a:prstGeom prst="rect">
-            <a:avLst/>
-          </a:prstGeom>
-          <a:noFill/>
-        </p:spPr>
-        <p:txBody>
-          <a:bodyPr wrap="none" rtlCol="0">
-            <a:spAutoFit/>
-          </a:bodyPr>
-          <a:lstStyle/>
-          <a:p>
-            <a:r>
-              <a:rPr lang="en-GB" sz="1400" dirty="0">
-                <a:solidFill>
-                  <a:schemeClr val="accent6"/>
-                </a:solidFill>
-                <a:latin typeface="DejaVu Sans Book" panose="020B0603030804020204" pitchFamily="34" charset="0"/>
-                <a:ea typeface="DejaVu Sans Book" panose="020B0603030804020204" pitchFamily="34" charset="0"/>
-                <a:cs typeface="DejaVu Sans Book" panose="020B0603030804020204" pitchFamily="34" charset="0"/>
-              </a:rPr>
-              <a:t>(               )</a:t>
-            </a:r>
-          </a:p>
-        </p:txBody>
-      </p:sp>
-      <p:sp>
-        <p:nvSpPr>
-          <p:cNvPr id="54" name="TextBox 53">
-            <a:extLst>
-              <a:ext uri="{FF2B5EF4-FFF2-40B4-BE49-F238E27FC236}">
-                <a16:creationId xmlns:a16="http://schemas.microsoft.com/office/drawing/2014/main" id="{9E5F309B-19EA-AF4E-BA15-12FEC4FD9C25}"/>
-              </a:ext>
-            </a:extLst>
-          </p:cNvPr>
-          <p:cNvSpPr txBox="1"/>
-          <p:nvPr/>
-        </p:nvSpPr>
-        <p:spPr>
-          <a:xfrm>
-            <a:off x="3513577" y="3801123"/>
-            <a:ext cx="1075936" cy="307777"/>
-          </a:xfrm>
-          <a:prstGeom prst="rect">
-            <a:avLst/>
-          </a:prstGeom>
-          <a:noFill/>
-        </p:spPr>
-        <p:txBody>
-          <a:bodyPr wrap="none" rtlCol="0">
-            <a:spAutoFit/>
-          </a:bodyPr>
-          <a:lstStyle/>
-          <a:p>
-            <a:r>
-              <a:rPr lang="en-GB" sz="1400" dirty="0">
-                <a:solidFill>
-                  <a:schemeClr val="accent6"/>
-                </a:solidFill>
-                <a:latin typeface="DejaVu Sans Book" panose="020B0603030804020204" pitchFamily="34" charset="0"/>
-                <a:ea typeface="DejaVu Sans Book" panose="020B0603030804020204" pitchFamily="34" charset="0"/>
-                <a:cs typeface="DejaVu Sans Book" panose="020B0603030804020204" pitchFamily="34" charset="0"/>
-              </a:rPr>
-              <a:t>(             )</a:t>
-            </a:r>
-          </a:p>
-        </p:txBody>
-      </p:sp>
-      <p:cxnSp>
-        <p:nvCxnSpPr>
-          <p:cNvPr id="55" name="Straight Connector 54">
-            <a:extLst>
-              <a:ext uri="{FF2B5EF4-FFF2-40B4-BE49-F238E27FC236}">
-                <a16:creationId xmlns:a16="http://schemas.microsoft.com/office/drawing/2014/main" id="{99E83C82-A64E-2143-9DA9-2ACA3C031970}"/>
-              </a:ext>
-            </a:extLst>
-          </p:cNvPr>
-          <p:cNvCxnSpPr>
-            <a:cxnSpLocks/>
-          </p:cNvCxnSpPr>
-          <p:nvPr/>
-        </p:nvCxnSpPr>
-        <p:spPr>
-          <a:xfrm flipV="1">
-            <a:off x="8522657" y="3580112"/>
-            <a:ext cx="2558632" cy="114508"/>
-          </a:xfrm>
-          <a:prstGeom prst="line">
-            <a:avLst/>
-          </a:prstGeom>
-          <a:ln w="38100">
-            <a:solidFill>
-              <a:srgbClr val="C00000">
-                <a:alpha val="50000"/>
-              </a:srgbClr>
-            </a:solidFill>
-          </a:ln>
-        </p:spPr>
-        <p:style>
-          <a:lnRef idx="1">
-            <a:schemeClr val="accent1"/>
-          </a:lnRef>
-          <a:fillRef idx="0">
-            <a:schemeClr val="accent1"/>
-          </a:fillRef>
-          <a:effectRef idx="0">
-            <a:schemeClr val="accent1"/>
-          </a:effectRef>
-          <a:fontRef idx="minor">
-            <a:schemeClr val="tx1"/>
-          </a:fontRef>
-        </p:style>
-      </p:cxnSp>
-      <p:sp>
-        <p:nvSpPr>
-          <p:cNvPr id="57" name="TextBox 56">
-            <a:extLst>
-              <a:ext uri="{FF2B5EF4-FFF2-40B4-BE49-F238E27FC236}">
-                <a16:creationId xmlns:a16="http://schemas.microsoft.com/office/drawing/2014/main" id="{FCE57C74-0DC0-D341-96E9-DCD928EB1B6C}"/>
-              </a:ext>
-            </a:extLst>
-          </p:cNvPr>
-          <p:cNvSpPr txBox="1"/>
-          <p:nvPr/>
-        </p:nvSpPr>
-        <p:spPr>
-          <a:xfrm>
-            <a:off x="7038615" y="3469970"/>
-            <a:ext cx="506870" cy="307777"/>
-          </a:xfrm>
-          <a:prstGeom prst="rect">
-            <a:avLst/>
-          </a:prstGeom>
-          <a:noFill/>
-        </p:spPr>
-        <p:txBody>
-          <a:bodyPr wrap="none" rtlCol="0">
-            <a:spAutoFit/>
-          </a:bodyPr>
-          <a:lstStyle/>
-          <a:p>
-            <a:r>
-              <a:rPr lang="en-GB" sz="1400" dirty="0">
-                <a:solidFill>
-                  <a:schemeClr val="accent6"/>
-                </a:solidFill>
-                <a:latin typeface="DejaVu Sans Book" panose="020B0603030804020204" pitchFamily="34" charset="0"/>
-                <a:ea typeface="DejaVu Sans Book" panose="020B0603030804020204" pitchFamily="34" charset="0"/>
-                <a:cs typeface="DejaVu Sans Book" panose="020B0603030804020204" pitchFamily="34" charset="0"/>
-              </a:rPr>
-              <a:t>= 3</a:t>
-            </a:r>
-          </a:p>
-        </p:txBody>
-      </p:sp>
-      <p:sp>
-        <p:nvSpPr>
-          <p:cNvPr id="58" name="TextBox 57">
-            <a:extLst>
-              <a:ext uri="{FF2B5EF4-FFF2-40B4-BE49-F238E27FC236}">
-                <a16:creationId xmlns:a16="http://schemas.microsoft.com/office/drawing/2014/main" id="{F4DB46FE-4F4F-5147-97A2-8D04019D1D9D}"/>
-              </a:ext>
-            </a:extLst>
-          </p:cNvPr>
-          <p:cNvSpPr txBox="1"/>
-          <p:nvPr/>
-        </p:nvSpPr>
-        <p:spPr>
-          <a:xfrm>
-            <a:off x="7035506" y="3787871"/>
-            <a:ext cx="506870" cy="307777"/>
-          </a:xfrm>
-          <a:prstGeom prst="rect">
-            <a:avLst/>
-          </a:prstGeom>
-          <a:noFill/>
-        </p:spPr>
-        <p:txBody>
-          <a:bodyPr wrap="none" rtlCol="0">
-            <a:spAutoFit/>
-          </a:bodyPr>
-          <a:lstStyle/>
-          <a:p>
-            <a:r>
-              <a:rPr lang="en-GB" sz="1400" dirty="0">
-                <a:solidFill>
-                  <a:schemeClr val="accent6"/>
-                </a:solidFill>
-                <a:latin typeface="DejaVu Sans Book" panose="020B0603030804020204" pitchFamily="34" charset="0"/>
-                <a:ea typeface="DejaVu Sans Book" panose="020B0603030804020204" pitchFamily="34" charset="0"/>
-                <a:cs typeface="DejaVu Sans Book" panose="020B0603030804020204" pitchFamily="34" charset="0"/>
-              </a:rPr>
-              <a:t>= 4</a:t>
-            </a:r>
-          </a:p>
-        </p:txBody>
-      </p:sp>
-    </p:spTree>
-    <p:extLst>
-      <p:ext uri="{BB962C8B-B14F-4D97-AF65-F5344CB8AC3E}">
-        <p14:creationId xmlns:p14="http://schemas.microsoft.com/office/powerpoint/2010/main" val="3029829728"/>
-      </p:ext>
-    </p:extLst>
-  </p:cSld>
-  <p:clrMapOvr>
-    <a:masterClrMapping/>
-  </p:clrMapOvr>
-  <p:timing>
-    <p:tnLst>
-      <p:par>
-        <p:cTn id="1" dur="indefinite" restart="never" nodeType="tmRoot">
-          <p:childTnLst>
-            <p:seq concurrent="1" nextAc="seek">
-              <p:cTn id="2" dur="indefinite" nodeType="mainSeq">
-                <p:childTnLst>
-                  <p:par>
-                    <p:cTn id="3" fill="hold">
-                      <p:stCondLst>
-                        <p:cond delay="indefinite"/>
-                      </p:stCondLst>
-                      <p:childTnLst>
-                        <p:par>
-                          <p:cTn id="4" fill="hold">
-                            <p:stCondLst>
-                              <p:cond delay="0"/>
-                            </p:stCondLst>
-                            <p:childTnLst>
-                              <p:par>
-                                <p:cTn id="5" presetID="1" presetClass="entr" presetSubtype="0" fill="hold" grpId="0" nodeType="clickEffect">
-                                  <p:stCondLst>
-                                    <p:cond delay="0"/>
-                                  </p:stCondLst>
-                                  <p:childTnLst>
-                                    <p:set>
-                                      <p:cBhvr>
-                                        <p:cTn id="6" dur="1" fill="hold">
-                                          <p:stCondLst>
-                                            <p:cond delay="0"/>
-                                          </p:stCondLst>
-                                        </p:cTn>
-                                        <p:tgtEl>
-                                          <p:spTgt spid="53"/>
-                                        </p:tgtEl>
-                                        <p:attrNameLst>
-                                          <p:attrName>style.visibility</p:attrName>
-                                        </p:attrNameLst>
-                                      </p:cBhvr>
-                                      <p:to>
-                                        <p:strVal val="visible"/>
-                                      </p:to>
-                                    </p:set>
-                                  </p:childTnLst>
-                                </p:cTn>
-                              </p:par>
-                            </p:childTnLst>
-                          </p:cTn>
-                        </p:par>
-                      </p:childTnLst>
-                    </p:cTn>
-                  </p:par>
-                  <p:par>
-                    <p:cTn id="7" fill="hold">
-                      <p:stCondLst>
-                        <p:cond delay="indefinite"/>
-                      </p:stCondLst>
-                      <p:childTnLst>
-                        <p:par>
-                          <p:cTn id="8" fill="hold">
-                            <p:stCondLst>
-                              <p:cond delay="0"/>
-                            </p:stCondLst>
-                            <p:childTnLst>
-                              <p:par>
-                                <p:cTn id="9" presetID="1" presetClass="entr" presetSubtype="0" fill="hold" grpId="0" nodeType="clickEffect">
-                                  <p:stCondLst>
-                                    <p:cond delay="0"/>
-                                  </p:stCondLst>
-                                  <p:childTnLst>
-                                    <p:set>
-                                      <p:cBhvr>
-                                        <p:cTn id="10" dur="1" fill="hold">
-                                          <p:stCondLst>
-                                            <p:cond delay="0"/>
-                                          </p:stCondLst>
-                                        </p:cTn>
-                                        <p:tgtEl>
-                                          <p:spTgt spid="54"/>
-                                        </p:tgtEl>
-                                        <p:attrNameLst>
-                                          <p:attrName>style.visibility</p:attrName>
-                                        </p:attrNameLst>
-                                      </p:cBhvr>
-                                      <p:to>
-                                        <p:strVal val="visible"/>
-                                      </p:to>
-                                    </p:set>
-                                  </p:childTnLst>
-                                </p:cTn>
-                              </p:par>
-                            </p:childTnLst>
-                          </p:cTn>
-                        </p:par>
-                      </p:childTnLst>
-                    </p:cTn>
-                  </p:par>
-                  <p:par>
-                    <p:cTn id="11" fill="hold">
-                      <p:stCondLst>
-                        <p:cond delay="indefinite"/>
-                      </p:stCondLst>
-                      <p:childTnLst>
-                        <p:par>
-                          <p:cTn id="12" fill="hold">
-                            <p:stCondLst>
-                              <p:cond delay="0"/>
-                            </p:stCondLst>
-                            <p:childTnLst>
-                              <p:par>
-                                <p:cTn id="13" presetID="1" presetClass="entr" presetSubtype="0" fill="hold" grpId="0" nodeType="clickEffect">
-                                  <p:stCondLst>
-                                    <p:cond delay="0"/>
-                                  </p:stCondLst>
-                                  <p:childTnLst>
-                                    <p:set>
-                                      <p:cBhvr>
-                                        <p:cTn id="14" dur="1" fill="hold">
-                                          <p:stCondLst>
-                                            <p:cond delay="0"/>
-                                          </p:stCondLst>
-                                        </p:cTn>
-                                        <p:tgtEl>
-                                          <p:spTgt spid="5"/>
-                                        </p:tgtEl>
-                                        <p:attrNameLst>
-                                          <p:attrName>style.visibility</p:attrName>
-                                        </p:attrNameLst>
-                                      </p:cBhvr>
-                                      <p:to>
-                                        <p:strVal val="visible"/>
-                                      </p:to>
-                                    </p:set>
-                                  </p:childTnLst>
-                                </p:cTn>
-                              </p:par>
-                            </p:childTnLst>
-                          </p:cTn>
-                        </p:par>
-                      </p:childTnLst>
-                    </p:cTn>
-                  </p:par>
-                  <p:par>
-                    <p:cTn id="15" fill="hold">
-                      <p:stCondLst>
-                        <p:cond delay="indefinite"/>
-                      </p:stCondLst>
-                      <p:childTnLst>
-                        <p:par>
-                          <p:cTn id="16" fill="hold">
-                            <p:stCondLst>
-                              <p:cond delay="0"/>
-                            </p:stCondLst>
-                            <p:childTnLst>
-                              <p:par>
-                                <p:cTn id="17" presetID="1" presetClass="entr" presetSubtype="0" fill="hold" grpId="0" nodeType="clickEffect">
-                                  <p:stCondLst>
-                                    <p:cond delay="0"/>
-                                  </p:stCondLst>
-                                  <p:childTnLst>
-                                    <p:set>
-                                      <p:cBhvr>
-                                        <p:cTn id="18" dur="1" fill="hold">
-                                          <p:stCondLst>
-                                            <p:cond delay="0"/>
-                                          </p:stCondLst>
-                                        </p:cTn>
-                                        <p:tgtEl>
-                                          <p:spTgt spid="57"/>
-                                        </p:tgtEl>
-                                        <p:attrNameLst>
-                                          <p:attrName>style.visibility</p:attrName>
-                                        </p:attrNameLst>
-                                      </p:cBhvr>
-                                      <p:to>
-                                        <p:strVal val="visible"/>
-                                      </p:to>
-                                    </p:set>
-                                  </p:childTnLst>
-                                </p:cTn>
-                              </p:par>
-                            </p:childTnLst>
-                          </p:cTn>
-                        </p:par>
-                      </p:childTnLst>
-                    </p:cTn>
-                  </p:par>
-                  <p:par>
-                    <p:cTn id="19" fill="hold">
-                      <p:stCondLst>
-                        <p:cond delay="indefinite"/>
-                      </p:stCondLst>
-                      <p:childTnLst>
-                        <p:par>
-                          <p:cTn id="20" fill="hold">
-                            <p:stCondLst>
-                              <p:cond delay="0"/>
-                            </p:stCondLst>
-                            <p:childTnLst>
-                              <p:par>
-                                <p:cTn id="21" presetID="1" presetClass="entr" presetSubtype="0" fill="hold" grpId="0" nodeType="clickEffect">
-                                  <p:stCondLst>
-                                    <p:cond delay="0"/>
-                                  </p:stCondLst>
-                                  <p:childTnLst>
-                                    <p:set>
-                                      <p:cBhvr>
-                                        <p:cTn id="22" dur="1" fill="hold">
-                                          <p:stCondLst>
-                                            <p:cond delay="0"/>
-                                          </p:stCondLst>
-                                        </p:cTn>
-                                        <p:tgtEl>
-                                          <p:spTgt spid="58"/>
-                                        </p:tgtEl>
-                                        <p:attrNameLst>
-                                          <p:attrName>style.visibility</p:attrName>
-                                        </p:attrNameLst>
-                                      </p:cBhvr>
-                                      <p:to>
-                                        <p:strVal val="visible"/>
-                                      </p:to>
-                                    </p:set>
-                                  </p:childTnLst>
-                                </p:cTn>
-                              </p:par>
-                            </p:childTnLst>
-                          </p:cTn>
-                        </p:par>
-                      </p:childTnLst>
-                    </p:cTn>
-                  </p:par>
-                  <p:par>
-                    <p:cTn id="23" fill="hold">
-                      <p:stCondLst>
-                        <p:cond delay="indefinite"/>
-                      </p:stCondLst>
-                      <p:childTnLst>
-                        <p:par>
-                          <p:cTn id="24" fill="hold">
-                            <p:stCondLst>
-                              <p:cond delay="0"/>
-                            </p:stCondLst>
-                            <p:childTnLst>
-                              <p:par>
-                                <p:cTn id="25" presetID="1" presetClass="entr" presetSubtype="0" fill="hold" grpId="0" nodeType="clickEffect">
-                                  <p:stCondLst>
-                                    <p:cond delay="0"/>
-                                  </p:stCondLst>
-                                  <p:childTnLst>
-                                    <p:set>
-                                      <p:cBhvr>
-                                        <p:cTn id="26" dur="1" fill="hold">
-                                          <p:stCondLst>
-                                            <p:cond delay="0"/>
-                                          </p:stCondLst>
-                                        </p:cTn>
-                                        <p:tgtEl>
-                                          <p:spTgt spid="6"/>
-                                        </p:tgtEl>
-                                        <p:attrNameLst>
-                                          <p:attrName>style.visibility</p:attrName>
-                                        </p:attrNameLst>
-                                      </p:cBhvr>
-                                      <p:to>
-                                        <p:strVal val="visible"/>
-                                      </p:to>
-                                    </p:set>
-                                  </p:childTnLst>
-                                </p:cTn>
-                              </p:par>
-                            </p:childTnLst>
-                          </p:cTn>
-                        </p:par>
-                      </p:childTnLst>
-                    </p:cTn>
-                  </p:par>
-                  <p:par>
-                    <p:cTn id="27" fill="hold">
-                      <p:stCondLst>
-                        <p:cond delay="indefinite"/>
-                      </p:stCondLst>
-                      <p:childTnLst>
-                        <p:par>
-                          <p:cTn id="28" fill="hold">
-                            <p:stCondLst>
-                              <p:cond delay="0"/>
-                            </p:stCondLst>
-                            <p:childTnLst>
-                              <p:par>
-                                <p:cTn id="29" presetID="1" presetClass="entr" presetSubtype="0" fill="hold" nodeType="clickEffect">
-                                  <p:stCondLst>
-                                    <p:cond delay="0"/>
-                                  </p:stCondLst>
-                                  <p:childTnLst>
-                                    <p:set>
-                                      <p:cBhvr>
-                                        <p:cTn id="30" dur="1" fill="hold">
-                                          <p:stCondLst>
-                                            <p:cond delay="0"/>
-                                          </p:stCondLst>
-                                        </p:cTn>
-                                        <p:tgtEl>
-                                          <p:spTgt spid="55"/>
-                                        </p:tgtEl>
-                                        <p:attrNameLst>
-                                          <p:attrName>style.visibility</p:attrName>
-                                        </p:attrNameLst>
-                                      </p:cBhvr>
-                                      <p:to>
-                                        <p:strVal val="visible"/>
-                                      </p:to>
-                                    </p:set>
-                                  </p:childTnLst>
-                                </p:cTn>
-                              </p:par>
-                            </p:childTnLst>
-                          </p:cTn>
-                        </p:par>
-                      </p:childTnLst>
-                    </p:cTn>
-                  </p:par>
-                </p:childTnLst>
-              </p:cTn>
-              <p:prevCondLst>
-                <p:cond evt="onPrev" delay="0">
-                  <p:tgtEl>
-                    <p:sldTgt/>
-                  </p:tgtEl>
-                </p:cond>
-              </p:prevCondLst>
-              <p:nextCondLst>
-                <p:cond evt="onNext" delay="0">
-                  <p:tgtEl>
-                    <p:sldTgt/>
-                  </p:tgtEl>
-                </p:cond>
-              </p:nextCondLst>
-            </p:seq>
-          </p:childTnLst>
-        </p:cTn>
-      </p:par>
-    </p:tnLst>
-    <p:bldLst>
-      <p:bldP spid="5" grpId="0"/>
-      <p:bldP spid="6" grpId="0"/>
-      <p:bldP spid="53" grpId="0"/>
-      <p:bldP spid="54" grpId="0"/>
-      <p:bldP spid="57" grpId="0"/>
-      <p:bldP spid="58" grpId="0"/>
-    </p:bldLst>
-  </p:timing>
-</p:sld>
-</file>
-
 <file path=ppt/slides/slide2.xml><?xml version="1.0" encoding="utf-8"?>
 <p:sld xmlns:a="http://schemas.openxmlformats.org/drawingml/2006/main" xmlns:r="http://schemas.openxmlformats.org/officeDocument/2006/relationships" xmlns:p="http://schemas.openxmlformats.org/presentationml/2006/main">
   <p:cSld>
@@ -8329,7 +5701,13 @@
           <p:cNvGraphicFramePr>
             <a:graphicFrameLocks noGrp="1"/>
           </p:cNvGraphicFramePr>
-          <p:nvPr/>
+          <p:nvPr>
+            <p:extLst>
+              <p:ext uri="{D42A27DB-BD31-4B8C-83A1-F6EECF244321}">
+                <p14:modId xmlns:p14="http://schemas.microsoft.com/office/powerpoint/2010/main" val="3727697449"/>
+              </p:ext>
+            </p:extLst>
+          </p:nvPr>
         </p:nvGraphicFramePr>
         <p:xfrm>
           <a:off x="1474056" y="1284288"/>
@@ -8400,7 +5778,7 @@
                     <a:p>
                       <a:r>
                         <a:rPr lang="en-GB" dirty="0"/>
-                        <a:t>Type</a:t>
+                        <a:t>Type:</a:t>
                       </a:r>
                     </a:p>
                   </a:txBody>
@@ -8498,8 +5876,12 @@
                     <a:lstStyle/>
                     <a:p>
                       <a:r>
+                        <a:rPr lang="en-GB" dirty="0" err="1"/>
+                        <a:t>Værdi</a:t>
+                      </a:r>
+                      <a:r>
                         <a:rPr lang="en-GB" dirty="0"/>
-                        <a:t>Tre</a:t>
+                        <a:t>:</a:t>
                       </a:r>
                     </a:p>
                   </a:txBody>
@@ -8938,625 +6320,6 @@
     <p:extLst>
       <p:ext uri="{BB962C8B-B14F-4D97-AF65-F5344CB8AC3E}">
         <p14:creationId xmlns:p14="http://schemas.microsoft.com/office/powerpoint/2010/main" val="2311511105"/>
-      </p:ext>
-    </p:extLst>
-  </p:cSld>
-  <p:clrMapOvr>
-    <a:masterClrMapping/>
-  </p:clrMapOvr>
-</p:sld>
-</file>
-
-<file path=ppt/slides/slide8.xml><?xml version="1.0" encoding="utf-8"?>
-<p:sld xmlns:a="http://schemas.openxmlformats.org/drawingml/2006/main" xmlns:r="http://schemas.openxmlformats.org/officeDocument/2006/relationships" xmlns:p="http://schemas.openxmlformats.org/presentationml/2006/main">
-  <p:cSld>
-    <p:spTree>
-      <p:nvGrpSpPr>
-        <p:cNvPr id="1" name=""/>
-        <p:cNvGrpSpPr/>
-        <p:nvPr/>
-      </p:nvGrpSpPr>
-      <p:grpSpPr>
-        <a:xfrm>
-          <a:off x="0" y="0"/>
-          <a:ext cx="0" cy="0"/>
-          <a:chOff x="0" y="0"/>
-          <a:chExt cx="0" cy="0"/>
-        </a:xfrm>
-      </p:grpSpPr>
-      <p:sp>
-        <p:nvSpPr>
-          <p:cNvPr id="2" name="Title 1">
-            <a:extLst>
-              <a:ext uri="{FF2B5EF4-FFF2-40B4-BE49-F238E27FC236}">
-                <a16:creationId xmlns:a16="http://schemas.microsoft.com/office/drawing/2014/main" id="{7D951FD5-6FCD-E042-A892-142E147469EA}"/>
-              </a:ext>
-            </a:extLst>
-          </p:cNvPr>
-          <p:cNvSpPr>
-            <a:spLocks noGrp="1"/>
-          </p:cNvSpPr>
-          <p:nvPr>
-            <p:ph type="title"/>
-          </p:nvPr>
-        </p:nvSpPr>
-        <p:spPr/>
-        <p:txBody>
-          <a:bodyPr/>
-          <a:lstStyle/>
-          <a:p>
-            <a:r>
-              <a:rPr lang="en-GB" dirty="0" err="1"/>
-              <a:t>Operatorer</a:t>
-            </a:r>
-            <a:r>
-              <a:rPr lang="en-GB" dirty="0"/>
-              <a:t> </a:t>
-            </a:r>
-            <a:r>
-              <a:rPr lang="en-GB" dirty="0" err="1"/>
-              <a:t>og</a:t>
-            </a:r>
-            <a:r>
-              <a:rPr lang="en-GB" dirty="0"/>
-              <a:t> </a:t>
-            </a:r>
-            <a:r>
-              <a:rPr lang="en-GB" dirty="0" err="1"/>
-              <a:t>præcedens</a:t>
-            </a:r>
-            <a:endParaRPr lang="en-GB" dirty="0"/>
-          </a:p>
-        </p:txBody>
-      </p:sp>
-      <p:sp>
-        <p:nvSpPr>
-          <p:cNvPr id="3" name="Content Placeholder 2">
-            <a:extLst>
-              <a:ext uri="{FF2B5EF4-FFF2-40B4-BE49-F238E27FC236}">
-                <a16:creationId xmlns:a16="http://schemas.microsoft.com/office/drawing/2014/main" id="{01F1339C-CD04-ED4E-A829-7F36C1E0AB5C}"/>
-              </a:ext>
-            </a:extLst>
-          </p:cNvPr>
-          <p:cNvSpPr>
-            <a:spLocks noGrp="1"/>
-          </p:cNvSpPr>
-          <p:nvPr>
-            <p:ph idx="1"/>
-          </p:nvPr>
-        </p:nvSpPr>
-        <p:spPr>
-          <a:xfrm>
-            <a:off x="838200" y="2448341"/>
-            <a:ext cx="2686001" cy="3373392"/>
-          </a:xfrm>
-        </p:spPr>
-        <p:txBody>
-          <a:bodyPr>
-            <a:normAutofit/>
-          </a:bodyPr>
-          <a:lstStyle/>
-          <a:p>
-            <a:pPr marL="0" indent="0">
-              <a:lnSpc>
-                <a:spcPct val="100000"/>
-              </a:lnSpc>
-              <a:buNone/>
-            </a:pPr>
-            <a:r>
-              <a:rPr lang="en-GB" sz="1400" dirty="0">
-                <a:latin typeface="DejaVu Sans Book" panose="020B0603030804020204" pitchFamily="34" charset="0"/>
-                <a:ea typeface="DejaVu Sans Book" panose="020B0603030804020204" pitchFamily="34" charset="0"/>
-                <a:cs typeface="DejaVu Sans Book" panose="020B0603030804020204" pitchFamily="34" charset="0"/>
-              </a:rPr>
-              <a:t>3 + 4</a:t>
-            </a:r>
-          </a:p>
-          <a:p>
-            <a:pPr marL="0" indent="0">
-              <a:lnSpc>
-                <a:spcPct val="100000"/>
-              </a:lnSpc>
-              <a:buNone/>
-            </a:pPr>
-            <a:r>
-              <a:rPr lang="en-GB" sz="1400" dirty="0">
-                <a:latin typeface="DejaVu Sans Book" panose="020B0603030804020204" pitchFamily="34" charset="0"/>
-                <a:ea typeface="DejaVu Sans Book" panose="020B0603030804020204" pitchFamily="34" charset="0"/>
-                <a:cs typeface="DejaVu Sans Book" panose="020B0603030804020204" pitchFamily="34" charset="0"/>
-              </a:rPr>
-              <a:t>3.0 + 4.0</a:t>
-            </a:r>
-          </a:p>
-          <a:p>
-            <a:pPr marL="0" indent="0">
-              <a:lnSpc>
-                <a:spcPct val="100000"/>
-              </a:lnSpc>
-              <a:buNone/>
-            </a:pPr>
-            <a:r>
-              <a:rPr lang="en-GB" sz="1400" u="sng" dirty="0">
-                <a:latin typeface="DejaVu Sans Book" panose="020B0603030804020204" pitchFamily="34" charset="0"/>
-                <a:ea typeface="DejaVu Sans Book" panose="020B0603030804020204" pitchFamily="34" charset="0"/>
-                <a:cs typeface="DejaVu Sans Book" panose="020B0603030804020204" pitchFamily="34" charset="0"/>
-              </a:rPr>
-              <a:t>3 + 4.0</a:t>
-            </a:r>
-          </a:p>
-          <a:p>
-            <a:pPr marL="0" indent="0">
-              <a:lnSpc>
-                <a:spcPct val="100000"/>
-              </a:lnSpc>
-              <a:buNone/>
-            </a:pPr>
-            <a:r>
-              <a:rPr lang="en-GB" sz="1400" dirty="0">
-                <a:latin typeface="DejaVu Sans Book" panose="020B0603030804020204" pitchFamily="34" charset="0"/>
-                <a:ea typeface="DejaVu Sans Book" panose="020B0603030804020204" pitchFamily="34" charset="0"/>
-                <a:cs typeface="DejaVu Sans Book" panose="020B0603030804020204" pitchFamily="34" charset="0"/>
-              </a:rPr>
-              <a:t>5 / 2</a:t>
-            </a:r>
-          </a:p>
-          <a:p>
-            <a:pPr marL="0" indent="0">
-              <a:lnSpc>
-                <a:spcPct val="100000"/>
-              </a:lnSpc>
-              <a:buNone/>
-            </a:pPr>
-            <a:r>
-              <a:rPr lang="en-GB" sz="1400" dirty="0">
-                <a:latin typeface="DejaVu Sans Book" panose="020B0603030804020204" pitchFamily="34" charset="0"/>
-                <a:ea typeface="DejaVu Sans Book" panose="020B0603030804020204" pitchFamily="34" charset="0"/>
-                <a:cs typeface="DejaVu Sans Book" panose="020B0603030804020204" pitchFamily="34" charset="0"/>
-              </a:rPr>
-              <a:t>5 % 2</a:t>
-            </a:r>
-          </a:p>
-          <a:p>
-            <a:pPr marL="0" indent="0">
-              <a:lnSpc>
-                <a:spcPct val="100000"/>
-              </a:lnSpc>
-              <a:buNone/>
-            </a:pPr>
-            <a:r>
-              <a:rPr lang="en-GB" sz="1400" dirty="0">
-                <a:latin typeface="DejaVu Sans Book" panose="020B0603030804020204" pitchFamily="34" charset="0"/>
-                <a:ea typeface="DejaVu Sans Book" panose="020B0603030804020204" pitchFamily="34" charset="0"/>
-                <a:cs typeface="DejaVu Sans Book" panose="020B0603030804020204" pitchFamily="34" charset="0"/>
-              </a:rPr>
-              <a:t>2 * (5 / 2) + 5 % 2</a:t>
-            </a:r>
-          </a:p>
-          <a:p>
-            <a:pPr marL="0" indent="0">
-              <a:lnSpc>
-                <a:spcPct val="100000"/>
-              </a:lnSpc>
-              <a:buNone/>
-            </a:pPr>
-            <a:r>
-              <a:rPr lang="en-GB" sz="1400" dirty="0">
-                <a:latin typeface="DejaVu Sans Book" panose="020B0603030804020204" pitchFamily="34" charset="0"/>
-                <a:ea typeface="DejaVu Sans Book" panose="020B0603030804020204" pitchFamily="34" charset="0"/>
-                <a:cs typeface="DejaVu Sans Book" panose="020B0603030804020204" pitchFamily="34" charset="0"/>
-              </a:rPr>
-              <a:t>2.0 ** 3.0</a:t>
-            </a:r>
-          </a:p>
-          <a:p>
-            <a:pPr marL="0" indent="0">
-              <a:lnSpc>
-                <a:spcPct val="100000"/>
-              </a:lnSpc>
-              <a:buNone/>
-            </a:pPr>
-            <a:r>
-              <a:rPr lang="en-GB" sz="1400" dirty="0" err="1">
-                <a:latin typeface="DejaVu Sans Book" panose="020B0603030804020204" pitchFamily="34" charset="0"/>
-                <a:ea typeface="DejaVu Sans Book" panose="020B0603030804020204" pitchFamily="34" charset="0"/>
-                <a:cs typeface="DejaVu Sans Book" panose="020B0603030804020204" pitchFamily="34" charset="0"/>
-              </a:rPr>
-              <a:t>pown</a:t>
-            </a:r>
-            <a:r>
-              <a:rPr lang="en-GB" sz="1400" dirty="0">
-                <a:latin typeface="DejaVu Sans Book" panose="020B0603030804020204" pitchFamily="34" charset="0"/>
-                <a:ea typeface="DejaVu Sans Book" panose="020B0603030804020204" pitchFamily="34" charset="0"/>
-                <a:cs typeface="DejaVu Sans Book" panose="020B0603030804020204" pitchFamily="34" charset="0"/>
-              </a:rPr>
-              <a:t> 2 3</a:t>
-            </a:r>
-          </a:p>
-          <a:p>
-            <a:pPr marL="0" indent="0">
-              <a:lnSpc>
-                <a:spcPct val="100000"/>
-              </a:lnSpc>
-              <a:buNone/>
-            </a:pPr>
-            <a:r>
-              <a:rPr lang="en-GB" sz="1400" dirty="0">
-                <a:latin typeface="DejaVu Sans Book" panose="020B0603030804020204" pitchFamily="34" charset="0"/>
-                <a:ea typeface="DejaVu Sans Book" panose="020B0603030804020204" pitchFamily="34" charset="0"/>
-                <a:cs typeface="DejaVu Sans Book" panose="020B0603030804020204" pitchFamily="34" charset="0"/>
-              </a:rPr>
-              <a:t>"</a:t>
-            </a:r>
-            <a:r>
-              <a:rPr lang="en-GB" sz="1400" dirty="0" err="1">
-                <a:latin typeface="DejaVu Sans Book" panose="020B0603030804020204" pitchFamily="34" charset="0"/>
-                <a:ea typeface="DejaVu Sans Book" panose="020B0603030804020204" pitchFamily="34" charset="0"/>
-                <a:cs typeface="DejaVu Sans Book" panose="020B0603030804020204" pitchFamily="34" charset="0"/>
-              </a:rPr>
-              <a:t>hej</a:t>
-            </a:r>
-            <a:r>
-              <a:rPr lang="en-GB" sz="1400" dirty="0">
-                <a:latin typeface="DejaVu Sans Book" panose="020B0603030804020204" pitchFamily="34" charset="0"/>
-                <a:ea typeface="DejaVu Sans Book" panose="020B0603030804020204" pitchFamily="34" charset="0"/>
-                <a:cs typeface="DejaVu Sans Book" panose="020B0603030804020204" pitchFamily="34" charset="0"/>
-              </a:rPr>
-              <a:t> " + "med " + "dig"</a:t>
-            </a:r>
-          </a:p>
-        </p:txBody>
-      </p:sp>
-      <p:cxnSp>
-        <p:nvCxnSpPr>
-          <p:cNvPr id="10" name="Straight Connector 9">
-            <a:extLst>
-              <a:ext uri="{FF2B5EF4-FFF2-40B4-BE49-F238E27FC236}">
-                <a16:creationId xmlns:a16="http://schemas.microsoft.com/office/drawing/2014/main" id="{FA39AE1F-3021-7444-98E0-02C182A52905}"/>
-              </a:ext>
-            </a:extLst>
-          </p:cNvPr>
-          <p:cNvCxnSpPr>
-            <a:cxnSpLocks/>
-          </p:cNvCxnSpPr>
-          <p:nvPr/>
-        </p:nvCxnSpPr>
-        <p:spPr>
-          <a:xfrm>
-            <a:off x="838200" y="1850267"/>
-            <a:ext cx="0" cy="4128437"/>
-          </a:xfrm>
-          <a:prstGeom prst="line">
-            <a:avLst/>
-          </a:prstGeom>
-        </p:spPr>
-        <p:style>
-          <a:lnRef idx="1">
-            <a:schemeClr val="accent1"/>
-          </a:lnRef>
-          <a:fillRef idx="0">
-            <a:schemeClr val="accent1"/>
-          </a:fillRef>
-          <a:effectRef idx="0">
-            <a:schemeClr val="accent1"/>
-          </a:effectRef>
-          <a:fontRef idx="minor">
-            <a:schemeClr val="tx1"/>
-          </a:fontRef>
-        </p:style>
-      </p:cxnSp>
-      <p:sp>
-        <p:nvSpPr>
-          <p:cNvPr id="33" name="TextBox 32">
-            <a:extLst>
-              <a:ext uri="{FF2B5EF4-FFF2-40B4-BE49-F238E27FC236}">
-                <a16:creationId xmlns:a16="http://schemas.microsoft.com/office/drawing/2014/main" id="{002F40A4-37E0-9C4C-AEE4-8FC15F7563D3}"/>
-              </a:ext>
-            </a:extLst>
-          </p:cNvPr>
-          <p:cNvSpPr txBox="1"/>
-          <p:nvPr/>
-        </p:nvSpPr>
-        <p:spPr>
-          <a:xfrm>
-            <a:off x="838200" y="1937208"/>
-            <a:ext cx="2062488" cy="369332"/>
-          </a:xfrm>
-          <a:prstGeom prst="rect">
-            <a:avLst/>
-          </a:prstGeom>
-          <a:noFill/>
-        </p:spPr>
-        <p:txBody>
-          <a:bodyPr wrap="none" rtlCol="0">
-            <a:spAutoFit/>
-          </a:bodyPr>
-          <a:lstStyle/>
-          <a:p>
-            <a:r>
-              <a:rPr lang="en-GB" dirty="0" err="1"/>
-              <a:t>Operatorer</a:t>
-            </a:r>
-            <a:r>
-              <a:rPr lang="en-GB" dirty="0"/>
-              <a:t> </a:t>
-            </a:r>
-            <a:r>
-              <a:rPr lang="en-GB" dirty="0" err="1"/>
-              <a:t>og</a:t>
-            </a:r>
-            <a:r>
-              <a:rPr lang="en-GB" dirty="0"/>
-              <a:t> </a:t>
-            </a:r>
-            <a:r>
-              <a:rPr lang="en-GB" dirty="0" err="1"/>
-              <a:t>typer</a:t>
-            </a:r>
-            <a:endParaRPr lang="en-GB" dirty="0"/>
-          </a:p>
-        </p:txBody>
-      </p:sp>
-      <p:cxnSp>
-        <p:nvCxnSpPr>
-          <p:cNvPr id="37" name="Straight Connector 36">
-            <a:extLst>
-              <a:ext uri="{FF2B5EF4-FFF2-40B4-BE49-F238E27FC236}">
-                <a16:creationId xmlns:a16="http://schemas.microsoft.com/office/drawing/2014/main" id="{28C8E072-4794-D645-B8D8-83DD3B1FC177}"/>
-              </a:ext>
-            </a:extLst>
-          </p:cNvPr>
-          <p:cNvCxnSpPr>
-            <a:cxnSpLocks/>
-          </p:cNvCxnSpPr>
-          <p:nvPr/>
-        </p:nvCxnSpPr>
-        <p:spPr>
-          <a:xfrm>
-            <a:off x="838200" y="2364376"/>
-            <a:ext cx="2276959" cy="0"/>
-          </a:xfrm>
-          <a:prstGeom prst="line">
-            <a:avLst/>
-          </a:prstGeom>
-        </p:spPr>
-        <p:style>
-          <a:lnRef idx="1">
-            <a:schemeClr val="accent1"/>
-          </a:lnRef>
-          <a:fillRef idx="0">
-            <a:schemeClr val="accent1"/>
-          </a:fillRef>
-          <a:effectRef idx="0">
-            <a:schemeClr val="accent1"/>
-          </a:effectRef>
-          <a:fontRef idx="minor">
-            <a:schemeClr val="tx1"/>
-          </a:fontRef>
-        </p:style>
-      </p:cxnSp>
-      <p:cxnSp>
-        <p:nvCxnSpPr>
-          <p:cNvPr id="46" name="Straight Connector 45">
-            <a:extLst>
-              <a:ext uri="{FF2B5EF4-FFF2-40B4-BE49-F238E27FC236}">
-                <a16:creationId xmlns:a16="http://schemas.microsoft.com/office/drawing/2014/main" id="{94EE0CD5-CC49-E94A-9C5F-4DEEAF649FFF}"/>
-              </a:ext>
-            </a:extLst>
-          </p:cNvPr>
-          <p:cNvCxnSpPr>
-            <a:cxnSpLocks/>
-          </p:cNvCxnSpPr>
-          <p:nvPr/>
-        </p:nvCxnSpPr>
-        <p:spPr>
-          <a:xfrm flipV="1">
-            <a:off x="929898" y="3239146"/>
-            <a:ext cx="697424" cy="92991"/>
-          </a:xfrm>
-          <a:prstGeom prst="line">
-            <a:avLst/>
-          </a:prstGeom>
-          <a:ln w="38100">
-            <a:solidFill>
-              <a:srgbClr val="C00000">
-                <a:alpha val="50000"/>
-              </a:srgbClr>
-            </a:solidFill>
-          </a:ln>
-        </p:spPr>
-        <p:style>
-          <a:lnRef idx="1">
-            <a:schemeClr val="accent1"/>
-          </a:lnRef>
-          <a:fillRef idx="0">
-            <a:schemeClr val="accent1"/>
-          </a:fillRef>
-          <a:effectRef idx="0">
-            <a:schemeClr val="accent1"/>
-          </a:effectRef>
-          <a:fontRef idx="minor">
-            <a:schemeClr val="tx1"/>
-          </a:fontRef>
-        </p:style>
-      </p:cxnSp>
-    </p:spTree>
-    <p:extLst>
-      <p:ext uri="{BB962C8B-B14F-4D97-AF65-F5344CB8AC3E}">
-        <p14:creationId xmlns:p14="http://schemas.microsoft.com/office/powerpoint/2010/main" val="119666176"/>
-      </p:ext>
-    </p:extLst>
-  </p:cSld>
-  <p:clrMapOvr>
-    <a:masterClrMapping/>
-  </p:clrMapOvr>
-  <p:timing>
-    <p:tnLst>
-      <p:par>
-        <p:cTn id="1" dur="indefinite" restart="never" nodeType="tmRoot">
-          <p:childTnLst>
-            <p:seq concurrent="1" nextAc="seek">
-              <p:cTn id="2" dur="indefinite" nodeType="mainSeq">
-                <p:childTnLst>
-                  <p:par>
-                    <p:cTn id="3" fill="hold">
-                      <p:stCondLst>
-                        <p:cond delay="indefinite"/>
-                      </p:stCondLst>
-                      <p:childTnLst>
-                        <p:par>
-                          <p:cTn id="4" fill="hold">
-                            <p:stCondLst>
-                              <p:cond delay="0"/>
-                            </p:stCondLst>
-                            <p:childTnLst>
-                              <p:par>
-                                <p:cTn id="5" presetID="1" presetClass="entr" presetSubtype="0" fill="hold" nodeType="clickEffect">
-                                  <p:stCondLst>
-                                    <p:cond delay="0"/>
-                                  </p:stCondLst>
-                                  <p:childTnLst>
-                                    <p:set>
-                                      <p:cBhvr>
-                                        <p:cTn id="6" dur="1" fill="hold">
-                                          <p:stCondLst>
-                                            <p:cond delay="0"/>
-                                          </p:stCondLst>
-                                        </p:cTn>
-                                        <p:tgtEl>
-                                          <p:spTgt spid="46"/>
-                                        </p:tgtEl>
-                                        <p:attrNameLst>
-                                          <p:attrName>style.visibility</p:attrName>
-                                        </p:attrNameLst>
-                                      </p:cBhvr>
-                                      <p:to>
-                                        <p:strVal val="visible"/>
-                                      </p:to>
-                                    </p:set>
-                                  </p:childTnLst>
-                                </p:cTn>
-                              </p:par>
-                            </p:childTnLst>
-                          </p:cTn>
-                        </p:par>
-                      </p:childTnLst>
-                    </p:cTn>
-                  </p:par>
-                </p:childTnLst>
-              </p:cTn>
-              <p:prevCondLst>
-                <p:cond evt="onPrev" delay="0">
-                  <p:tgtEl>
-                    <p:sldTgt/>
-                  </p:tgtEl>
-                </p:cond>
-              </p:prevCondLst>
-              <p:nextCondLst>
-                <p:cond evt="onNext" delay="0">
-                  <p:tgtEl>
-                    <p:sldTgt/>
-                  </p:tgtEl>
-                </p:cond>
-              </p:nextCondLst>
-            </p:seq>
-          </p:childTnLst>
-        </p:cTn>
-      </p:par>
-    </p:tnLst>
-  </p:timing>
-</p:sld>
-</file>
-
-<file path=ppt/slides/slide9.xml><?xml version="1.0" encoding="utf-8"?>
-<p:sld xmlns:a="http://schemas.openxmlformats.org/drawingml/2006/main" xmlns:r="http://schemas.openxmlformats.org/officeDocument/2006/relationships" xmlns:p="http://schemas.openxmlformats.org/presentationml/2006/main">
-  <p:cSld>
-    <p:spTree>
-      <p:nvGrpSpPr>
-        <p:cNvPr id="1" name=""/>
-        <p:cNvGrpSpPr/>
-        <p:nvPr/>
-      </p:nvGrpSpPr>
-      <p:grpSpPr>
-        <a:xfrm>
-          <a:off x="0" y="0"/>
-          <a:ext cx="0" cy="0"/>
-          <a:chOff x="0" y="0"/>
-          <a:chExt cx="0" cy="0"/>
-        </a:xfrm>
-      </p:grpSpPr>
-      <p:sp>
-        <p:nvSpPr>
-          <p:cNvPr id="2" name="Title 1">
-            <a:extLst>
-              <a:ext uri="{FF2B5EF4-FFF2-40B4-BE49-F238E27FC236}">
-                <a16:creationId xmlns:a16="http://schemas.microsoft.com/office/drawing/2014/main" id="{7ACF8DE1-EA4E-4342-B99B-F65420FE7DD6}"/>
-              </a:ext>
-            </a:extLst>
-          </p:cNvPr>
-          <p:cNvSpPr>
-            <a:spLocks noGrp="1"/>
-          </p:cNvSpPr>
-          <p:nvPr>
-            <p:ph type="title"/>
-          </p:nvPr>
-        </p:nvSpPr>
-        <p:spPr>
-          <a:xfrm>
-            <a:off x="838200" y="365130"/>
-            <a:ext cx="10515600" cy="1325563"/>
-          </a:xfrm>
-        </p:spPr>
-        <p:txBody>
-          <a:bodyPr/>
-          <a:lstStyle/>
-          <a:p>
-            <a:r>
-              <a:rPr lang="da-DK"/>
-              <a:t>Præcedens og association</a:t>
-            </a:r>
-          </a:p>
-        </p:txBody>
-      </p:sp>
-      <p:pic>
-        <p:nvPicPr>
-          <p:cNvPr id="4" name="Content Placeholder 3">
-            <a:extLst>
-              <a:ext uri="{FF2B5EF4-FFF2-40B4-BE49-F238E27FC236}">
-                <a16:creationId xmlns:a16="http://schemas.microsoft.com/office/drawing/2014/main" id="{91EFF094-9E1F-374D-BD65-555FA92B259C}"/>
-              </a:ext>
-            </a:extLst>
-          </p:cNvPr>
-          <p:cNvPicPr>
-            <a:picLocks noChangeAspect="1"/>
-          </p:cNvPicPr>
-          <p:nvPr/>
-        </p:nvPicPr>
-        <p:blipFill>
-          <a:blip r:embed="rId3">
-            <a:extLst>
-              <a:ext uri="{28A0092B-C50C-407E-A947-70E740481C1C}">
-                <a14:useLocalDpi xmlns:a14="http://schemas.microsoft.com/office/drawing/2010/main" val="0"/>
-              </a:ext>
-            </a:extLst>
-          </a:blip>
-          <a:stretch>
-            <a:fillRect/>
-          </a:stretch>
-        </p:blipFill>
-        <p:spPr>
-          <a:xfrm>
-            <a:off x="1797805" y="1441344"/>
-            <a:ext cx="8060857" cy="5164338"/>
-          </a:xfrm>
-          <a:prstGeom prst="rect">
-            <a:avLst/>
-          </a:prstGeom>
-        </p:spPr>
-      </p:pic>
-    </p:spTree>
-    <p:extLst>
-      <p:ext uri="{BB962C8B-B14F-4D97-AF65-F5344CB8AC3E}">
-        <p14:creationId xmlns:p14="http://schemas.microsoft.com/office/powerpoint/2010/main" val="562571803"/>
       </p:ext>
     </p:extLst>
   </p:cSld>
